--- a/Presentation.pptx
+++ b/Presentation.pptx
@@ -122,18 +122,18 @@
   <pc:docChgLst>
     <pc:chgData name="akhil nichenametla" userId="a81230d310ee9045" providerId="LiveId" clId="{C5F62352-6657-4D58-97E4-FBB9E447FD00}"/>
     <pc:docChg chg="undo custSel addSld modSld">
-      <pc:chgData name="akhil nichenametla" userId="a81230d310ee9045" providerId="LiveId" clId="{C5F62352-6657-4D58-97E4-FBB9E447FD00}" dt="2018-04-22T19:45:15.157" v="781" actId="20577"/>
+      <pc:chgData name="akhil nichenametla" userId="a81230d310ee9045" providerId="LiveId" clId="{C5F62352-6657-4D58-97E4-FBB9E447FD00}" dt="2018-04-23T05:01:30.695" v="977" actId="20577"/>
       <pc:docMkLst>
         <pc:docMk/>
       </pc:docMkLst>
-      <pc:sldChg chg="modSp add">
-        <pc:chgData name="akhil nichenametla" userId="a81230d310ee9045" providerId="LiveId" clId="{C5F62352-6657-4D58-97E4-FBB9E447FD00}" dt="2018-04-22T19:15:34.752" v="55" actId="20577"/>
+      <pc:sldChg chg="addSp modSp add mod setBg setClrOvrMap">
+        <pc:chgData name="akhil nichenametla" userId="a81230d310ee9045" providerId="LiveId" clId="{C5F62352-6657-4D58-97E4-FBB9E447FD00}" dt="2018-04-23T05:01:30.695" v="977" actId="20577"/>
         <pc:sldMkLst>
           <pc:docMk/>
           <pc:sldMk cId="810799406" sldId="256"/>
         </pc:sldMkLst>
         <pc:spChg chg="mod">
-          <ac:chgData name="akhil nichenametla" userId="a81230d310ee9045" providerId="LiveId" clId="{C5F62352-6657-4D58-97E4-FBB9E447FD00}" dt="2018-04-22T19:14:07.546" v="19" actId="20577"/>
+          <ac:chgData name="akhil nichenametla" userId="a81230d310ee9045" providerId="LiveId" clId="{C5F62352-6657-4D58-97E4-FBB9E447FD00}" dt="2018-04-23T05:01:30.695" v="977" actId="20577"/>
           <ac:spMkLst>
             <pc:docMk/>
             <pc:sldMk cId="810799406" sldId="256"/>
@@ -141,22 +141,38 @@
           </ac:spMkLst>
         </pc:spChg>
         <pc:spChg chg="mod">
-          <ac:chgData name="akhil nichenametla" userId="a81230d310ee9045" providerId="LiveId" clId="{C5F62352-6657-4D58-97E4-FBB9E447FD00}" dt="2018-04-22T19:15:34.752" v="55" actId="20577"/>
+          <ac:chgData name="akhil nichenametla" userId="a81230d310ee9045" providerId="LiveId" clId="{C5F62352-6657-4D58-97E4-FBB9E447FD00}" dt="2018-04-23T05:01:16.242" v="951" actId="20577"/>
           <ac:spMkLst>
             <pc:docMk/>
             <pc:sldMk cId="810799406" sldId="256"/>
             <ac:spMk id="3" creationId="{9760E46D-5982-4565-90A9-DF547001D5F2}"/>
           </ac:spMkLst>
         </pc:spChg>
+        <pc:spChg chg="add">
+          <ac:chgData name="akhil nichenametla" userId="a81230d310ee9045" providerId="LiveId" clId="{C5F62352-6657-4D58-97E4-FBB9E447FD00}" dt="2018-04-23T04:58:02.274" v="843" actId="26606"/>
+          <ac:spMkLst>
+            <pc:docMk/>
+            <pc:sldMk cId="810799406" sldId="256"/>
+            <ac:spMk id="13" creationId="{053FB2EE-284F-4C87-AB3D-BBF87A9FAB97}"/>
+          </ac:spMkLst>
+        </pc:spChg>
+        <pc:grpChg chg="add">
+          <ac:chgData name="akhil nichenametla" userId="a81230d310ee9045" providerId="LiveId" clId="{C5F62352-6657-4D58-97E4-FBB9E447FD00}" dt="2018-04-23T04:58:02.274" v="843" actId="26606"/>
+          <ac:grpSpMkLst>
+            <pc:docMk/>
+            <pc:sldMk cId="810799406" sldId="256"/>
+            <ac:grpSpMk id="8" creationId="{D2C4BFA1-2075-4901-9E24-E41D1FDD51FD}"/>
+          </ac:grpSpMkLst>
+        </pc:grpChg>
       </pc:sldChg>
       <pc:sldChg chg="addSp delSp modSp add mod setBg setClrOvrMap">
-        <pc:chgData name="akhil nichenametla" userId="a81230d310ee9045" providerId="LiveId" clId="{C5F62352-6657-4D58-97E4-FBB9E447FD00}" dt="2018-04-22T19:33:47.264" v="519" actId="26606"/>
+        <pc:chgData name="akhil nichenametla" userId="a81230d310ee9045" providerId="LiveId" clId="{C5F62352-6657-4D58-97E4-FBB9E447FD00}" dt="2018-04-23T04:57:55.294" v="842" actId="26606"/>
         <pc:sldMkLst>
           <pc:docMk/>
           <pc:sldMk cId="2740556526" sldId="257"/>
         </pc:sldMkLst>
         <pc:spChg chg="mod">
-          <ac:chgData name="akhil nichenametla" userId="a81230d310ee9045" providerId="LiveId" clId="{C5F62352-6657-4D58-97E4-FBB9E447FD00}" dt="2018-04-22T19:33:47.264" v="519" actId="26606"/>
+          <ac:chgData name="akhil nichenametla" userId="a81230d310ee9045" providerId="LiveId" clId="{C5F62352-6657-4D58-97E4-FBB9E447FD00}" dt="2018-04-23T04:57:55.294" v="842" actId="26606"/>
           <ac:spMkLst>
             <pc:docMk/>
             <pc:sldMk cId="2740556526" sldId="257"/>
@@ -164,11 +180,19 @@
           </ac:spMkLst>
         </pc:spChg>
         <pc:spChg chg="add del mod">
-          <ac:chgData name="akhil nichenametla" userId="a81230d310ee9045" providerId="LiveId" clId="{C5F62352-6657-4D58-97E4-FBB9E447FD00}" dt="2018-04-22T19:33:47.264" v="519" actId="26606"/>
+          <ac:chgData name="akhil nichenametla" userId="a81230d310ee9045" providerId="LiveId" clId="{C5F62352-6657-4D58-97E4-FBB9E447FD00}" dt="2018-04-23T04:57:55.294" v="842" actId="26606"/>
           <ac:spMkLst>
             <pc:docMk/>
             <pc:sldMk cId="2740556526" sldId="257"/>
             <ac:spMk id="3" creationId="{1C188606-E220-406C-A92E-DD0642CD6DA3}"/>
+          </ac:spMkLst>
+        </pc:spChg>
+        <pc:spChg chg="add del">
+          <ac:chgData name="akhil nichenametla" userId="a81230d310ee9045" providerId="LiveId" clId="{C5F62352-6657-4D58-97E4-FBB9E447FD00}" dt="2018-04-23T04:56:59.383" v="823" actId="26606"/>
+          <ac:spMkLst>
+            <pc:docMk/>
+            <pc:sldMk cId="2740556526" sldId="257"/>
+            <ac:spMk id="6" creationId="{59A309A7-1751-4ABE-A3C1-EEC40366AD89}"/>
           </ac:spMkLst>
         </pc:spChg>
         <pc:spChg chg="add del">
@@ -180,11 +204,27 @@
           </ac:spMkLst>
         </pc:spChg>
         <pc:spChg chg="add del">
+          <ac:chgData name="akhil nichenametla" userId="a81230d310ee9045" providerId="LiveId" clId="{C5F62352-6657-4D58-97E4-FBB9E447FD00}" dt="2018-04-23T04:56:59.383" v="823" actId="26606"/>
+          <ac:spMkLst>
+            <pc:docMk/>
+            <pc:sldMk cId="2740556526" sldId="257"/>
+            <ac:spMk id="9" creationId="{967D8EB6-EAE1-4F9C-B398-83321E287204}"/>
+          </ac:spMkLst>
+        </pc:spChg>
+        <pc:spChg chg="add del">
           <ac:chgData name="akhil nichenametla" userId="a81230d310ee9045" providerId="LiveId" clId="{C5F62352-6657-4D58-97E4-FBB9E447FD00}" dt="2018-04-22T19:33:32.825" v="515" actId="26606"/>
           <ac:spMkLst>
             <pc:docMk/>
             <pc:sldMk cId="2740556526" sldId="257"/>
             <ac:spMk id="10" creationId="{BE95D989-81FA-4BAD-9AD5-E46CEDA91B36}"/>
+          </ac:spMkLst>
+        </pc:spChg>
+        <pc:spChg chg="add del">
+          <ac:chgData name="akhil nichenametla" userId="a81230d310ee9045" providerId="LiveId" clId="{C5F62352-6657-4D58-97E4-FBB9E447FD00}" dt="2018-04-23T04:57:06.942" v="825" actId="26606"/>
+          <ac:spMkLst>
+            <pc:docMk/>
+            <pc:sldMk cId="2740556526" sldId="257"/>
+            <ac:spMk id="11" creationId="{08E89D5E-1885-4160-AC77-CC471DD1D0DB}"/>
           </ac:spMkLst>
         </pc:spChg>
         <pc:spChg chg="add del">
@@ -211,12 +251,188 @@
             <ac:spMk id="17" creationId="{95724071-AC7B-4A67-934B-CD7F90745802}"/>
           </ac:spMkLst>
         </pc:spChg>
+        <pc:spChg chg="add del">
+          <ac:chgData name="akhil nichenametla" userId="a81230d310ee9045" providerId="LiveId" clId="{C5F62352-6657-4D58-97E4-FBB9E447FD00}" dt="2018-04-23T04:57:14.375" v="827" actId="26606"/>
+          <ac:spMkLst>
+            <pc:docMk/>
+            <pc:sldMk cId="2740556526" sldId="257"/>
+            <ac:spMk id="19" creationId="{59A309A7-1751-4ABE-A3C1-EEC40366AD89}"/>
+          </ac:spMkLst>
+        </pc:spChg>
+        <pc:spChg chg="add del">
+          <ac:chgData name="akhil nichenametla" userId="a81230d310ee9045" providerId="LiveId" clId="{C5F62352-6657-4D58-97E4-FBB9E447FD00}" dt="2018-04-23T04:57:14.375" v="827" actId="26606"/>
+          <ac:spMkLst>
+            <pc:docMk/>
+            <pc:sldMk cId="2740556526" sldId="257"/>
+            <ac:spMk id="20" creationId="{967D8EB6-EAE1-4F9C-B398-83321E287204}"/>
+          </ac:spMkLst>
+        </pc:spChg>
+        <pc:spChg chg="add del">
+          <ac:chgData name="akhil nichenametla" userId="a81230d310ee9045" providerId="LiveId" clId="{C5F62352-6657-4D58-97E4-FBB9E447FD00}" dt="2018-04-23T04:57:14.375" v="827" actId="26606"/>
+          <ac:spMkLst>
+            <pc:docMk/>
+            <pc:sldMk cId="2740556526" sldId="257"/>
+            <ac:spMk id="22" creationId="{1C188606-E220-406C-A92E-DD0642CD6DA3}"/>
+          </ac:spMkLst>
+        </pc:spChg>
+        <pc:spChg chg="add del">
+          <ac:chgData name="akhil nichenametla" userId="a81230d310ee9045" providerId="LiveId" clId="{C5F62352-6657-4D58-97E4-FBB9E447FD00}" dt="2018-04-23T04:57:39.368" v="831" actId="26606"/>
+          <ac:spMkLst>
+            <pc:docMk/>
+            <pc:sldMk cId="2740556526" sldId="257"/>
+            <ac:spMk id="23" creationId="{BE95D989-81FA-4BAD-9AD5-E46CEDA91B36}"/>
+          </ac:spMkLst>
+        </pc:spChg>
+        <pc:spChg chg="add del">
+          <ac:chgData name="akhil nichenametla" userId="a81230d310ee9045" providerId="LiveId" clId="{C5F62352-6657-4D58-97E4-FBB9E447FD00}" dt="2018-04-23T04:57:39.368" v="831" actId="26606"/>
+          <ac:spMkLst>
+            <pc:docMk/>
+            <pc:sldMk cId="2740556526" sldId="257"/>
+            <ac:spMk id="24" creationId="{156189E5-8A3E-4CFD-B71B-CCD0F8495E56}"/>
+          </ac:spMkLst>
+        </pc:spChg>
+        <pc:spChg chg="add del">
+          <ac:chgData name="akhil nichenametla" userId="a81230d310ee9045" providerId="LiveId" clId="{C5F62352-6657-4D58-97E4-FBB9E447FD00}" dt="2018-04-23T04:57:41.068" v="833" actId="26606"/>
+          <ac:spMkLst>
+            <pc:docMk/>
+            <pc:sldMk cId="2740556526" sldId="257"/>
+            <ac:spMk id="27" creationId="{E186B68C-84BC-4A6E-99D1-EE87483C1349}"/>
+          </ac:spMkLst>
+        </pc:spChg>
+        <pc:spChg chg="add del">
+          <ac:chgData name="akhil nichenametla" userId="a81230d310ee9045" providerId="LiveId" clId="{C5F62352-6657-4D58-97E4-FBB9E447FD00}" dt="2018-04-23T04:57:41.068" v="833" actId="26606"/>
+          <ac:spMkLst>
+            <pc:docMk/>
+            <pc:sldMk cId="2740556526" sldId="257"/>
+            <ac:spMk id="28" creationId="{1C091803-41C2-48E0-9228-5148460C7479}"/>
+          </ac:spMkLst>
+        </pc:spChg>
+        <pc:spChg chg="add del">
+          <ac:chgData name="akhil nichenametla" userId="a81230d310ee9045" providerId="LiveId" clId="{C5F62352-6657-4D58-97E4-FBB9E447FD00}" dt="2018-04-23T04:57:41.068" v="833" actId="26606"/>
+          <ac:spMkLst>
+            <pc:docMk/>
+            <pc:sldMk cId="2740556526" sldId="257"/>
+            <ac:spMk id="29" creationId="{6166C6D1-23AC-49C4-BA07-238E4E9F8CEB}"/>
+          </ac:spMkLst>
+        </pc:spChg>
+        <pc:spChg chg="add del">
+          <ac:chgData name="akhil nichenametla" userId="a81230d310ee9045" providerId="LiveId" clId="{C5F62352-6657-4D58-97E4-FBB9E447FD00}" dt="2018-04-23T04:57:41.068" v="833" actId="26606"/>
+          <ac:spMkLst>
+            <pc:docMk/>
+            <pc:sldMk cId="2740556526" sldId="257"/>
+            <ac:spMk id="30" creationId="{B775CD93-9DF2-48CB-9F57-1BCA9A46C7FA}"/>
+          </ac:spMkLst>
+        </pc:spChg>
+        <pc:spChg chg="add del">
+          <ac:chgData name="akhil nichenametla" userId="a81230d310ee9045" providerId="LiveId" clId="{C5F62352-6657-4D58-97E4-FBB9E447FD00}" dt="2018-04-23T04:57:41.068" v="833" actId="26606"/>
+          <ac:spMkLst>
+            <pc:docMk/>
+            <pc:sldMk cId="2740556526" sldId="257"/>
+            <ac:spMk id="32" creationId="{1C188606-E220-406C-A92E-DD0642CD6DA3}"/>
+          </ac:spMkLst>
+        </pc:spChg>
+        <pc:spChg chg="add del">
+          <ac:chgData name="akhil nichenametla" userId="a81230d310ee9045" providerId="LiveId" clId="{C5F62352-6657-4D58-97E4-FBB9E447FD00}" dt="2018-04-23T04:57:44.885" v="835" actId="26606"/>
+          <ac:spMkLst>
+            <pc:docMk/>
+            <pc:sldMk cId="2740556526" sldId="257"/>
+            <ac:spMk id="34" creationId="{C65B4C8C-34CB-4871-A2A4-D3A4B8387FD2}"/>
+          </ac:spMkLst>
+        </pc:spChg>
+        <pc:spChg chg="add del">
+          <ac:chgData name="akhil nichenametla" userId="a81230d310ee9045" providerId="LiveId" clId="{C5F62352-6657-4D58-97E4-FBB9E447FD00}" dt="2018-04-23T04:57:44.885" v="835" actId="26606"/>
+          <ac:spMkLst>
+            <pc:docMk/>
+            <pc:sldMk cId="2740556526" sldId="257"/>
+            <ac:spMk id="35" creationId="{44F49314-34CA-49F7-B857-CFA8666AABC7}"/>
+          </ac:spMkLst>
+        </pc:spChg>
+        <pc:spChg chg="add del">
+          <ac:chgData name="akhil nichenametla" userId="a81230d310ee9045" providerId="LiveId" clId="{C5F62352-6657-4D58-97E4-FBB9E447FD00}" dt="2018-04-23T04:57:47.772" v="837" actId="26606"/>
+          <ac:spMkLst>
+            <pc:docMk/>
+            <pc:sldMk cId="2740556526" sldId="257"/>
+            <ac:spMk id="38" creationId="{E186B68C-84BC-4A6E-99D1-EE87483C1349}"/>
+          </ac:spMkLst>
+        </pc:spChg>
+        <pc:spChg chg="add del">
+          <ac:chgData name="akhil nichenametla" userId="a81230d310ee9045" providerId="LiveId" clId="{C5F62352-6657-4D58-97E4-FBB9E447FD00}" dt="2018-04-23T04:57:47.772" v="837" actId="26606"/>
+          <ac:spMkLst>
+            <pc:docMk/>
+            <pc:sldMk cId="2740556526" sldId="257"/>
+            <ac:spMk id="39" creationId="{1C091803-41C2-48E0-9228-5148460C7479}"/>
+          </ac:spMkLst>
+        </pc:spChg>
+        <pc:spChg chg="add del">
+          <ac:chgData name="akhil nichenametla" userId="a81230d310ee9045" providerId="LiveId" clId="{C5F62352-6657-4D58-97E4-FBB9E447FD00}" dt="2018-04-23T04:57:47.772" v="837" actId="26606"/>
+          <ac:spMkLst>
+            <pc:docMk/>
+            <pc:sldMk cId="2740556526" sldId="257"/>
+            <ac:spMk id="40" creationId="{6166C6D1-23AC-49C4-BA07-238E4E9F8CEB}"/>
+          </ac:spMkLst>
+        </pc:spChg>
+        <pc:spChg chg="add del">
+          <ac:chgData name="akhil nichenametla" userId="a81230d310ee9045" providerId="LiveId" clId="{C5F62352-6657-4D58-97E4-FBB9E447FD00}" dt="2018-04-23T04:57:47.772" v="837" actId="26606"/>
+          <ac:spMkLst>
+            <pc:docMk/>
+            <pc:sldMk cId="2740556526" sldId="257"/>
+            <ac:spMk id="41" creationId="{B775CD93-9DF2-48CB-9F57-1BCA9A46C7FA}"/>
+          </ac:spMkLst>
+        </pc:spChg>
+        <pc:spChg chg="add del">
+          <ac:chgData name="akhil nichenametla" userId="a81230d310ee9045" providerId="LiveId" clId="{C5F62352-6657-4D58-97E4-FBB9E447FD00}" dt="2018-04-23T04:57:47.772" v="837" actId="26606"/>
+          <ac:spMkLst>
+            <pc:docMk/>
+            <pc:sldMk cId="2740556526" sldId="257"/>
+            <ac:spMk id="43" creationId="{1C188606-E220-406C-A92E-DD0642CD6DA3}"/>
+          </ac:spMkLst>
+        </pc:spChg>
+        <pc:spChg chg="add del">
+          <ac:chgData name="akhil nichenametla" userId="a81230d310ee9045" providerId="LiveId" clId="{C5F62352-6657-4D58-97E4-FBB9E447FD00}" dt="2018-04-23T04:57:51.723" v="839" actId="26606"/>
+          <ac:spMkLst>
+            <pc:docMk/>
+            <pc:sldMk cId="2740556526" sldId="257"/>
+            <ac:spMk id="45" creationId="{8D70B121-56F4-4848-B38B-182089D909FA}"/>
+          </ac:spMkLst>
+        </pc:spChg>
+        <pc:spChg chg="add del">
+          <ac:chgData name="akhil nichenametla" userId="a81230d310ee9045" providerId="LiveId" clId="{C5F62352-6657-4D58-97E4-FBB9E447FD00}" dt="2018-04-23T04:57:51.723" v="839" actId="26606"/>
+          <ac:spMkLst>
+            <pc:docMk/>
+            <pc:sldMk cId="2740556526" sldId="257"/>
+            <ac:spMk id="47" creationId="{1C188606-E220-406C-A92E-DD0642CD6DA3}"/>
+          </ac:spMkLst>
+        </pc:spChg>
+        <pc:spChg chg="add del">
+          <ac:chgData name="akhil nichenametla" userId="a81230d310ee9045" providerId="LiveId" clId="{C5F62352-6657-4D58-97E4-FBB9E447FD00}" dt="2018-04-23T04:57:55.263" v="841" actId="26606"/>
+          <ac:spMkLst>
+            <pc:docMk/>
+            <pc:sldMk cId="2740556526" sldId="257"/>
+            <ac:spMk id="49" creationId="{08E89D5E-1885-4160-AC77-CC471DD1D0DB}"/>
+          </ac:spMkLst>
+        </pc:spChg>
+        <pc:spChg chg="add">
+          <ac:chgData name="akhil nichenametla" userId="a81230d310ee9045" providerId="LiveId" clId="{C5F62352-6657-4D58-97E4-FBB9E447FD00}" dt="2018-04-23T04:57:55.294" v="842" actId="26606"/>
+          <ac:spMkLst>
+            <pc:docMk/>
+            <pc:sldMk cId="2740556526" sldId="257"/>
+            <ac:spMk id="53" creationId="{08E89D5E-1885-4160-AC77-CC471DD1D0DB}"/>
+          </ac:spMkLst>
+        </pc:spChg>
         <pc:graphicFrameChg chg="add del">
           <ac:chgData name="akhil nichenametla" userId="a81230d310ee9045" providerId="LiveId" clId="{C5F62352-6657-4D58-97E4-FBB9E447FD00}" dt="2018-04-22T19:33:32.825" v="515" actId="26606"/>
           <ac:graphicFrameMkLst>
             <pc:docMk/>
             <pc:sldMk cId="2740556526" sldId="257"/>
             <ac:graphicFrameMk id="5" creationId="{A4E38D03-DB15-47F3-94AC-C654A118391B}"/>
+          </ac:graphicFrameMkLst>
+        </pc:graphicFrameChg>
+        <pc:graphicFrameChg chg="add del">
+          <ac:chgData name="akhil nichenametla" userId="a81230d310ee9045" providerId="LiveId" clId="{C5F62352-6657-4D58-97E4-FBB9E447FD00}" dt="2018-04-23T04:57:06.942" v="825" actId="26606"/>
+          <ac:graphicFrameMkLst>
+            <pc:docMk/>
+            <pc:sldMk cId="2740556526" sldId="257"/>
+            <ac:graphicFrameMk id="16" creationId="{C623BB96-5305-438B-981B-9AB4C179C472}"/>
           </ac:graphicFrameMkLst>
         </pc:graphicFrameChg>
         <pc:graphicFrameChg chg="add del">
@@ -227,6 +443,78 @@
             <ac:graphicFrameMk id="18" creationId="{2B98C803-C855-4A19-8573-71A3EF0FC7AB}"/>
           </ac:graphicFrameMkLst>
         </pc:graphicFrameChg>
+        <pc:graphicFrameChg chg="add del">
+          <ac:chgData name="akhil nichenametla" userId="a81230d310ee9045" providerId="LiveId" clId="{C5F62352-6657-4D58-97E4-FBB9E447FD00}" dt="2018-04-23T04:57:39.368" v="831" actId="26606"/>
+          <ac:graphicFrameMkLst>
+            <pc:docMk/>
+            <pc:sldMk cId="2740556526" sldId="257"/>
+            <ac:graphicFrameMk id="25" creationId="{6A9DE023-7E60-4BA1-B558-EEA0056E3060}"/>
+          </ac:graphicFrameMkLst>
+        </pc:graphicFrameChg>
+        <pc:graphicFrameChg chg="add del">
+          <ac:chgData name="akhil nichenametla" userId="a81230d310ee9045" providerId="LiveId" clId="{C5F62352-6657-4D58-97E4-FBB9E447FD00}" dt="2018-04-23T04:57:44.885" v="835" actId="26606"/>
+          <ac:graphicFrameMkLst>
+            <pc:docMk/>
+            <pc:sldMk cId="2740556526" sldId="257"/>
+            <ac:graphicFrameMk id="36" creationId="{922D3D19-804D-46DC-B06A-A434D2D561A1}"/>
+          </ac:graphicFrameMkLst>
+        </pc:graphicFrameChg>
+        <pc:graphicFrameChg chg="add del">
+          <ac:chgData name="akhil nichenametla" userId="a81230d310ee9045" providerId="LiveId" clId="{C5F62352-6657-4D58-97E4-FBB9E447FD00}" dt="2018-04-23T04:57:55.263" v="841" actId="26606"/>
+          <ac:graphicFrameMkLst>
+            <pc:docMk/>
+            <pc:sldMk cId="2740556526" sldId="257"/>
+            <ac:graphicFrameMk id="51" creationId="{D1BA025D-EAE8-4962-913B-964D24A3E692}"/>
+          </ac:graphicFrameMkLst>
+        </pc:graphicFrameChg>
+        <pc:graphicFrameChg chg="add">
+          <ac:chgData name="akhil nichenametla" userId="a81230d310ee9045" providerId="LiveId" clId="{C5F62352-6657-4D58-97E4-FBB9E447FD00}" dt="2018-04-23T04:57:55.294" v="842" actId="26606"/>
+          <ac:graphicFrameMkLst>
+            <pc:docMk/>
+            <pc:sldMk cId="2740556526" sldId="257"/>
+            <ac:graphicFrameMk id="55" creationId="{145B96F5-8A4D-4E73-9F02-3FA4F9C43974}"/>
+          </ac:graphicFrameMkLst>
+        </pc:graphicFrameChg>
+        <pc:picChg chg="add del">
+          <ac:chgData name="akhil nichenametla" userId="a81230d310ee9045" providerId="LiveId" clId="{C5F62352-6657-4D58-97E4-FBB9E447FD00}" dt="2018-04-23T04:56:59.383" v="823" actId="26606"/>
+          <ac:picMkLst>
+            <pc:docMk/>
+            <pc:sldMk cId="2740556526" sldId="257"/>
+            <ac:picMk id="7" creationId="{DAEC0FFF-9BF5-4952-BEE3-9CF40AAAA7FF}"/>
+          </ac:picMkLst>
+        </pc:picChg>
+        <pc:picChg chg="add del">
+          <ac:chgData name="akhil nichenametla" userId="a81230d310ee9045" providerId="LiveId" clId="{C5F62352-6657-4D58-97E4-FBB9E447FD00}" dt="2018-04-23T04:57:14.375" v="827" actId="26606"/>
+          <ac:picMkLst>
+            <pc:docMk/>
+            <pc:sldMk cId="2740556526" sldId="257"/>
+            <ac:picMk id="21" creationId="{42186C98-3376-4924-8F1F-1596A8F133D9}"/>
+          </ac:picMkLst>
+        </pc:picChg>
+        <pc:picChg chg="add del">
+          <ac:chgData name="akhil nichenametla" userId="a81230d310ee9045" providerId="LiveId" clId="{C5F62352-6657-4D58-97E4-FBB9E447FD00}" dt="2018-04-23T04:57:41.068" v="833" actId="26606"/>
+          <ac:picMkLst>
+            <pc:docMk/>
+            <pc:sldMk cId="2740556526" sldId="257"/>
+            <ac:picMk id="31" creationId="{42186C98-3376-4924-8F1F-1596A8F133D9}"/>
+          </ac:picMkLst>
+        </pc:picChg>
+        <pc:picChg chg="add del">
+          <ac:chgData name="akhil nichenametla" userId="a81230d310ee9045" providerId="LiveId" clId="{C5F62352-6657-4D58-97E4-FBB9E447FD00}" dt="2018-04-23T04:57:47.772" v="837" actId="26606"/>
+          <ac:picMkLst>
+            <pc:docMk/>
+            <pc:sldMk cId="2740556526" sldId="257"/>
+            <ac:picMk id="42" creationId="{DAEC0FFF-9BF5-4952-BEE3-9CF40AAAA7FF}"/>
+          </ac:picMkLst>
+        </pc:picChg>
+        <pc:cxnChg chg="add del">
+          <ac:chgData name="akhil nichenametla" userId="a81230d310ee9045" providerId="LiveId" clId="{C5F62352-6657-4D58-97E4-FBB9E447FD00}" dt="2018-04-23T04:57:06.942" v="825" actId="26606"/>
+          <ac:cxnSpMkLst>
+            <pc:docMk/>
+            <pc:sldMk cId="2740556526" sldId="257"/>
+            <ac:cxnSpMk id="13" creationId="{550D2BD1-98F9-412D-905B-3A843EF4078B}"/>
+          </ac:cxnSpMkLst>
+        </pc:cxnChg>
         <pc:cxnChg chg="add del">
           <ac:chgData name="akhil nichenametla" userId="a81230d310ee9045" providerId="LiveId" clId="{C5F62352-6657-4D58-97E4-FBB9E447FD00}" dt="2018-04-22T19:33:37.170" v="517" actId="26606"/>
           <ac:cxnSpMkLst>
@@ -235,9 +523,33 @@
             <ac:cxnSpMk id="14" creationId="{2D72A2C9-F3CA-4216-8BAD-FA4C970C3C4E}"/>
           </ac:cxnSpMkLst>
         </pc:cxnChg>
+        <pc:cxnChg chg="add del">
+          <ac:chgData name="akhil nichenametla" userId="a81230d310ee9045" providerId="LiveId" clId="{C5F62352-6657-4D58-97E4-FBB9E447FD00}" dt="2018-04-23T04:57:51.723" v="839" actId="26606"/>
+          <ac:cxnSpMkLst>
+            <pc:docMk/>
+            <pc:sldMk cId="2740556526" sldId="257"/>
+            <ac:cxnSpMk id="46" creationId="{2D72A2C9-F3CA-4216-8BAD-FA4C970C3C4E}"/>
+          </ac:cxnSpMkLst>
+        </pc:cxnChg>
+        <pc:cxnChg chg="add del">
+          <ac:chgData name="akhil nichenametla" userId="a81230d310ee9045" providerId="LiveId" clId="{C5F62352-6657-4D58-97E4-FBB9E447FD00}" dt="2018-04-23T04:57:55.263" v="841" actId="26606"/>
+          <ac:cxnSpMkLst>
+            <pc:docMk/>
+            <pc:sldMk cId="2740556526" sldId="257"/>
+            <ac:cxnSpMk id="50" creationId="{550D2BD1-98F9-412D-905B-3A843EF4078B}"/>
+          </ac:cxnSpMkLst>
+        </pc:cxnChg>
+        <pc:cxnChg chg="add">
+          <ac:chgData name="akhil nichenametla" userId="a81230d310ee9045" providerId="LiveId" clId="{C5F62352-6657-4D58-97E4-FBB9E447FD00}" dt="2018-04-23T04:57:55.294" v="842" actId="26606"/>
+          <ac:cxnSpMkLst>
+            <pc:docMk/>
+            <pc:sldMk cId="2740556526" sldId="257"/>
+            <ac:cxnSpMk id="54" creationId="{550D2BD1-98F9-412D-905B-3A843EF4078B}"/>
+          </ac:cxnSpMkLst>
+        </pc:cxnChg>
       </pc:sldChg>
-      <pc:sldChg chg="delSp modSp add">
-        <pc:chgData name="akhil nichenametla" userId="a81230d310ee9045" providerId="LiveId" clId="{C5F62352-6657-4D58-97E4-FBB9E447FD00}" dt="2018-04-22T19:30:45.212" v="398" actId="20577"/>
+      <pc:sldChg chg="addSp delSp modSp add mod setBg setClrOvrMap">
+        <pc:chgData name="akhil nichenametla" userId="a81230d310ee9045" providerId="LiveId" clId="{C5F62352-6657-4D58-97E4-FBB9E447FD00}" dt="2018-04-23T04:59:47.995" v="915" actId="26606"/>
         <pc:sldMkLst>
           <pc:docMk/>
           <pc:sldMk cId="3882225838" sldId="258"/>
@@ -251,22 +563,78 @@
           </ac:spMkLst>
         </pc:spChg>
         <pc:spChg chg="mod">
-          <ac:chgData name="akhil nichenametla" userId="a81230d310ee9045" providerId="LiveId" clId="{C5F62352-6657-4D58-97E4-FBB9E447FD00}" dt="2018-04-22T19:30:45.212" v="398" actId="20577"/>
+          <ac:chgData name="akhil nichenametla" userId="a81230d310ee9045" providerId="LiveId" clId="{C5F62352-6657-4D58-97E4-FBB9E447FD00}" dt="2018-04-23T04:59:47.995" v="915" actId="26606"/>
           <ac:spMkLst>
             <pc:docMk/>
             <pc:sldMk cId="3882225838" sldId="258"/>
             <ac:spMk id="3" creationId="{F5E2E554-0D48-49F5-934C-B8791BD465CD}"/>
           </ac:spMkLst>
         </pc:spChg>
+        <pc:spChg chg="add del">
+          <ac:chgData name="akhil nichenametla" userId="a81230d310ee9045" providerId="LiveId" clId="{C5F62352-6657-4D58-97E4-FBB9E447FD00}" dt="2018-04-23T04:59:44.929" v="913" actId="26606"/>
+          <ac:spMkLst>
+            <pc:docMk/>
+            <pc:sldMk cId="3882225838" sldId="258"/>
+            <ac:spMk id="5" creationId="{A2ED9029-64A6-4BAE-BA25-DC2A13D43EDE}"/>
+          </ac:spMkLst>
+        </pc:spChg>
+        <pc:spChg chg="add del">
+          <ac:chgData name="akhil nichenametla" userId="a81230d310ee9045" providerId="LiveId" clId="{C5F62352-6657-4D58-97E4-FBB9E447FD00}" dt="2018-04-23T04:59:44.929" v="913" actId="26606"/>
+          <ac:spMkLst>
+            <pc:docMk/>
+            <pc:sldMk cId="3882225838" sldId="258"/>
+            <ac:spMk id="6" creationId="{41E17A99-1553-4633-ADFB-5CCDCF801D13}"/>
+          </ac:spMkLst>
+        </pc:spChg>
+        <pc:spChg chg="add del">
+          <ac:chgData name="akhil nichenametla" userId="a81230d310ee9045" providerId="LiveId" clId="{C5F62352-6657-4D58-97E4-FBB9E447FD00}" dt="2018-04-23T04:58:30.909" v="886" actId="26606"/>
+          <ac:spMkLst>
+            <pc:docMk/>
+            <pc:sldMk cId="3882225838" sldId="258"/>
+            <ac:spMk id="8" creationId="{8D70B121-56F4-4848-B38B-182089D909FA}"/>
+          </ac:spMkLst>
+        </pc:spChg>
+        <pc:spChg chg="add del">
+          <ac:chgData name="akhil nichenametla" userId="a81230d310ee9045" providerId="LiveId" clId="{C5F62352-6657-4D58-97E4-FBB9E447FD00}" dt="2018-04-23T04:59:44.929" v="913" actId="26606"/>
+          <ac:spMkLst>
+            <pc:docMk/>
+            <pc:sldMk cId="3882225838" sldId="258"/>
+            <ac:spMk id="12" creationId="{DAFABACF-DDBE-415C-8EE1-F7DD68C632C6}"/>
+          </ac:spMkLst>
+        </pc:spChg>
+        <pc:spChg chg="add del">
+          <ac:chgData name="akhil nichenametla" userId="a81230d310ee9045" providerId="LiveId" clId="{C5F62352-6657-4D58-97E4-FBB9E447FD00}" dt="2018-04-23T04:59:47.995" v="915" actId="26606"/>
+          <ac:spMkLst>
+            <pc:docMk/>
+            <pc:sldMk cId="3882225838" sldId="258"/>
+            <ac:spMk id="14" creationId="{E89ACC69-ADF2-492B-84C5-EA2CC16071F3}"/>
+          </ac:spMkLst>
+        </pc:spChg>
+        <pc:cxnChg chg="add del">
+          <ac:chgData name="akhil nichenametla" userId="a81230d310ee9045" providerId="LiveId" clId="{C5F62352-6657-4D58-97E4-FBB9E447FD00}" dt="2018-04-23T04:58:30.909" v="886" actId="26606"/>
+          <ac:cxnSpMkLst>
+            <pc:docMk/>
+            <pc:sldMk cId="3882225838" sldId="258"/>
+            <ac:cxnSpMk id="10" creationId="{2D72A2C9-F3CA-4216-8BAD-FA4C970C3C4E}"/>
+          </ac:cxnSpMkLst>
+        </pc:cxnChg>
+        <pc:cxnChg chg="add del">
+          <ac:chgData name="akhil nichenametla" userId="a81230d310ee9045" providerId="LiveId" clId="{C5F62352-6657-4D58-97E4-FBB9E447FD00}" dt="2018-04-23T04:59:47.995" v="915" actId="26606"/>
+          <ac:cxnSpMkLst>
+            <pc:docMk/>
+            <pc:sldMk cId="3882225838" sldId="258"/>
+            <ac:cxnSpMk id="15" creationId="{F2AE495E-2AAF-4BC1-87A5-331009D82896}"/>
+          </ac:cxnSpMkLst>
+        </pc:cxnChg>
       </pc:sldChg>
-      <pc:sldChg chg="modSp add">
-        <pc:chgData name="akhil nichenametla" userId="a81230d310ee9045" providerId="LiveId" clId="{C5F62352-6657-4D58-97E4-FBB9E447FD00}" dt="2018-04-22T19:31:01.178" v="417" actId="20577"/>
+      <pc:sldChg chg="addSp modSp add mod setBg">
+        <pc:chgData name="akhil nichenametla" userId="a81230d310ee9045" providerId="LiveId" clId="{C5F62352-6657-4D58-97E4-FBB9E447FD00}" dt="2018-04-23T04:59:33.239" v="911" actId="26606"/>
         <pc:sldMkLst>
           <pc:docMk/>
           <pc:sldMk cId="3049373090" sldId="259"/>
         </pc:sldMkLst>
         <pc:spChg chg="mod">
-          <ac:chgData name="akhil nichenametla" userId="a81230d310ee9045" providerId="LiveId" clId="{C5F62352-6657-4D58-97E4-FBB9E447FD00}" dt="2018-04-22T19:31:01.178" v="417" actId="20577"/>
+          <ac:chgData name="akhil nichenametla" userId="a81230d310ee9045" providerId="LiveId" clId="{C5F62352-6657-4D58-97E4-FBB9E447FD00}" dt="2018-04-23T04:59:33.239" v="911" actId="26606"/>
           <ac:spMkLst>
             <pc:docMk/>
             <pc:sldMk cId="3049373090" sldId="259"/>
@@ -274,22 +642,38 @@
           </ac:spMkLst>
         </pc:spChg>
         <pc:spChg chg="mod">
-          <ac:chgData name="akhil nichenametla" userId="a81230d310ee9045" providerId="LiveId" clId="{C5F62352-6657-4D58-97E4-FBB9E447FD00}" dt="2018-04-22T19:30:05.638" v="370" actId="20577"/>
+          <ac:chgData name="akhil nichenametla" userId="a81230d310ee9045" providerId="LiveId" clId="{C5F62352-6657-4D58-97E4-FBB9E447FD00}" dt="2018-04-23T04:59:33.239" v="911" actId="26606"/>
           <ac:spMkLst>
             <pc:docMk/>
             <pc:sldMk cId="3049373090" sldId="259"/>
             <ac:spMk id="3" creationId="{DE7FBEDC-DA43-4828-8585-2110229206CD}"/>
           </ac:spMkLst>
         </pc:spChg>
+        <pc:spChg chg="add">
+          <ac:chgData name="akhil nichenametla" userId="a81230d310ee9045" providerId="LiveId" clId="{C5F62352-6657-4D58-97E4-FBB9E447FD00}" dt="2018-04-23T04:59:33.239" v="911" actId="26606"/>
+          <ac:spMkLst>
+            <pc:docMk/>
+            <pc:sldMk cId="3049373090" sldId="259"/>
+            <ac:spMk id="8" creationId="{E89ACC69-ADF2-492B-84C5-EA2CC16071F3}"/>
+          </ac:spMkLst>
+        </pc:spChg>
+        <pc:cxnChg chg="add">
+          <ac:chgData name="akhil nichenametla" userId="a81230d310ee9045" providerId="LiveId" clId="{C5F62352-6657-4D58-97E4-FBB9E447FD00}" dt="2018-04-23T04:59:33.239" v="911" actId="26606"/>
+          <ac:cxnSpMkLst>
+            <pc:docMk/>
+            <pc:sldMk cId="3049373090" sldId="259"/>
+            <ac:cxnSpMk id="10" creationId="{F2AE495E-2AAF-4BC1-87A5-331009D82896}"/>
+          </ac:cxnSpMkLst>
+        </pc:cxnChg>
       </pc:sldChg>
       <pc:sldChg chg="addSp delSp modSp add mod setBg">
-        <pc:chgData name="akhil nichenametla" userId="a81230d310ee9045" providerId="LiveId" clId="{C5F62352-6657-4D58-97E4-FBB9E447FD00}" dt="2018-04-22T19:36:31.219" v="548" actId="20577"/>
+        <pc:chgData name="akhil nichenametla" userId="a81230d310ee9045" providerId="LiveId" clId="{C5F62352-6657-4D58-97E4-FBB9E447FD00}" dt="2018-04-23T04:59:04.711" v="907" actId="20577"/>
         <pc:sldMkLst>
           <pc:docMk/>
           <pc:sldMk cId="2329455797" sldId="260"/>
         </pc:sldMkLst>
         <pc:spChg chg="add del mod">
-          <ac:chgData name="akhil nichenametla" userId="a81230d310ee9045" providerId="LiveId" clId="{C5F62352-6657-4D58-97E4-FBB9E447FD00}" dt="2018-04-22T19:36:31.219" v="548" actId="20577"/>
+          <ac:chgData name="akhil nichenametla" userId="a81230d310ee9045" providerId="LiveId" clId="{C5F62352-6657-4D58-97E4-FBB9E447FD00}" dt="2018-04-23T04:59:04.711" v="907" actId="20577"/>
           <ac:spMkLst>
             <pc:docMk/>
             <pc:sldMk cId="2329455797" sldId="260"/>
@@ -361,14 +745,14 @@
           </ac:picMkLst>
         </pc:picChg>
       </pc:sldChg>
-      <pc:sldChg chg="modSp add">
-        <pc:chgData name="akhil nichenametla" userId="a81230d310ee9045" providerId="LiveId" clId="{C5F62352-6657-4D58-97E4-FBB9E447FD00}" dt="2018-04-22T19:45:15.157" v="781" actId="20577"/>
+      <pc:sldChg chg="addSp modSp add mod setBg">
+        <pc:chgData name="akhil nichenametla" userId="a81230d310ee9045" providerId="LiveId" clId="{C5F62352-6657-4D58-97E4-FBB9E447FD00}" dt="2018-04-23T04:59:23.459" v="910" actId="26606"/>
         <pc:sldMkLst>
           <pc:docMk/>
           <pc:sldMk cId="4100635518" sldId="261"/>
         </pc:sldMkLst>
         <pc:spChg chg="mod">
-          <ac:chgData name="akhil nichenametla" userId="a81230d310ee9045" providerId="LiveId" clId="{C5F62352-6657-4D58-97E4-FBB9E447FD00}" dt="2018-04-22T19:39:21.130" v="562" actId="20577"/>
+          <ac:chgData name="akhil nichenametla" userId="a81230d310ee9045" providerId="LiveId" clId="{C5F62352-6657-4D58-97E4-FBB9E447FD00}" dt="2018-04-23T04:59:23.459" v="910" actId="26606"/>
           <ac:spMkLst>
             <pc:docMk/>
             <pc:sldMk cId="4100635518" sldId="261"/>
@@ -376,17 +760,3057 @@
           </ac:spMkLst>
         </pc:spChg>
         <pc:spChg chg="mod">
-          <ac:chgData name="akhil nichenametla" userId="a81230d310ee9045" providerId="LiveId" clId="{C5F62352-6657-4D58-97E4-FBB9E447FD00}" dt="2018-04-22T19:45:15.157" v="781" actId="20577"/>
+          <ac:chgData name="akhil nichenametla" userId="a81230d310ee9045" providerId="LiveId" clId="{C5F62352-6657-4D58-97E4-FBB9E447FD00}" dt="2018-04-23T04:59:23.459" v="910" actId="26606"/>
           <ac:spMkLst>
             <pc:docMk/>
             <pc:sldMk cId="4100635518" sldId="261"/>
             <ac:spMk id="3" creationId="{1290AC5B-EAE1-412C-88F8-3D21190900D3}"/>
           </ac:spMkLst>
         </pc:spChg>
+        <pc:spChg chg="add">
+          <ac:chgData name="akhil nichenametla" userId="a81230d310ee9045" providerId="LiveId" clId="{C5F62352-6657-4D58-97E4-FBB9E447FD00}" dt="2018-04-23T04:59:23.459" v="910" actId="26606"/>
+          <ac:spMkLst>
+            <pc:docMk/>
+            <pc:sldMk cId="4100635518" sldId="261"/>
+            <ac:spMk id="8" creationId="{E89ACC69-ADF2-492B-84C5-EA2CC16071F3}"/>
+          </ac:spMkLst>
+        </pc:spChg>
+        <pc:cxnChg chg="add">
+          <ac:chgData name="akhil nichenametla" userId="a81230d310ee9045" providerId="LiveId" clId="{C5F62352-6657-4D58-97E4-FBB9E447FD00}" dt="2018-04-23T04:59:23.459" v="910" actId="26606"/>
+          <ac:cxnSpMkLst>
+            <pc:docMk/>
+            <pc:sldMk cId="4100635518" sldId="261"/>
+            <ac:cxnSpMk id="10" creationId="{F2AE495E-2AAF-4BC1-87A5-331009D82896}"/>
+          </ac:cxnSpMkLst>
+        </pc:cxnChg>
       </pc:sldChg>
     </pc:docChg>
   </pc:docChgLst>
 </pc:chgInfo>
+</file>
+
+<file path=ppt/diagrams/colors1.xml><?xml version="1.0" encoding="utf-8"?>
+<dgm:colorsDef xmlns:dgm="http://schemas.openxmlformats.org/drawingml/2006/diagram" xmlns:a="http://schemas.openxmlformats.org/drawingml/2006/main" uniqueId="urn:microsoft.com/office/officeart/2005/8/colors/accent6_1">
+  <dgm:title val=""/>
+  <dgm:desc val=""/>
+  <dgm:catLst>
+    <dgm:cat type="accent6" pri="11100"/>
+  </dgm:catLst>
+  <dgm:styleLbl name="node0">
+    <dgm:fillClrLst meth="repeat">
+      <a:schemeClr val="lt1"/>
+    </dgm:fillClrLst>
+    <dgm:linClrLst meth="repeat">
+      <a:schemeClr val="accent6">
+        <a:shade val="80000"/>
+      </a:schemeClr>
+    </dgm:linClrLst>
+    <dgm:effectClrLst/>
+    <dgm:txLinClrLst/>
+    <dgm:txFillClrLst meth="repeat">
+      <a:schemeClr val="dk1"/>
+    </dgm:txFillClrLst>
+    <dgm:txEffectClrLst/>
+  </dgm:styleLbl>
+  <dgm:styleLbl name="node1">
+    <dgm:fillClrLst meth="repeat">
+      <a:schemeClr val="lt1"/>
+    </dgm:fillClrLst>
+    <dgm:linClrLst meth="repeat">
+      <a:schemeClr val="accent6">
+        <a:shade val="80000"/>
+      </a:schemeClr>
+    </dgm:linClrLst>
+    <dgm:effectClrLst/>
+    <dgm:txLinClrLst/>
+    <dgm:txFillClrLst meth="repeat">
+      <a:schemeClr val="dk1"/>
+    </dgm:txFillClrLst>
+    <dgm:txEffectClrLst/>
+  </dgm:styleLbl>
+  <dgm:styleLbl name="alignNode1">
+    <dgm:fillClrLst meth="repeat">
+      <a:schemeClr val="lt1"/>
+    </dgm:fillClrLst>
+    <dgm:linClrLst meth="repeat">
+      <a:schemeClr val="accent6">
+        <a:shade val="80000"/>
+      </a:schemeClr>
+    </dgm:linClrLst>
+    <dgm:effectClrLst/>
+    <dgm:txLinClrLst/>
+    <dgm:txFillClrLst meth="repeat">
+      <a:schemeClr val="dk1"/>
+    </dgm:txFillClrLst>
+    <dgm:txEffectClrLst/>
+  </dgm:styleLbl>
+  <dgm:styleLbl name="lnNode1">
+    <dgm:fillClrLst meth="repeat">
+      <a:schemeClr val="lt1"/>
+    </dgm:fillClrLst>
+    <dgm:linClrLst meth="repeat">
+      <a:schemeClr val="accent6">
+        <a:shade val="80000"/>
+      </a:schemeClr>
+    </dgm:linClrLst>
+    <dgm:effectClrLst/>
+    <dgm:txLinClrLst/>
+    <dgm:txFillClrLst meth="repeat">
+      <a:schemeClr val="dk1"/>
+    </dgm:txFillClrLst>
+    <dgm:txEffectClrLst/>
+  </dgm:styleLbl>
+  <dgm:styleLbl name="vennNode1">
+    <dgm:fillClrLst meth="repeat">
+      <a:schemeClr val="lt1">
+        <a:alpha val="50000"/>
+      </a:schemeClr>
+    </dgm:fillClrLst>
+    <dgm:linClrLst meth="repeat">
+      <a:schemeClr val="accent6">
+        <a:shade val="80000"/>
+      </a:schemeClr>
+    </dgm:linClrLst>
+    <dgm:effectClrLst/>
+    <dgm:txLinClrLst/>
+    <dgm:txFillClrLst/>
+    <dgm:txEffectClrLst/>
+  </dgm:styleLbl>
+  <dgm:styleLbl name="node2">
+    <dgm:fillClrLst meth="repeat">
+      <a:schemeClr val="lt1"/>
+    </dgm:fillClrLst>
+    <dgm:linClrLst meth="repeat">
+      <a:schemeClr val="accent6">
+        <a:shade val="80000"/>
+      </a:schemeClr>
+    </dgm:linClrLst>
+    <dgm:effectClrLst/>
+    <dgm:txLinClrLst/>
+    <dgm:txFillClrLst meth="repeat">
+      <a:schemeClr val="dk1"/>
+    </dgm:txFillClrLst>
+    <dgm:txEffectClrLst/>
+  </dgm:styleLbl>
+  <dgm:styleLbl name="node3">
+    <dgm:fillClrLst meth="repeat">
+      <a:schemeClr val="lt1"/>
+    </dgm:fillClrLst>
+    <dgm:linClrLst meth="repeat">
+      <a:schemeClr val="accent6">
+        <a:shade val="80000"/>
+      </a:schemeClr>
+    </dgm:linClrLst>
+    <dgm:effectClrLst/>
+    <dgm:txLinClrLst/>
+    <dgm:txFillClrLst meth="repeat">
+      <a:schemeClr val="dk1"/>
+    </dgm:txFillClrLst>
+    <dgm:txEffectClrLst/>
+  </dgm:styleLbl>
+  <dgm:styleLbl name="node4">
+    <dgm:fillClrLst meth="repeat">
+      <a:schemeClr val="lt1"/>
+    </dgm:fillClrLst>
+    <dgm:linClrLst meth="repeat">
+      <a:schemeClr val="accent6">
+        <a:shade val="80000"/>
+      </a:schemeClr>
+    </dgm:linClrLst>
+    <dgm:effectClrLst/>
+    <dgm:txLinClrLst/>
+    <dgm:txFillClrLst meth="repeat">
+      <a:schemeClr val="dk1"/>
+    </dgm:txFillClrLst>
+    <dgm:txEffectClrLst/>
+  </dgm:styleLbl>
+  <dgm:styleLbl name="fgImgPlace1">
+    <dgm:fillClrLst meth="repeat">
+      <a:schemeClr val="accent6">
+        <a:tint val="40000"/>
+      </a:schemeClr>
+    </dgm:fillClrLst>
+    <dgm:linClrLst meth="repeat">
+      <a:schemeClr val="accent6">
+        <a:shade val="80000"/>
+      </a:schemeClr>
+    </dgm:linClrLst>
+    <dgm:effectClrLst/>
+    <dgm:txLinClrLst/>
+    <dgm:txFillClrLst meth="repeat">
+      <a:schemeClr val="lt1"/>
+    </dgm:txFillClrLst>
+    <dgm:txEffectClrLst/>
+  </dgm:styleLbl>
+  <dgm:styleLbl name="alignImgPlace1">
+    <dgm:fillClrLst meth="repeat">
+      <a:schemeClr val="accent6">
+        <a:tint val="40000"/>
+      </a:schemeClr>
+    </dgm:fillClrLst>
+    <dgm:linClrLst meth="repeat">
+      <a:schemeClr val="accent6">
+        <a:shade val="80000"/>
+      </a:schemeClr>
+    </dgm:linClrLst>
+    <dgm:effectClrLst/>
+    <dgm:txLinClrLst/>
+    <dgm:txFillClrLst meth="repeat">
+      <a:schemeClr val="lt1"/>
+    </dgm:txFillClrLst>
+    <dgm:txEffectClrLst/>
+  </dgm:styleLbl>
+  <dgm:styleLbl name="bgImgPlace1">
+    <dgm:fillClrLst meth="repeat">
+      <a:schemeClr val="accent6">
+        <a:tint val="40000"/>
+      </a:schemeClr>
+    </dgm:fillClrLst>
+    <dgm:linClrLst meth="repeat">
+      <a:schemeClr val="accent6">
+        <a:shade val="80000"/>
+      </a:schemeClr>
+    </dgm:linClrLst>
+    <dgm:effectClrLst/>
+    <dgm:txLinClrLst/>
+    <dgm:txFillClrLst meth="repeat">
+      <a:schemeClr val="lt1"/>
+    </dgm:txFillClrLst>
+    <dgm:txEffectClrLst/>
+  </dgm:styleLbl>
+  <dgm:styleLbl name="sibTrans2D1">
+    <dgm:fillClrLst meth="repeat">
+      <a:schemeClr val="accent6">
+        <a:tint val="60000"/>
+      </a:schemeClr>
+    </dgm:fillClrLst>
+    <dgm:linClrLst meth="repeat">
+      <a:schemeClr val="accent6">
+        <a:tint val="60000"/>
+      </a:schemeClr>
+    </dgm:linClrLst>
+    <dgm:effectClrLst/>
+    <dgm:txLinClrLst/>
+    <dgm:txFillClrLst meth="repeat">
+      <a:schemeClr val="dk1"/>
+    </dgm:txFillClrLst>
+    <dgm:txEffectClrLst/>
+  </dgm:styleLbl>
+  <dgm:styleLbl name="fgSibTrans2D1">
+    <dgm:fillClrLst meth="repeat">
+      <a:schemeClr val="accent6">
+        <a:tint val="60000"/>
+      </a:schemeClr>
+    </dgm:fillClrLst>
+    <dgm:linClrLst meth="repeat">
+      <a:schemeClr val="accent6">
+        <a:tint val="60000"/>
+      </a:schemeClr>
+    </dgm:linClrLst>
+    <dgm:effectClrLst/>
+    <dgm:txLinClrLst/>
+    <dgm:txFillClrLst meth="repeat">
+      <a:schemeClr val="dk1"/>
+    </dgm:txFillClrLst>
+    <dgm:txEffectClrLst/>
+  </dgm:styleLbl>
+  <dgm:styleLbl name="bgSibTrans2D1">
+    <dgm:fillClrLst meth="repeat">
+      <a:schemeClr val="accent6">
+        <a:tint val="60000"/>
+      </a:schemeClr>
+    </dgm:fillClrLst>
+    <dgm:linClrLst meth="repeat">
+      <a:schemeClr val="accent6">
+        <a:tint val="60000"/>
+      </a:schemeClr>
+    </dgm:linClrLst>
+    <dgm:effectClrLst/>
+    <dgm:txLinClrLst/>
+    <dgm:txFillClrLst meth="repeat">
+      <a:schemeClr val="dk1"/>
+    </dgm:txFillClrLst>
+    <dgm:txEffectClrLst/>
+  </dgm:styleLbl>
+  <dgm:styleLbl name="sibTrans1D1">
+    <dgm:fillClrLst meth="repeat">
+      <a:schemeClr val="accent6"/>
+    </dgm:fillClrLst>
+    <dgm:linClrLst meth="repeat">
+      <a:schemeClr val="accent6"/>
+    </dgm:linClrLst>
+    <dgm:effectClrLst/>
+    <dgm:txLinClrLst/>
+    <dgm:txFillClrLst meth="repeat">
+      <a:schemeClr val="tx1"/>
+    </dgm:txFillClrLst>
+    <dgm:txEffectClrLst/>
+  </dgm:styleLbl>
+  <dgm:styleLbl name="callout">
+    <dgm:fillClrLst meth="repeat">
+      <a:schemeClr val="accent6"/>
+    </dgm:fillClrLst>
+    <dgm:linClrLst meth="repeat">
+      <a:schemeClr val="accent6"/>
+    </dgm:linClrLst>
+    <dgm:effectClrLst/>
+    <dgm:txLinClrLst/>
+    <dgm:txFillClrLst meth="repeat">
+      <a:schemeClr val="tx1"/>
+    </dgm:txFillClrLst>
+    <dgm:txEffectClrLst/>
+  </dgm:styleLbl>
+  <dgm:styleLbl name="asst0">
+    <dgm:fillClrLst meth="repeat">
+      <a:schemeClr val="lt1"/>
+    </dgm:fillClrLst>
+    <dgm:linClrLst meth="repeat">
+      <a:schemeClr val="accent6">
+        <a:shade val="80000"/>
+      </a:schemeClr>
+    </dgm:linClrLst>
+    <dgm:effectClrLst/>
+    <dgm:txLinClrLst/>
+    <dgm:txFillClrLst meth="repeat">
+      <a:schemeClr val="dk1"/>
+    </dgm:txFillClrLst>
+    <dgm:txEffectClrLst/>
+  </dgm:styleLbl>
+  <dgm:styleLbl name="asst1">
+    <dgm:fillClrLst meth="repeat">
+      <a:schemeClr val="lt1"/>
+    </dgm:fillClrLst>
+    <dgm:linClrLst meth="repeat">
+      <a:schemeClr val="accent6">
+        <a:shade val="80000"/>
+      </a:schemeClr>
+    </dgm:linClrLst>
+    <dgm:effectClrLst/>
+    <dgm:txLinClrLst/>
+    <dgm:txFillClrLst meth="repeat">
+      <a:schemeClr val="dk1"/>
+    </dgm:txFillClrLst>
+    <dgm:txEffectClrLst/>
+  </dgm:styleLbl>
+  <dgm:styleLbl name="asst2">
+    <dgm:fillClrLst meth="repeat">
+      <a:schemeClr val="lt1"/>
+    </dgm:fillClrLst>
+    <dgm:linClrLst meth="repeat">
+      <a:schemeClr val="accent6">
+        <a:shade val="80000"/>
+      </a:schemeClr>
+    </dgm:linClrLst>
+    <dgm:effectClrLst/>
+    <dgm:txLinClrLst/>
+    <dgm:txFillClrLst meth="repeat">
+      <a:schemeClr val="dk1"/>
+    </dgm:txFillClrLst>
+    <dgm:txEffectClrLst/>
+  </dgm:styleLbl>
+  <dgm:styleLbl name="asst3">
+    <dgm:fillClrLst meth="repeat">
+      <a:schemeClr val="lt1"/>
+    </dgm:fillClrLst>
+    <dgm:linClrLst meth="repeat">
+      <a:schemeClr val="accent6">
+        <a:shade val="80000"/>
+      </a:schemeClr>
+    </dgm:linClrLst>
+    <dgm:effectClrLst/>
+    <dgm:txLinClrLst/>
+    <dgm:txFillClrLst meth="repeat">
+      <a:schemeClr val="dk1"/>
+    </dgm:txFillClrLst>
+    <dgm:txEffectClrLst/>
+  </dgm:styleLbl>
+  <dgm:styleLbl name="asst4">
+    <dgm:fillClrLst meth="repeat">
+      <a:schemeClr val="lt1"/>
+    </dgm:fillClrLst>
+    <dgm:linClrLst meth="repeat">
+      <a:schemeClr val="accent6">
+        <a:shade val="80000"/>
+      </a:schemeClr>
+    </dgm:linClrLst>
+    <dgm:effectClrLst/>
+    <dgm:txLinClrLst/>
+    <dgm:txFillClrLst meth="repeat">
+      <a:schemeClr val="dk1"/>
+    </dgm:txFillClrLst>
+    <dgm:txEffectClrLst/>
+  </dgm:styleLbl>
+  <dgm:styleLbl name="parChTrans2D1">
+    <dgm:fillClrLst meth="repeat">
+      <a:schemeClr val="accent6">
+        <a:tint val="60000"/>
+      </a:schemeClr>
+    </dgm:fillClrLst>
+    <dgm:linClrLst meth="repeat">
+      <a:schemeClr val="accent6">
+        <a:tint val="60000"/>
+      </a:schemeClr>
+    </dgm:linClrLst>
+    <dgm:effectClrLst/>
+    <dgm:txLinClrLst/>
+    <dgm:txFillClrLst/>
+    <dgm:txEffectClrLst/>
+  </dgm:styleLbl>
+  <dgm:styleLbl name="parChTrans2D2">
+    <dgm:fillClrLst meth="repeat">
+      <a:schemeClr val="accent6"/>
+    </dgm:fillClrLst>
+    <dgm:linClrLst meth="repeat">
+      <a:schemeClr val="accent6"/>
+    </dgm:linClrLst>
+    <dgm:effectClrLst/>
+    <dgm:txLinClrLst/>
+    <dgm:txFillClrLst/>
+    <dgm:txEffectClrLst/>
+  </dgm:styleLbl>
+  <dgm:styleLbl name="parChTrans2D3">
+    <dgm:fillClrLst meth="repeat">
+      <a:schemeClr val="accent6"/>
+    </dgm:fillClrLst>
+    <dgm:linClrLst meth="repeat">
+      <a:schemeClr val="accent6"/>
+    </dgm:linClrLst>
+    <dgm:effectClrLst/>
+    <dgm:txLinClrLst/>
+    <dgm:txFillClrLst/>
+    <dgm:txEffectClrLst/>
+  </dgm:styleLbl>
+  <dgm:styleLbl name="parChTrans2D4">
+    <dgm:fillClrLst meth="repeat">
+      <a:schemeClr val="accent6"/>
+    </dgm:fillClrLst>
+    <dgm:linClrLst meth="repeat">
+      <a:schemeClr val="accent6"/>
+    </dgm:linClrLst>
+    <dgm:effectClrLst/>
+    <dgm:txLinClrLst/>
+    <dgm:txFillClrLst meth="repeat">
+      <a:schemeClr val="lt1"/>
+    </dgm:txFillClrLst>
+    <dgm:txEffectClrLst/>
+  </dgm:styleLbl>
+  <dgm:styleLbl name="parChTrans1D1">
+    <dgm:fillClrLst meth="repeat">
+      <a:schemeClr val="accent6"/>
+    </dgm:fillClrLst>
+    <dgm:linClrLst meth="repeat">
+      <a:schemeClr val="accent6">
+        <a:shade val="60000"/>
+      </a:schemeClr>
+    </dgm:linClrLst>
+    <dgm:effectClrLst/>
+    <dgm:txLinClrLst/>
+    <dgm:txFillClrLst meth="repeat">
+      <a:schemeClr val="tx1"/>
+    </dgm:txFillClrLst>
+    <dgm:txEffectClrLst/>
+  </dgm:styleLbl>
+  <dgm:styleLbl name="parChTrans1D2">
+    <dgm:fillClrLst meth="repeat">
+      <a:schemeClr val="accent6"/>
+    </dgm:fillClrLst>
+    <dgm:linClrLst meth="repeat">
+      <a:schemeClr val="accent6">
+        <a:shade val="60000"/>
+      </a:schemeClr>
+    </dgm:linClrLst>
+    <dgm:effectClrLst/>
+    <dgm:txLinClrLst/>
+    <dgm:txFillClrLst meth="repeat">
+      <a:schemeClr val="tx1"/>
+    </dgm:txFillClrLst>
+    <dgm:txEffectClrLst/>
+  </dgm:styleLbl>
+  <dgm:styleLbl name="parChTrans1D3">
+    <dgm:fillClrLst meth="repeat">
+      <a:schemeClr val="accent6"/>
+    </dgm:fillClrLst>
+    <dgm:linClrLst meth="repeat">
+      <a:schemeClr val="accent6">
+        <a:shade val="80000"/>
+      </a:schemeClr>
+    </dgm:linClrLst>
+    <dgm:effectClrLst/>
+    <dgm:txLinClrLst/>
+    <dgm:txFillClrLst meth="repeat">
+      <a:schemeClr val="tx1"/>
+    </dgm:txFillClrLst>
+    <dgm:txEffectClrLst/>
+  </dgm:styleLbl>
+  <dgm:styleLbl name="parChTrans1D4">
+    <dgm:fillClrLst meth="repeat">
+      <a:schemeClr val="accent6"/>
+    </dgm:fillClrLst>
+    <dgm:linClrLst meth="repeat">
+      <a:schemeClr val="accent6">
+        <a:shade val="80000"/>
+      </a:schemeClr>
+    </dgm:linClrLst>
+    <dgm:effectClrLst/>
+    <dgm:txLinClrLst/>
+    <dgm:txFillClrLst meth="repeat">
+      <a:schemeClr val="tx1"/>
+    </dgm:txFillClrLst>
+    <dgm:txEffectClrLst/>
+  </dgm:styleLbl>
+  <dgm:styleLbl name="fgAcc1">
+    <dgm:fillClrLst meth="repeat">
+      <a:schemeClr val="accent6">
+        <a:alpha val="90000"/>
+        <a:tint val="40000"/>
+      </a:schemeClr>
+    </dgm:fillClrLst>
+    <dgm:linClrLst meth="repeat">
+      <a:schemeClr val="accent6"/>
+    </dgm:linClrLst>
+    <dgm:effectClrLst/>
+    <dgm:txLinClrLst/>
+    <dgm:txFillClrLst meth="repeat">
+      <a:schemeClr val="dk1"/>
+    </dgm:txFillClrLst>
+    <dgm:txEffectClrLst/>
+  </dgm:styleLbl>
+  <dgm:styleLbl name="conFgAcc1">
+    <dgm:fillClrLst meth="repeat">
+      <a:schemeClr val="accent6">
+        <a:alpha val="90000"/>
+        <a:tint val="40000"/>
+      </a:schemeClr>
+    </dgm:fillClrLst>
+    <dgm:linClrLst meth="repeat">
+      <a:schemeClr val="accent6"/>
+    </dgm:linClrLst>
+    <dgm:effectClrLst/>
+    <dgm:txLinClrLst/>
+    <dgm:txFillClrLst meth="repeat">
+      <a:schemeClr val="dk1"/>
+    </dgm:txFillClrLst>
+    <dgm:txEffectClrLst/>
+  </dgm:styleLbl>
+  <dgm:styleLbl name="alignAcc1">
+    <dgm:fillClrLst meth="repeat">
+      <a:schemeClr val="accent6">
+        <a:alpha val="90000"/>
+        <a:tint val="40000"/>
+      </a:schemeClr>
+    </dgm:fillClrLst>
+    <dgm:linClrLst meth="repeat">
+      <a:schemeClr val="accent6"/>
+    </dgm:linClrLst>
+    <dgm:effectClrLst/>
+    <dgm:txLinClrLst/>
+    <dgm:txFillClrLst meth="repeat">
+      <a:schemeClr val="dk1"/>
+    </dgm:txFillClrLst>
+    <dgm:txEffectClrLst/>
+  </dgm:styleLbl>
+  <dgm:styleLbl name="trAlignAcc1">
+    <dgm:fillClrLst meth="repeat">
+      <a:schemeClr val="accent6">
+        <a:alpha val="40000"/>
+        <a:tint val="40000"/>
+      </a:schemeClr>
+    </dgm:fillClrLst>
+    <dgm:linClrLst meth="repeat">
+      <a:schemeClr val="accent6"/>
+    </dgm:linClrLst>
+    <dgm:effectClrLst/>
+    <dgm:txLinClrLst/>
+    <dgm:txFillClrLst meth="repeat">
+      <a:schemeClr val="dk1"/>
+    </dgm:txFillClrLst>
+    <dgm:txEffectClrLst/>
+  </dgm:styleLbl>
+  <dgm:styleLbl name="bgAcc1">
+    <dgm:fillClrLst meth="repeat">
+      <a:schemeClr val="accent6">
+        <a:alpha val="90000"/>
+        <a:tint val="40000"/>
+      </a:schemeClr>
+    </dgm:fillClrLst>
+    <dgm:linClrLst meth="repeat">
+      <a:schemeClr val="accent6"/>
+    </dgm:linClrLst>
+    <dgm:effectClrLst/>
+    <dgm:txLinClrLst/>
+    <dgm:txFillClrLst meth="repeat">
+      <a:schemeClr val="dk1"/>
+    </dgm:txFillClrLst>
+    <dgm:txEffectClrLst/>
+  </dgm:styleLbl>
+  <dgm:styleLbl name="solidFgAcc1">
+    <dgm:fillClrLst meth="repeat">
+      <a:schemeClr val="lt1"/>
+    </dgm:fillClrLst>
+    <dgm:linClrLst meth="repeat">
+      <a:schemeClr val="accent6"/>
+    </dgm:linClrLst>
+    <dgm:effectClrLst/>
+    <dgm:txLinClrLst/>
+    <dgm:txFillClrLst meth="repeat">
+      <a:schemeClr val="dk1"/>
+    </dgm:txFillClrLst>
+    <dgm:txEffectClrLst/>
+  </dgm:styleLbl>
+  <dgm:styleLbl name="solidAlignAcc1">
+    <dgm:fillClrLst meth="repeat">
+      <a:schemeClr val="lt1"/>
+    </dgm:fillClrLst>
+    <dgm:linClrLst meth="repeat">
+      <a:schemeClr val="accent6"/>
+    </dgm:linClrLst>
+    <dgm:effectClrLst/>
+    <dgm:txLinClrLst/>
+    <dgm:txFillClrLst meth="repeat">
+      <a:schemeClr val="dk1"/>
+    </dgm:txFillClrLst>
+    <dgm:txEffectClrLst/>
+  </dgm:styleLbl>
+  <dgm:styleLbl name="solidBgAcc1">
+    <dgm:fillClrLst meth="repeat">
+      <a:schemeClr val="lt1"/>
+    </dgm:fillClrLst>
+    <dgm:linClrLst meth="repeat">
+      <a:schemeClr val="accent6"/>
+    </dgm:linClrLst>
+    <dgm:effectClrLst/>
+    <dgm:txLinClrLst/>
+    <dgm:txFillClrLst meth="repeat">
+      <a:schemeClr val="dk1"/>
+    </dgm:txFillClrLst>
+    <dgm:txEffectClrLst/>
+  </dgm:styleLbl>
+  <dgm:styleLbl name="fgAccFollowNode1">
+    <dgm:fillClrLst meth="repeat">
+      <a:schemeClr val="lt1">
+        <a:alpha val="90000"/>
+        <a:tint val="40000"/>
+      </a:schemeClr>
+    </dgm:fillClrLst>
+    <dgm:linClrLst meth="repeat">
+      <a:schemeClr val="accent6">
+        <a:alpha val="90000"/>
+      </a:schemeClr>
+    </dgm:linClrLst>
+    <dgm:effectClrLst/>
+    <dgm:txLinClrLst/>
+    <dgm:txFillClrLst meth="repeat">
+      <a:schemeClr val="dk1"/>
+    </dgm:txFillClrLst>
+    <dgm:txEffectClrLst/>
+  </dgm:styleLbl>
+  <dgm:styleLbl name="alignAccFollowNode1">
+    <dgm:fillClrLst meth="repeat">
+      <a:schemeClr val="lt1">
+        <a:alpha val="90000"/>
+        <a:tint val="40000"/>
+      </a:schemeClr>
+    </dgm:fillClrLst>
+    <dgm:linClrLst meth="repeat">
+      <a:schemeClr val="accent6">
+        <a:alpha val="90000"/>
+      </a:schemeClr>
+    </dgm:linClrLst>
+    <dgm:effectClrLst/>
+    <dgm:txLinClrLst/>
+    <dgm:txFillClrLst meth="repeat">
+      <a:schemeClr val="dk1"/>
+    </dgm:txFillClrLst>
+    <dgm:txEffectClrLst/>
+  </dgm:styleLbl>
+  <dgm:styleLbl name="bgAccFollowNode1">
+    <dgm:fillClrLst meth="repeat">
+      <a:schemeClr val="lt1">
+        <a:alpha val="90000"/>
+        <a:tint val="40000"/>
+      </a:schemeClr>
+    </dgm:fillClrLst>
+    <dgm:linClrLst meth="repeat">
+      <a:schemeClr val="accent6">
+        <a:alpha val="90000"/>
+      </a:schemeClr>
+    </dgm:linClrLst>
+    <dgm:effectClrLst/>
+    <dgm:txLinClrLst/>
+    <dgm:txFillClrLst meth="repeat">
+      <a:schemeClr val="dk1"/>
+    </dgm:txFillClrLst>
+    <dgm:txEffectClrLst/>
+  </dgm:styleLbl>
+  <dgm:styleLbl name="fgAcc0">
+    <dgm:fillClrLst meth="repeat">
+      <a:schemeClr val="accent6">
+        <a:alpha val="90000"/>
+        <a:tint val="40000"/>
+      </a:schemeClr>
+    </dgm:fillClrLst>
+    <dgm:linClrLst meth="repeat">
+      <a:schemeClr val="accent6"/>
+    </dgm:linClrLst>
+    <dgm:effectClrLst/>
+    <dgm:txLinClrLst/>
+    <dgm:txFillClrLst meth="repeat">
+      <a:schemeClr val="dk1"/>
+    </dgm:txFillClrLst>
+    <dgm:txEffectClrLst/>
+  </dgm:styleLbl>
+  <dgm:styleLbl name="fgAcc2">
+    <dgm:fillClrLst meth="repeat">
+      <a:schemeClr val="accent6">
+        <a:alpha val="90000"/>
+        <a:tint val="40000"/>
+      </a:schemeClr>
+    </dgm:fillClrLst>
+    <dgm:linClrLst meth="repeat">
+      <a:schemeClr val="accent6"/>
+    </dgm:linClrLst>
+    <dgm:effectClrLst/>
+    <dgm:txLinClrLst/>
+    <dgm:txFillClrLst meth="repeat">
+      <a:schemeClr val="dk1"/>
+    </dgm:txFillClrLst>
+    <dgm:txEffectClrLst/>
+  </dgm:styleLbl>
+  <dgm:styleLbl name="fgAcc3">
+    <dgm:fillClrLst meth="repeat">
+      <a:schemeClr val="accent6">
+        <a:alpha val="90000"/>
+        <a:tint val="40000"/>
+      </a:schemeClr>
+    </dgm:fillClrLst>
+    <dgm:linClrLst meth="repeat">
+      <a:schemeClr val="accent6"/>
+    </dgm:linClrLst>
+    <dgm:effectClrLst/>
+    <dgm:txLinClrLst/>
+    <dgm:txFillClrLst meth="repeat">
+      <a:schemeClr val="dk1"/>
+    </dgm:txFillClrLst>
+    <dgm:txEffectClrLst/>
+  </dgm:styleLbl>
+  <dgm:styleLbl name="fgAcc4">
+    <dgm:fillClrLst meth="repeat">
+      <a:schemeClr val="accent6">
+        <a:alpha val="90000"/>
+        <a:tint val="40000"/>
+      </a:schemeClr>
+    </dgm:fillClrLst>
+    <dgm:linClrLst meth="repeat">
+      <a:schemeClr val="accent6"/>
+    </dgm:linClrLst>
+    <dgm:effectClrLst/>
+    <dgm:txLinClrLst/>
+    <dgm:txFillClrLst meth="repeat">
+      <a:schemeClr val="dk1"/>
+    </dgm:txFillClrLst>
+    <dgm:txEffectClrLst/>
+  </dgm:styleLbl>
+  <dgm:styleLbl name="bgShp">
+    <dgm:fillClrLst meth="repeat">
+      <a:schemeClr val="accent6">
+        <a:tint val="40000"/>
+      </a:schemeClr>
+    </dgm:fillClrLst>
+    <dgm:linClrLst meth="repeat">
+      <a:schemeClr val="accent6"/>
+    </dgm:linClrLst>
+    <dgm:effectClrLst/>
+    <dgm:txLinClrLst/>
+    <dgm:txFillClrLst meth="repeat">
+      <a:schemeClr val="dk1"/>
+    </dgm:txFillClrLst>
+    <dgm:txEffectClrLst/>
+  </dgm:styleLbl>
+  <dgm:styleLbl name="dkBgShp">
+    <dgm:fillClrLst meth="repeat">
+      <a:schemeClr val="accent6">
+        <a:shade val="80000"/>
+      </a:schemeClr>
+    </dgm:fillClrLst>
+    <dgm:linClrLst meth="repeat">
+      <a:schemeClr val="accent6"/>
+    </dgm:linClrLst>
+    <dgm:effectClrLst/>
+    <dgm:txLinClrLst/>
+    <dgm:txFillClrLst meth="repeat">
+      <a:schemeClr val="lt1"/>
+    </dgm:txFillClrLst>
+    <dgm:txEffectClrLst/>
+  </dgm:styleLbl>
+  <dgm:styleLbl name="trBgShp">
+    <dgm:fillClrLst meth="repeat">
+      <a:schemeClr val="accent6">
+        <a:tint val="50000"/>
+        <a:alpha val="40000"/>
+      </a:schemeClr>
+    </dgm:fillClrLst>
+    <dgm:linClrLst meth="repeat">
+      <a:schemeClr val="accent6"/>
+    </dgm:linClrLst>
+    <dgm:effectClrLst/>
+    <dgm:txLinClrLst/>
+    <dgm:txFillClrLst meth="repeat">
+      <a:schemeClr val="lt1"/>
+    </dgm:txFillClrLst>
+    <dgm:txEffectClrLst/>
+  </dgm:styleLbl>
+  <dgm:styleLbl name="fgShp">
+    <dgm:fillClrLst meth="repeat">
+      <a:schemeClr val="accent6">
+        <a:tint val="60000"/>
+      </a:schemeClr>
+    </dgm:fillClrLst>
+    <dgm:linClrLst meth="repeat">
+      <a:schemeClr val="lt1"/>
+    </dgm:linClrLst>
+    <dgm:effectClrLst/>
+    <dgm:txLinClrLst/>
+    <dgm:txFillClrLst meth="repeat">
+      <a:schemeClr val="dk1"/>
+    </dgm:txFillClrLst>
+    <dgm:txEffectClrLst/>
+  </dgm:styleLbl>
+  <dgm:styleLbl name="revTx">
+    <dgm:fillClrLst meth="repeat">
+      <a:schemeClr val="lt1">
+        <a:alpha val="0"/>
+      </a:schemeClr>
+    </dgm:fillClrLst>
+    <dgm:linClrLst meth="repeat">
+      <a:schemeClr val="dk1">
+        <a:alpha val="0"/>
+      </a:schemeClr>
+    </dgm:linClrLst>
+    <dgm:effectClrLst/>
+    <dgm:txLinClrLst/>
+    <dgm:txFillClrLst meth="repeat">
+      <a:schemeClr val="tx1"/>
+    </dgm:txFillClrLst>
+    <dgm:txEffectClrLst/>
+  </dgm:styleLbl>
+</dgm:colorsDef>
+</file>
+
+<file path=ppt/diagrams/data1.xml><?xml version="1.0" encoding="utf-8"?>
+<dgm:dataModel xmlns:dgm="http://schemas.openxmlformats.org/drawingml/2006/diagram" xmlns:a="http://schemas.openxmlformats.org/drawingml/2006/main">
+  <dgm:ptLst>
+    <dgm:pt modelId="{F17054A7-E79E-4391-91FB-54A15DB7B72B}" type="doc">
+      <dgm:prSet loTypeId="urn:microsoft.com/office/officeart/2008/layout/LinedList" loCatId="list" qsTypeId="urn:microsoft.com/office/officeart/2005/8/quickstyle/simple3" qsCatId="simple" csTypeId="urn:microsoft.com/office/officeart/2005/8/colors/accent6_1" csCatId="accent6"/>
+      <dgm:spPr/>
+      <dgm:t>
+        <a:bodyPr/>
+        <a:lstStyle/>
+        <a:p>
+          <a:endParaRPr lang="en-US"/>
+        </a:p>
+      </dgm:t>
+    </dgm:pt>
+    <dgm:pt modelId="{7FF3BF24-B171-4BFF-8111-2A80B34077C7}">
+      <dgm:prSet/>
+      <dgm:spPr/>
+      <dgm:t>
+        <a:bodyPr/>
+        <a:lstStyle/>
+        <a:p>
+          <a:r>
+            <a:rPr lang="en-IN" b="1">
+              <a:hlinkClick xmlns:r="http://schemas.openxmlformats.org/officeDocument/2006/relationships" r:id="rId1"/>
+            </a:rPr>
+            <a:t>http://data.nobelprize.org/</a:t>
+          </a:r>
+          <a:r>
+            <a:rPr lang="en-IN" b="1"/>
+            <a:t> </a:t>
+          </a:r>
+          <a:r>
+            <a:rPr lang="en-IN"/>
+            <a:t>contains the details of Nobel price awardees and their title.</a:t>
+          </a:r>
+          <a:endParaRPr lang="en-US"/>
+        </a:p>
+      </dgm:t>
+    </dgm:pt>
+    <dgm:pt modelId="{3C05C3DF-BC28-4835-9355-9D19D19B584F}" type="parTrans" cxnId="{DFDB7AF0-A87F-4274-BFD5-EFC79F39E265}">
+      <dgm:prSet/>
+      <dgm:spPr/>
+      <dgm:t>
+        <a:bodyPr/>
+        <a:lstStyle/>
+        <a:p>
+          <a:endParaRPr lang="en-US"/>
+        </a:p>
+      </dgm:t>
+    </dgm:pt>
+    <dgm:pt modelId="{F42C8601-D319-4922-94FB-FA9535E473B9}" type="sibTrans" cxnId="{DFDB7AF0-A87F-4274-BFD5-EFC79F39E265}">
+      <dgm:prSet/>
+      <dgm:spPr/>
+      <dgm:t>
+        <a:bodyPr/>
+        <a:lstStyle/>
+        <a:p>
+          <a:endParaRPr lang="en-US"/>
+        </a:p>
+      </dgm:t>
+    </dgm:pt>
+    <dgm:pt modelId="{D57D9483-7A98-4C58-8670-74B176EB7695}">
+      <dgm:prSet/>
+      <dgm:spPr/>
+      <dgm:t>
+        <a:bodyPr/>
+        <a:lstStyle/>
+        <a:p>
+          <a:r>
+            <a:rPr lang="en-IN"/>
+            <a:t>We get the details of Awardees from dbpedia </a:t>
+          </a:r>
+          <a:r>
+            <a:rPr lang="en-IN" b="1">
+              <a:hlinkClick xmlns:r="http://schemas.openxmlformats.org/officeDocument/2006/relationships" r:id="rId2"/>
+            </a:rPr>
+            <a:t>https://dbpedia.org/</a:t>
+          </a:r>
+          <a:r>
+            <a:rPr lang="en-IN" b="1"/>
+            <a:t> .</a:t>
+          </a:r>
+          <a:endParaRPr lang="en-US"/>
+        </a:p>
+      </dgm:t>
+    </dgm:pt>
+    <dgm:pt modelId="{AF4042C8-EB61-4A5D-B09A-F1DEB2B7F48F}" type="parTrans" cxnId="{7190C7BC-A077-4912-B329-8BEAAEE5E9DD}">
+      <dgm:prSet/>
+      <dgm:spPr/>
+      <dgm:t>
+        <a:bodyPr/>
+        <a:lstStyle/>
+        <a:p>
+          <a:endParaRPr lang="en-US"/>
+        </a:p>
+      </dgm:t>
+    </dgm:pt>
+    <dgm:pt modelId="{0F6F576C-B3D0-425D-9552-037B201DA73A}" type="sibTrans" cxnId="{7190C7BC-A077-4912-B329-8BEAAEE5E9DD}">
+      <dgm:prSet/>
+      <dgm:spPr/>
+      <dgm:t>
+        <a:bodyPr/>
+        <a:lstStyle/>
+        <a:p>
+          <a:endParaRPr lang="en-US"/>
+        </a:p>
+      </dgm:t>
+    </dgm:pt>
+    <dgm:pt modelId="{867A7FB8-BE33-451C-BC47-2A1BE0D0DAE0}">
+      <dgm:prSet/>
+      <dgm:spPr/>
+      <dgm:t>
+        <a:bodyPr/>
+        <a:lstStyle/>
+        <a:p>
+          <a:r>
+            <a:rPr lang="en-US"/>
+            <a:t>Next slide contains SPARQL queries for extracting the required data.</a:t>
+          </a:r>
+        </a:p>
+      </dgm:t>
+    </dgm:pt>
+    <dgm:pt modelId="{8A1CC815-B894-4437-B62B-B628A5DDE92B}" type="parTrans" cxnId="{3022174E-8C09-4E15-8CC8-310900BA01B8}">
+      <dgm:prSet/>
+      <dgm:spPr/>
+      <dgm:t>
+        <a:bodyPr/>
+        <a:lstStyle/>
+        <a:p>
+          <a:endParaRPr lang="en-US"/>
+        </a:p>
+      </dgm:t>
+    </dgm:pt>
+    <dgm:pt modelId="{F8486011-7736-4AAD-92A0-0FD935C40983}" type="sibTrans" cxnId="{3022174E-8C09-4E15-8CC8-310900BA01B8}">
+      <dgm:prSet/>
+      <dgm:spPr/>
+      <dgm:t>
+        <a:bodyPr/>
+        <a:lstStyle/>
+        <a:p>
+          <a:endParaRPr lang="en-US"/>
+        </a:p>
+      </dgm:t>
+    </dgm:pt>
+    <dgm:pt modelId="{81FCCF42-8A97-459D-9E4C-492CE7218FAD}" type="pres">
+      <dgm:prSet presAssocID="{F17054A7-E79E-4391-91FB-54A15DB7B72B}" presName="vert0" presStyleCnt="0">
+        <dgm:presLayoutVars>
+          <dgm:dir/>
+          <dgm:animOne val="branch"/>
+          <dgm:animLvl val="lvl"/>
+        </dgm:presLayoutVars>
+      </dgm:prSet>
+      <dgm:spPr/>
+    </dgm:pt>
+    <dgm:pt modelId="{33B7FC7A-F1BA-46F5-BEEC-945A600E0AA2}" type="pres">
+      <dgm:prSet presAssocID="{7FF3BF24-B171-4BFF-8111-2A80B34077C7}" presName="thickLine" presStyleLbl="alignNode1" presStyleIdx="0" presStyleCnt="3"/>
+      <dgm:spPr/>
+    </dgm:pt>
+    <dgm:pt modelId="{E985DF3D-32D8-4DD9-AA16-6C5107045A19}" type="pres">
+      <dgm:prSet presAssocID="{7FF3BF24-B171-4BFF-8111-2A80B34077C7}" presName="horz1" presStyleCnt="0"/>
+      <dgm:spPr/>
+    </dgm:pt>
+    <dgm:pt modelId="{7A82DC2E-EF40-4325-A8CA-622386AC53E6}" type="pres">
+      <dgm:prSet presAssocID="{7FF3BF24-B171-4BFF-8111-2A80B34077C7}" presName="tx1" presStyleLbl="revTx" presStyleIdx="0" presStyleCnt="3"/>
+      <dgm:spPr/>
+    </dgm:pt>
+    <dgm:pt modelId="{955E96B4-2FAE-48AF-9697-1BB0EF9B4446}" type="pres">
+      <dgm:prSet presAssocID="{7FF3BF24-B171-4BFF-8111-2A80B34077C7}" presName="vert1" presStyleCnt="0"/>
+      <dgm:spPr/>
+    </dgm:pt>
+    <dgm:pt modelId="{16B8A366-08BA-4A3D-A077-5DDEBAA4DA66}" type="pres">
+      <dgm:prSet presAssocID="{D57D9483-7A98-4C58-8670-74B176EB7695}" presName="thickLine" presStyleLbl="alignNode1" presStyleIdx="1" presStyleCnt="3"/>
+      <dgm:spPr/>
+    </dgm:pt>
+    <dgm:pt modelId="{73A40F23-3667-4D32-8866-E376864C0C5E}" type="pres">
+      <dgm:prSet presAssocID="{D57D9483-7A98-4C58-8670-74B176EB7695}" presName="horz1" presStyleCnt="0"/>
+      <dgm:spPr/>
+    </dgm:pt>
+    <dgm:pt modelId="{D662D4B5-78A6-46C1-AABA-B6AB061F557F}" type="pres">
+      <dgm:prSet presAssocID="{D57D9483-7A98-4C58-8670-74B176EB7695}" presName="tx1" presStyleLbl="revTx" presStyleIdx="1" presStyleCnt="3"/>
+      <dgm:spPr/>
+    </dgm:pt>
+    <dgm:pt modelId="{62A089E4-1707-400E-A92D-5B334D70CF6E}" type="pres">
+      <dgm:prSet presAssocID="{D57D9483-7A98-4C58-8670-74B176EB7695}" presName="vert1" presStyleCnt="0"/>
+      <dgm:spPr/>
+    </dgm:pt>
+    <dgm:pt modelId="{7B098508-7406-4734-9DBF-40955E8CF9E9}" type="pres">
+      <dgm:prSet presAssocID="{867A7FB8-BE33-451C-BC47-2A1BE0D0DAE0}" presName="thickLine" presStyleLbl="alignNode1" presStyleIdx="2" presStyleCnt="3"/>
+      <dgm:spPr/>
+    </dgm:pt>
+    <dgm:pt modelId="{2B62E0DB-1DBF-462E-BEC1-AC691E904D23}" type="pres">
+      <dgm:prSet presAssocID="{867A7FB8-BE33-451C-BC47-2A1BE0D0DAE0}" presName="horz1" presStyleCnt="0"/>
+      <dgm:spPr/>
+    </dgm:pt>
+    <dgm:pt modelId="{8DACB683-3592-4AC7-9D0F-FB2B7C303B82}" type="pres">
+      <dgm:prSet presAssocID="{867A7FB8-BE33-451C-BC47-2A1BE0D0DAE0}" presName="tx1" presStyleLbl="revTx" presStyleIdx="2" presStyleCnt="3"/>
+      <dgm:spPr/>
+    </dgm:pt>
+    <dgm:pt modelId="{8BD3812D-BBCA-4C37-A9ED-CCCF1949F616}" type="pres">
+      <dgm:prSet presAssocID="{867A7FB8-BE33-451C-BC47-2A1BE0D0DAE0}" presName="vert1" presStyleCnt="0"/>
+      <dgm:spPr/>
+    </dgm:pt>
+  </dgm:ptLst>
+  <dgm:cxnLst>
+    <dgm:cxn modelId="{84A0F016-D01C-4B05-8FF5-9FC7FCD653EE}" type="presOf" srcId="{F17054A7-E79E-4391-91FB-54A15DB7B72B}" destId="{81FCCF42-8A97-459D-9E4C-492CE7218FAD}" srcOrd="0" destOrd="0" presId="urn:microsoft.com/office/officeart/2008/layout/LinedList"/>
+    <dgm:cxn modelId="{7D5FA96A-74D3-4187-8FFD-2EB026CCE3E8}" type="presOf" srcId="{D57D9483-7A98-4C58-8670-74B176EB7695}" destId="{D662D4B5-78A6-46C1-AABA-B6AB061F557F}" srcOrd="0" destOrd="0" presId="urn:microsoft.com/office/officeart/2008/layout/LinedList"/>
+    <dgm:cxn modelId="{3022174E-8C09-4E15-8CC8-310900BA01B8}" srcId="{F17054A7-E79E-4391-91FB-54A15DB7B72B}" destId="{867A7FB8-BE33-451C-BC47-2A1BE0D0DAE0}" srcOrd="2" destOrd="0" parTransId="{8A1CC815-B894-4437-B62B-B628A5DDE92B}" sibTransId="{F8486011-7736-4AAD-92A0-0FD935C40983}"/>
+    <dgm:cxn modelId="{C5683C4F-0796-4741-8946-29A7920003C1}" type="presOf" srcId="{867A7FB8-BE33-451C-BC47-2A1BE0D0DAE0}" destId="{8DACB683-3592-4AC7-9D0F-FB2B7C303B82}" srcOrd="0" destOrd="0" presId="urn:microsoft.com/office/officeart/2008/layout/LinedList"/>
+    <dgm:cxn modelId="{94A556BA-EA29-46F2-9D14-D49BB4B65B0A}" type="presOf" srcId="{7FF3BF24-B171-4BFF-8111-2A80B34077C7}" destId="{7A82DC2E-EF40-4325-A8CA-622386AC53E6}" srcOrd="0" destOrd="0" presId="urn:microsoft.com/office/officeart/2008/layout/LinedList"/>
+    <dgm:cxn modelId="{7190C7BC-A077-4912-B329-8BEAAEE5E9DD}" srcId="{F17054A7-E79E-4391-91FB-54A15DB7B72B}" destId="{D57D9483-7A98-4C58-8670-74B176EB7695}" srcOrd="1" destOrd="0" parTransId="{AF4042C8-EB61-4A5D-B09A-F1DEB2B7F48F}" sibTransId="{0F6F576C-B3D0-425D-9552-037B201DA73A}"/>
+    <dgm:cxn modelId="{DFDB7AF0-A87F-4274-BFD5-EFC79F39E265}" srcId="{F17054A7-E79E-4391-91FB-54A15DB7B72B}" destId="{7FF3BF24-B171-4BFF-8111-2A80B34077C7}" srcOrd="0" destOrd="0" parTransId="{3C05C3DF-BC28-4835-9355-9D19D19B584F}" sibTransId="{F42C8601-D319-4922-94FB-FA9535E473B9}"/>
+    <dgm:cxn modelId="{0E69BD7D-44A4-4110-BC71-B3CBAA82608D}" type="presParOf" srcId="{81FCCF42-8A97-459D-9E4C-492CE7218FAD}" destId="{33B7FC7A-F1BA-46F5-BEEC-945A600E0AA2}" srcOrd="0" destOrd="0" presId="urn:microsoft.com/office/officeart/2008/layout/LinedList"/>
+    <dgm:cxn modelId="{112449A5-4B20-47DD-8640-FDA0EC8AD761}" type="presParOf" srcId="{81FCCF42-8A97-459D-9E4C-492CE7218FAD}" destId="{E985DF3D-32D8-4DD9-AA16-6C5107045A19}" srcOrd="1" destOrd="0" presId="urn:microsoft.com/office/officeart/2008/layout/LinedList"/>
+    <dgm:cxn modelId="{B23F51D5-57E2-4935-9D93-DA895D03FE46}" type="presParOf" srcId="{E985DF3D-32D8-4DD9-AA16-6C5107045A19}" destId="{7A82DC2E-EF40-4325-A8CA-622386AC53E6}" srcOrd="0" destOrd="0" presId="urn:microsoft.com/office/officeart/2008/layout/LinedList"/>
+    <dgm:cxn modelId="{E057ABE3-7301-4513-A50B-CB6CA9BE7792}" type="presParOf" srcId="{E985DF3D-32D8-4DD9-AA16-6C5107045A19}" destId="{955E96B4-2FAE-48AF-9697-1BB0EF9B4446}" srcOrd="1" destOrd="0" presId="urn:microsoft.com/office/officeart/2008/layout/LinedList"/>
+    <dgm:cxn modelId="{593EF1BE-5206-4DD5-989E-B0CE1937F814}" type="presParOf" srcId="{81FCCF42-8A97-459D-9E4C-492CE7218FAD}" destId="{16B8A366-08BA-4A3D-A077-5DDEBAA4DA66}" srcOrd="2" destOrd="0" presId="urn:microsoft.com/office/officeart/2008/layout/LinedList"/>
+    <dgm:cxn modelId="{5BE116B2-419C-4842-AF9D-83CC90B41101}" type="presParOf" srcId="{81FCCF42-8A97-459D-9E4C-492CE7218FAD}" destId="{73A40F23-3667-4D32-8866-E376864C0C5E}" srcOrd="3" destOrd="0" presId="urn:microsoft.com/office/officeart/2008/layout/LinedList"/>
+    <dgm:cxn modelId="{1529DFEE-F98D-4D3F-996D-12C04662B69D}" type="presParOf" srcId="{73A40F23-3667-4D32-8866-E376864C0C5E}" destId="{D662D4B5-78A6-46C1-AABA-B6AB061F557F}" srcOrd="0" destOrd="0" presId="urn:microsoft.com/office/officeart/2008/layout/LinedList"/>
+    <dgm:cxn modelId="{A1A81CD3-D12B-4794-9689-BCE916C3DB36}" type="presParOf" srcId="{73A40F23-3667-4D32-8866-E376864C0C5E}" destId="{62A089E4-1707-400E-A92D-5B334D70CF6E}" srcOrd="1" destOrd="0" presId="urn:microsoft.com/office/officeart/2008/layout/LinedList"/>
+    <dgm:cxn modelId="{CAA89761-B11A-49A8-9D68-710A0E4AF9FE}" type="presParOf" srcId="{81FCCF42-8A97-459D-9E4C-492CE7218FAD}" destId="{7B098508-7406-4734-9DBF-40955E8CF9E9}" srcOrd="4" destOrd="0" presId="urn:microsoft.com/office/officeart/2008/layout/LinedList"/>
+    <dgm:cxn modelId="{C8C8032E-D16B-455C-9C6D-A958A45B1694}" type="presParOf" srcId="{81FCCF42-8A97-459D-9E4C-492CE7218FAD}" destId="{2B62E0DB-1DBF-462E-BEC1-AC691E904D23}" srcOrd="5" destOrd="0" presId="urn:microsoft.com/office/officeart/2008/layout/LinedList"/>
+    <dgm:cxn modelId="{F7BF2BF2-9583-482D-AD4C-EA75CC4FF1FA}" type="presParOf" srcId="{2B62E0DB-1DBF-462E-BEC1-AC691E904D23}" destId="{8DACB683-3592-4AC7-9D0F-FB2B7C303B82}" srcOrd="0" destOrd="0" presId="urn:microsoft.com/office/officeart/2008/layout/LinedList"/>
+    <dgm:cxn modelId="{FF7C4391-19FE-43FE-9DEA-F68DFBCFD7E0}" type="presParOf" srcId="{2B62E0DB-1DBF-462E-BEC1-AC691E904D23}" destId="{8BD3812D-BBCA-4C37-A9ED-CCCF1949F616}" srcOrd="1" destOrd="0" presId="urn:microsoft.com/office/officeart/2008/layout/LinedList"/>
+  </dgm:cxnLst>
+  <dgm:bg/>
+  <dgm:whole/>
+  <dgm:extLst>
+    <a:ext uri="http://schemas.microsoft.com/office/drawing/2008/diagram">
+      <dsp:dataModelExt xmlns:dsp="http://schemas.microsoft.com/office/drawing/2008/diagram" relId="rId6" minVer="http://schemas.openxmlformats.org/drawingml/2006/diagram"/>
+    </a:ext>
+  </dgm:extLst>
+</dgm:dataModel>
+</file>
+
+<file path=ppt/diagrams/drawing1.xml><?xml version="1.0" encoding="utf-8"?>
+<dsp:drawing xmlns:dgm="http://schemas.openxmlformats.org/drawingml/2006/diagram" xmlns:dsp="http://schemas.microsoft.com/office/drawing/2008/diagram" xmlns:a="http://schemas.openxmlformats.org/drawingml/2006/main">
+  <dsp:spTree>
+    <dsp:nvGrpSpPr>
+      <dsp:cNvPr id="0" name=""/>
+      <dsp:cNvGrpSpPr/>
+    </dsp:nvGrpSpPr>
+    <dsp:grpSpPr/>
+    <dsp:sp modelId="{33B7FC7A-F1BA-46F5-BEEC-945A600E0AA2}">
+      <dsp:nvSpPr>
+        <dsp:cNvPr id="0" name=""/>
+        <dsp:cNvSpPr/>
+      </dsp:nvSpPr>
+      <dsp:spPr>
+        <a:xfrm>
+          <a:off x="0" y="2720"/>
+          <a:ext cx="6269038" cy="0"/>
+        </a:xfrm>
+        <a:prstGeom prst="line">
+          <a:avLst/>
+        </a:prstGeom>
+        <a:gradFill rotWithShape="0">
+          <a:gsLst>
+            <a:gs pos="0">
+              <a:schemeClr val="lt1">
+                <a:hueOff val="0"/>
+                <a:satOff val="0"/>
+                <a:lumOff val="0"/>
+                <a:alphaOff val="0"/>
+                <a:lumMod val="110000"/>
+                <a:satMod val="105000"/>
+                <a:tint val="67000"/>
+              </a:schemeClr>
+            </a:gs>
+            <a:gs pos="50000">
+              <a:schemeClr val="lt1">
+                <a:hueOff val="0"/>
+                <a:satOff val="0"/>
+                <a:lumOff val="0"/>
+                <a:alphaOff val="0"/>
+                <a:lumMod val="105000"/>
+                <a:satMod val="103000"/>
+                <a:tint val="73000"/>
+              </a:schemeClr>
+            </a:gs>
+            <a:gs pos="100000">
+              <a:schemeClr val="lt1">
+                <a:hueOff val="0"/>
+                <a:satOff val="0"/>
+                <a:lumOff val="0"/>
+                <a:alphaOff val="0"/>
+                <a:lumMod val="105000"/>
+                <a:satMod val="109000"/>
+                <a:tint val="81000"/>
+              </a:schemeClr>
+            </a:gs>
+          </a:gsLst>
+          <a:lin ang="5400000" scaled="0"/>
+        </a:gradFill>
+        <a:ln w="6350" cap="flat" cmpd="sng" algn="ctr">
+          <a:solidFill>
+            <a:schemeClr val="accent6">
+              <a:shade val="80000"/>
+              <a:hueOff val="0"/>
+              <a:satOff val="0"/>
+              <a:lumOff val="0"/>
+              <a:alphaOff val="0"/>
+            </a:schemeClr>
+          </a:solidFill>
+          <a:prstDash val="solid"/>
+          <a:miter lim="800000"/>
+        </a:ln>
+        <a:effectLst/>
+      </dsp:spPr>
+      <dsp:style>
+        <a:lnRef idx="1">
+          <a:scrgbClr r="0" g="0" b="0"/>
+        </a:lnRef>
+        <a:fillRef idx="2">
+          <a:scrgbClr r="0" g="0" b="0"/>
+        </a:fillRef>
+        <a:effectRef idx="1">
+          <a:scrgbClr r="0" g="0" b="0"/>
+        </a:effectRef>
+        <a:fontRef idx="minor">
+          <a:schemeClr val="dk1"/>
+        </a:fontRef>
+      </dsp:style>
+    </dsp:sp>
+    <dsp:sp modelId="{7A82DC2E-EF40-4325-A8CA-622386AC53E6}">
+      <dsp:nvSpPr>
+        <dsp:cNvPr id="0" name=""/>
+        <dsp:cNvSpPr/>
+      </dsp:nvSpPr>
+      <dsp:spPr>
+        <a:xfrm>
+          <a:off x="0" y="2720"/>
+          <a:ext cx="6269038" cy="1855561"/>
+        </a:xfrm>
+        <a:prstGeom prst="rect">
+          <a:avLst/>
+        </a:prstGeom>
+        <a:noFill/>
+        <a:ln>
+          <a:noFill/>
+        </a:ln>
+        <a:effectLst/>
+      </dsp:spPr>
+      <dsp:style>
+        <a:lnRef idx="0">
+          <a:scrgbClr r="0" g="0" b="0"/>
+        </a:lnRef>
+        <a:fillRef idx="0">
+          <a:scrgbClr r="0" g="0" b="0"/>
+        </a:fillRef>
+        <a:effectRef idx="0">
+          <a:scrgbClr r="0" g="0" b="0"/>
+        </a:effectRef>
+        <a:fontRef idx="minor"/>
+      </dsp:style>
+      <dsp:txBody>
+        <a:bodyPr spcFirstLastPara="0" vert="horz" wrap="square" lIns="140970" tIns="140970" rIns="140970" bIns="140970" numCol="1" spcCol="1270" anchor="t" anchorCtr="0">
+          <a:noAutofit/>
+        </a:bodyPr>
+        <a:lstStyle/>
+        <a:p>
+          <a:pPr marL="0" lvl="0" indent="0" algn="l" defTabSz="1644650">
+            <a:lnSpc>
+              <a:spcPct val="90000"/>
+            </a:lnSpc>
+            <a:spcBef>
+              <a:spcPct val="0"/>
+            </a:spcBef>
+            <a:spcAft>
+              <a:spcPct val="35000"/>
+            </a:spcAft>
+            <a:buNone/>
+          </a:pPr>
+          <a:r>
+            <a:rPr lang="en-IN" sz="3700" b="1" kern="1200">
+              <a:hlinkClick xmlns:r="http://schemas.openxmlformats.org/officeDocument/2006/relationships" r:id="rId1"/>
+            </a:rPr>
+            <a:t>http://data.nobelprize.org/</a:t>
+          </a:r>
+          <a:r>
+            <a:rPr lang="en-IN" sz="3700" b="1" kern="1200"/>
+            <a:t> </a:t>
+          </a:r>
+          <a:r>
+            <a:rPr lang="en-IN" sz="3700" kern="1200"/>
+            <a:t>contains the details of Nobel price awardees and their title.</a:t>
+          </a:r>
+          <a:endParaRPr lang="en-US" sz="3700" kern="1200"/>
+        </a:p>
+      </dsp:txBody>
+      <dsp:txXfrm>
+        <a:off x="0" y="2720"/>
+        <a:ext cx="6269038" cy="1855561"/>
+      </dsp:txXfrm>
+    </dsp:sp>
+    <dsp:sp modelId="{16B8A366-08BA-4A3D-A077-5DDEBAA4DA66}">
+      <dsp:nvSpPr>
+        <dsp:cNvPr id="0" name=""/>
+        <dsp:cNvSpPr/>
+      </dsp:nvSpPr>
+      <dsp:spPr>
+        <a:xfrm>
+          <a:off x="0" y="1858281"/>
+          <a:ext cx="6269038" cy="0"/>
+        </a:xfrm>
+        <a:prstGeom prst="line">
+          <a:avLst/>
+        </a:prstGeom>
+        <a:gradFill rotWithShape="0">
+          <a:gsLst>
+            <a:gs pos="0">
+              <a:schemeClr val="lt1">
+                <a:hueOff val="0"/>
+                <a:satOff val="0"/>
+                <a:lumOff val="0"/>
+                <a:alphaOff val="0"/>
+                <a:lumMod val="110000"/>
+                <a:satMod val="105000"/>
+                <a:tint val="67000"/>
+              </a:schemeClr>
+            </a:gs>
+            <a:gs pos="50000">
+              <a:schemeClr val="lt1">
+                <a:hueOff val="0"/>
+                <a:satOff val="0"/>
+                <a:lumOff val="0"/>
+                <a:alphaOff val="0"/>
+                <a:lumMod val="105000"/>
+                <a:satMod val="103000"/>
+                <a:tint val="73000"/>
+              </a:schemeClr>
+            </a:gs>
+            <a:gs pos="100000">
+              <a:schemeClr val="lt1">
+                <a:hueOff val="0"/>
+                <a:satOff val="0"/>
+                <a:lumOff val="0"/>
+                <a:alphaOff val="0"/>
+                <a:lumMod val="105000"/>
+                <a:satMod val="109000"/>
+                <a:tint val="81000"/>
+              </a:schemeClr>
+            </a:gs>
+          </a:gsLst>
+          <a:lin ang="5400000" scaled="0"/>
+        </a:gradFill>
+        <a:ln w="6350" cap="flat" cmpd="sng" algn="ctr">
+          <a:solidFill>
+            <a:schemeClr val="accent6">
+              <a:shade val="80000"/>
+              <a:hueOff val="0"/>
+              <a:satOff val="0"/>
+              <a:lumOff val="0"/>
+              <a:alphaOff val="0"/>
+            </a:schemeClr>
+          </a:solidFill>
+          <a:prstDash val="solid"/>
+          <a:miter lim="800000"/>
+        </a:ln>
+        <a:effectLst/>
+      </dsp:spPr>
+      <dsp:style>
+        <a:lnRef idx="1">
+          <a:scrgbClr r="0" g="0" b="0"/>
+        </a:lnRef>
+        <a:fillRef idx="2">
+          <a:scrgbClr r="0" g="0" b="0"/>
+        </a:fillRef>
+        <a:effectRef idx="1">
+          <a:scrgbClr r="0" g="0" b="0"/>
+        </a:effectRef>
+        <a:fontRef idx="minor">
+          <a:schemeClr val="dk1"/>
+        </a:fontRef>
+      </dsp:style>
+    </dsp:sp>
+    <dsp:sp modelId="{D662D4B5-78A6-46C1-AABA-B6AB061F557F}">
+      <dsp:nvSpPr>
+        <dsp:cNvPr id="0" name=""/>
+        <dsp:cNvSpPr/>
+      </dsp:nvSpPr>
+      <dsp:spPr>
+        <a:xfrm>
+          <a:off x="0" y="1858281"/>
+          <a:ext cx="6269038" cy="1855561"/>
+        </a:xfrm>
+        <a:prstGeom prst="rect">
+          <a:avLst/>
+        </a:prstGeom>
+        <a:noFill/>
+        <a:ln>
+          <a:noFill/>
+        </a:ln>
+        <a:effectLst/>
+      </dsp:spPr>
+      <dsp:style>
+        <a:lnRef idx="0">
+          <a:scrgbClr r="0" g="0" b="0"/>
+        </a:lnRef>
+        <a:fillRef idx="0">
+          <a:scrgbClr r="0" g="0" b="0"/>
+        </a:fillRef>
+        <a:effectRef idx="0">
+          <a:scrgbClr r="0" g="0" b="0"/>
+        </a:effectRef>
+        <a:fontRef idx="minor"/>
+      </dsp:style>
+      <dsp:txBody>
+        <a:bodyPr spcFirstLastPara="0" vert="horz" wrap="square" lIns="140970" tIns="140970" rIns="140970" bIns="140970" numCol="1" spcCol="1270" anchor="t" anchorCtr="0">
+          <a:noAutofit/>
+        </a:bodyPr>
+        <a:lstStyle/>
+        <a:p>
+          <a:pPr marL="0" lvl="0" indent="0" algn="l" defTabSz="1644650">
+            <a:lnSpc>
+              <a:spcPct val="90000"/>
+            </a:lnSpc>
+            <a:spcBef>
+              <a:spcPct val="0"/>
+            </a:spcBef>
+            <a:spcAft>
+              <a:spcPct val="35000"/>
+            </a:spcAft>
+            <a:buNone/>
+          </a:pPr>
+          <a:r>
+            <a:rPr lang="en-IN" sz="3700" kern="1200"/>
+            <a:t>We get the details of Awardees from dbpedia </a:t>
+          </a:r>
+          <a:r>
+            <a:rPr lang="en-IN" sz="3700" b="1" kern="1200">
+              <a:hlinkClick xmlns:r="http://schemas.openxmlformats.org/officeDocument/2006/relationships" r:id="rId2"/>
+            </a:rPr>
+            <a:t>https://dbpedia.org/</a:t>
+          </a:r>
+          <a:r>
+            <a:rPr lang="en-IN" sz="3700" b="1" kern="1200"/>
+            <a:t> .</a:t>
+          </a:r>
+          <a:endParaRPr lang="en-US" sz="3700" kern="1200"/>
+        </a:p>
+      </dsp:txBody>
+      <dsp:txXfrm>
+        <a:off x="0" y="1858281"/>
+        <a:ext cx="6269038" cy="1855561"/>
+      </dsp:txXfrm>
+    </dsp:sp>
+    <dsp:sp modelId="{7B098508-7406-4734-9DBF-40955E8CF9E9}">
+      <dsp:nvSpPr>
+        <dsp:cNvPr id="0" name=""/>
+        <dsp:cNvSpPr/>
+      </dsp:nvSpPr>
+      <dsp:spPr>
+        <a:xfrm>
+          <a:off x="0" y="3713843"/>
+          <a:ext cx="6269038" cy="0"/>
+        </a:xfrm>
+        <a:prstGeom prst="line">
+          <a:avLst/>
+        </a:prstGeom>
+        <a:gradFill rotWithShape="0">
+          <a:gsLst>
+            <a:gs pos="0">
+              <a:schemeClr val="lt1">
+                <a:hueOff val="0"/>
+                <a:satOff val="0"/>
+                <a:lumOff val="0"/>
+                <a:alphaOff val="0"/>
+                <a:lumMod val="110000"/>
+                <a:satMod val="105000"/>
+                <a:tint val="67000"/>
+              </a:schemeClr>
+            </a:gs>
+            <a:gs pos="50000">
+              <a:schemeClr val="lt1">
+                <a:hueOff val="0"/>
+                <a:satOff val="0"/>
+                <a:lumOff val="0"/>
+                <a:alphaOff val="0"/>
+                <a:lumMod val="105000"/>
+                <a:satMod val="103000"/>
+                <a:tint val="73000"/>
+              </a:schemeClr>
+            </a:gs>
+            <a:gs pos="100000">
+              <a:schemeClr val="lt1">
+                <a:hueOff val="0"/>
+                <a:satOff val="0"/>
+                <a:lumOff val="0"/>
+                <a:alphaOff val="0"/>
+                <a:lumMod val="105000"/>
+                <a:satMod val="109000"/>
+                <a:tint val="81000"/>
+              </a:schemeClr>
+            </a:gs>
+          </a:gsLst>
+          <a:lin ang="5400000" scaled="0"/>
+        </a:gradFill>
+        <a:ln w="6350" cap="flat" cmpd="sng" algn="ctr">
+          <a:solidFill>
+            <a:schemeClr val="accent6">
+              <a:shade val="80000"/>
+              <a:hueOff val="0"/>
+              <a:satOff val="0"/>
+              <a:lumOff val="0"/>
+              <a:alphaOff val="0"/>
+            </a:schemeClr>
+          </a:solidFill>
+          <a:prstDash val="solid"/>
+          <a:miter lim="800000"/>
+        </a:ln>
+        <a:effectLst/>
+      </dsp:spPr>
+      <dsp:style>
+        <a:lnRef idx="1">
+          <a:scrgbClr r="0" g="0" b="0"/>
+        </a:lnRef>
+        <a:fillRef idx="2">
+          <a:scrgbClr r="0" g="0" b="0"/>
+        </a:fillRef>
+        <a:effectRef idx="1">
+          <a:scrgbClr r="0" g="0" b="0"/>
+        </a:effectRef>
+        <a:fontRef idx="minor">
+          <a:schemeClr val="dk1"/>
+        </a:fontRef>
+      </dsp:style>
+    </dsp:sp>
+    <dsp:sp modelId="{8DACB683-3592-4AC7-9D0F-FB2B7C303B82}">
+      <dsp:nvSpPr>
+        <dsp:cNvPr id="0" name=""/>
+        <dsp:cNvSpPr/>
+      </dsp:nvSpPr>
+      <dsp:spPr>
+        <a:xfrm>
+          <a:off x="0" y="3713843"/>
+          <a:ext cx="6269038" cy="1855561"/>
+        </a:xfrm>
+        <a:prstGeom prst="rect">
+          <a:avLst/>
+        </a:prstGeom>
+        <a:noFill/>
+        <a:ln>
+          <a:noFill/>
+        </a:ln>
+        <a:effectLst/>
+      </dsp:spPr>
+      <dsp:style>
+        <a:lnRef idx="0">
+          <a:scrgbClr r="0" g="0" b="0"/>
+        </a:lnRef>
+        <a:fillRef idx="0">
+          <a:scrgbClr r="0" g="0" b="0"/>
+        </a:fillRef>
+        <a:effectRef idx="0">
+          <a:scrgbClr r="0" g="0" b="0"/>
+        </a:effectRef>
+        <a:fontRef idx="minor"/>
+      </dsp:style>
+      <dsp:txBody>
+        <a:bodyPr spcFirstLastPara="0" vert="horz" wrap="square" lIns="140970" tIns="140970" rIns="140970" bIns="140970" numCol="1" spcCol="1270" anchor="t" anchorCtr="0">
+          <a:noAutofit/>
+        </a:bodyPr>
+        <a:lstStyle/>
+        <a:p>
+          <a:pPr marL="0" lvl="0" indent="0" algn="l" defTabSz="1644650">
+            <a:lnSpc>
+              <a:spcPct val="90000"/>
+            </a:lnSpc>
+            <a:spcBef>
+              <a:spcPct val="0"/>
+            </a:spcBef>
+            <a:spcAft>
+              <a:spcPct val="35000"/>
+            </a:spcAft>
+            <a:buNone/>
+          </a:pPr>
+          <a:r>
+            <a:rPr lang="en-US" sz="3700" kern="1200"/>
+            <a:t>Next slide contains SPARQL queries for extracting the required data.</a:t>
+          </a:r>
+        </a:p>
+      </dsp:txBody>
+      <dsp:txXfrm>
+        <a:off x="0" y="3713843"/>
+        <a:ext cx="6269038" cy="1855561"/>
+      </dsp:txXfrm>
+    </dsp:sp>
+  </dsp:spTree>
+</dsp:drawing>
+</file>
+
+<file path=ppt/diagrams/layout1.xml><?xml version="1.0" encoding="utf-8"?>
+<dgm:layoutDef xmlns:dgm="http://schemas.openxmlformats.org/drawingml/2006/diagram" xmlns:a="http://schemas.openxmlformats.org/drawingml/2006/main" uniqueId="urn:microsoft.com/office/officeart/2008/layout/LinedList">
+  <dgm:title val=""/>
+  <dgm:desc val=""/>
+  <dgm:catLst>
+    <dgm:cat type="hierarchy" pri="8000"/>
+    <dgm:cat type="list" pri="2500"/>
+  </dgm:catLst>
+  <dgm:sampData>
+    <dgm:dataModel>
+      <dgm:ptLst>
+        <dgm:pt modelId="0" type="doc"/>
+        <dgm:pt modelId="1">
+          <dgm:prSet phldr="1"/>
+        </dgm:pt>
+        <dgm:pt modelId="11">
+          <dgm:prSet phldr="1"/>
+        </dgm:pt>
+        <dgm:pt modelId="12">
+          <dgm:prSet phldr="1"/>
+        </dgm:pt>
+        <dgm:pt modelId="13">
+          <dgm:prSet phldr="1"/>
+        </dgm:pt>
+      </dgm:ptLst>
+      <dgm:cxnLst>
+        <dgm:cxn modelId="2" srcId="0" destId="1" srcOrd="0" destOrd="0"/>
+        <dgm:cxn modelId="3" srcId="1" destId="11" srcOrd="0" destOrd="0"/>
+        <dgm:cxn modelId="4" srcId="1" destId="12" srcOrd="1" destOrd="0"/>
+        <dgm:cxn modelId="5" srcId="1" destId="13" srcOrd="2" destOrd="0"/>
+      </dgm:cxnLst>
+      <dgm:bg/>
+      <dgm:whole/>
+    </dgm:dataModel>
+  </dgm:sampData>
+  <dgm:styleData>
+    <dgm:dataModel>
+      <dgm:ptLst>
+        <dgm:pt modelId="0" type="doc"/>
+        <dgm:pt modelId="1">
+          <dgm:prSet phldr="1"/>
+        </dgm:pt>
+        <dgm:pt modelId="11">
+          <dgm:prSet phldr="1"/>
+        </dgm:pt>
+        <dgm:pt modelId="12">
+          <dgm:prSet phldr="1"/>
+        </dgm:pt>
+      </dgm:ptLst>
+      <dgm:cxnLst>
+        <dgm:cxn modelId="2" srcId="0" destId="1" srcOrd="0" destOrd="0"/>
+        <dgm:cxn modelId="3" srcId="1" destId="11" srcOrd="0" destOrd="0"/>
+        <dgm:cxn modelId="4" srcId="1" destId="12" srcOrd="1" destOrd="0"/>
+      </dgm:cxnLst>
+      <dgm:bg/>
+      <dgm:whole/>
+    </dgm:dataModel>
+  </dgm:styleData>
+  <dgm:clrData>
+    <dgm:dataModel>
+      <dgm:ptLst>
+        <dgm:pt modelId="0" type="doc"/>
+        <dgm:pt modelId="1">
+          <dgm:prSet phldr="1"/>
+        </dgm:pt>
+        <dgm:pt modelId="11">
+          <dgm:prSet phldr="1"/>
+        </dgm:pt>
+        <dgm:pt modelId="12">
+          <dgm:prSet phldr="1"/>
+        </dgm:pt>
+      </dgm:ptLst>
+      <dgm:cxnLst>
+        <dgm:cxn modelId="2" srcId="0" destId="1" srcOrd="0" destOrd="0"/>
+        <dgm:cxn modelId="3" srcId="1" destId="11" srcOrd="0" destOrd="0"/>
+        <dgm:cxn modelId="4" srcId="1" destId="12" srcOrd="1" destOrd="0"/>
+      </dgm:cxnLst>
+      <dgm:bg/>
+      <dgm:whole/>
+    </dgm:dataModel>
+  </dgm:clrData>
+  <dgm:layoutNode name="vert0">
+    <dgm:varLst>
+      <dgm:dir/>
+      <dgm:animOne val="branch"/>
+      <dgm:animLvl val="lvl"/>
+    </dgm:varLst>
+    <dgm:choose name="Name0">
+      <dgm:if name="Name1" func="var" arg="dir" op="equ" val="norm">
+        <dgm:alg type="lin">
+          <dgm:param type="linDir" val="fromT"/>
+          <dgm:param type="nodeHorzAlign" val="l"/>
+        </dgm:alg>
+      </dgm:if>
+      <dgm:else name="Name2">
+        <dgm:alg type="lin">
+          <dgm:param type="linDir" val="fromT"/>
+          <dgm:param type="nodeHorzAlign" val="r"/>
+        </dgm:alg>
+      </dgm:else>
+    </dgm:choose>
+    <dgm:shape xmlns:r="http://schemas.openxmlformats.org/officeDocument/2006/relationships" r:blip="">
+      <dgm:adjLst/>
+    </dgm:shape>
+    <dgm:presOf/>
+    <dgm:constrLst>
+      <dgm:constr type="w" for="ch" forName="horz1" refType="w"/>
+      <dgm:constr type="h" for="ch" forName="horz1" refType="h"/>
+      <dgm:constr type="h" for="des" forName="vert1" refType="h"/>
+      <dgm:constr type="h" for="des" forName="tx1" refType="h"/>
+      <dgm:constr type="h" for="des" forName="horz2" refType="h"/>
+      <dgm:constr type="h" for="des" forName="vert2" refType="h"/>
+      <dgm:constr type="h" for="des" forName="horz3" refType="h"/>
+      <dgm:constr type="h" for="des" forName="vert3" refType="h"/>
+      <dgm:constr type="h" for="des" forName="horz4" refType="h"/>
+      <dgm:constr type="h" for="des" ptType="node" refType="h"/>
+      <dgm:constr type="primFontSz" for="des" forName="tx1" op="equ" val="65"/>
+      <dgm:constr type="primFontSz" for="des" forName="tx2" op="equ" val="65"/>
+      <dgm:constr type="primFontSz" for="des" forName="tx3" op="equ" val="65"/>
+      <dgm:constr type="primFontSz" for="des" forName="tx4" op="equ" val="65"/>
+      <dgm:constr type="w" for="des" forName="thickLine" refType="w"/>
+      <dgm:constr type="h" for="des" forName="thickLine"/>
+      <dgm:constr type="h" for="des" forName="thinLine1"/>
+      <dgm:constr type="h" for="des" forName="thinLine2b"/>
+      <dgm:constr type="h" for="des" forName="thinLine3"/>
+      <dgm:constr type="h" for="des" forName="vertSpace2a" refType="h" fact="0.05"/>
+      <dgm:constr type="h" for="des" forName="vertSpace2b" refType="h" refFor="des" refForName="vertSpace2a"/>
+    </dgm:constrLst>
+    <dgm:forEach name="Name3" axis="ch" ptType="node">
+      <dgm:layoutNode name="thickLine" styleLbl="alignNode1">
+        <dgm:alg type="sp"/>
+        <dgm:shape xmlns:r="http://schemas.openxmlformats.org/officeDocument/2006/relationships" type="line" r:blip="">
+          <dgm:adjLst/>
+        </dgm:shape>
+        <dgm:presOf/>
+      </dgm:layoutNode>
+      <dgm:layoutNode name="horz1">
+        <dgm:choose name="Name4">
+          <dgm:if name="Name5" func="var" arg="dir" op="equ" val="norm">
+            <dgm:alg type="lin">
+              <dgm:param type="linDir" val="fromL"/>
+              <dgm:param type="nodeVertAlign" val="t"/>
+            </dgm:alg>
+          </dgm:if>
+          <dgm:else name="Name6">
+            <dgm:alg type="lin">
+              <dgm:param type="linDir" val="fromR"/>
+              <dgm:param type="nodeVertAlign" val="t"/>
+            </dgm:alg>
+          </dgm:else>
+        </dgm:choose>
+        <dgm:shape xmlns:r="http://schemas.openxmlformats.org/officeDocument/2006/relationships" r:blip="">
+          <dgm:adjLst/>
+        </dgm:shape>
+        <dgm:presOf/>
+        <dgm:choose name="Name7">
+          <dgm:if name="Name8" axis="root des" func="maxDepth" op="equ" val="1">
+            <dgm:constrLst>
+              <dgm:constr type="w" for="ch" forName="tx1" refType="w"/>
+            </dgm:constrLst>
+          </dgm:if>
+          <dgm:if name="Name9" axis="root des" func="maxDepth" op="equ" val="2">
+            <dgm:constrLst>
+              <dgm:constr type="w" for="ch" forName="tx1" refType="w" fact="0.2"/>
+              <dgm:constr type="w" for="des" forName="tx2" refType="w" fact="0.785"/>
+              <dgm:constr type="w" for="des" forName="horzSpace2" refType="w" fact="0.015"/>
+              <dgm:constr type="w" for="des" forName="thinLine2b" refType="w" fact="0.8"/>
+            </dgm:constrLst>
+          </dgm:if>
+          <dgm:if name="Name10" axis="root des" func="maxDepth" op="equ" val="3">
+            <dgm:constrLst>
+              <dgm:constr type="w" for="ch" forName="tx1" refType="w" fact="0.2"/>
+              <dgm:constr type="w" for="des" forName="tx2" refType="w" fact="0.385"/>
+              <dgm:constr type="w" for="des" forName="tx3" refType="w" fact="0.385"/>
+              <dgm:constr type="w" for="des" forName="horzSpace2" refType="w" fact="0.015"/>
+              <dgm:constr type="w" for="des" forName="horzSpace3" refType="w" fact="0.015"/>
+              <dgm:constr type="w" for="des" forName="thinLine2b" refType="w" fact="0.8"/>
+              <dgm:constr type="w" for="des" forName="thinLine3" refType="w" fact="0.385"/>
+            </dgm:constrLst>
+          </dgm:if>
+          <dgm:if name="Name11" axis="root des" func="maxDepth" op="gte" val="4">
+            <dgm:constrLst>
+              <dgm:constr type="w" for="ch" forName="tx1" refType="w" fact="0.2"/>
+              <dgm:constr type="w" for="des" forName="tx2" refType="w" fact="0.2516"/>
+              <dgm:constr type="w" for="des" forName="tx3" refType="w" fact="0.2516"/>
+              <dgm:constr type="w" for="des" forName="tx4" refType="w" fact="0.2516"/>
+              <dgm:constr type="w" for="des" forName="horzSpace2" refType="w" fact="0.015"/>
+              <dgm:constr type="w" for="des" forName="horzSpace3" refType="w" fact="0.015"/>
+              <dgm:constr type="w" for="des" forName="horzSpace4" refType="w" fact="0.015"/>
+              <dgm:constr type="w" for="des" forName="thinLine2b" refType="w" fact="0.8"/>
+              <dgm:constr type="w" for="des" forName="thinLine3" refType="w" fact="0.5332"/>
+            </dgm:constrLst>
+          </dgm:if>
+          <dgm:else name="Name12"/>
+        </dgm:choose>
+        <dgm:layoutNode name="tx1" styleLbl="revTx">
+          <dgm:alg type="tx">
+            <dgm:param type="parTxLTRAlign" val="l"/>
+            <dgm:param type="parTxRTLAlign" val="r"/>
+            <dgm:param type="txAnchorVert" val="t"/>
+          </dgm:alg>
+          <dgm:shape xmlns:r="http://schemas.openxmlformats.org/officeDocument/2006/relationships" type="rect" r:blip="">
+            <dgm:adjLst/>
+          </dgm:shape>
+          <dgm:presOf axis="self"/>
+          <dgm:constrLst>
+            <dgm:constr type="tMarg" refType="primFontSz" fact="0.3"/>
+            <dgm:constr type="bMarg" refType="primFontSz" fact="0.3"/>
+            <dgm:constr type="lMarg" refType="primFontSz" fact="0.3"/>
+            <dgm:constr type="rMarg" refType="primFontSz" fact="0.3"/>
+          </dgm:constrLst>
+          <dgm:ruleLst>
+            <dgm:rule type="primFontSz" val="5" fact="NaN" max="NaN"/>
+          </dgm:ruleLst>
+        </dgm:layoutNode>
+        <dgm:layoutNode name="vert1">
+          <dgm:choose name="Name13">
+            <dgm:if name="Name14" func="var" arg="dir" op="equ" val="norm">
+              <dgm:alg type="lin">
+                <dgm:param type="linDir" val="fromT"/>
+                <dgm:param type="nodeHorzAlign" val="l"/>
+              </dgm:alg>
+            </dgm:if>
+            <dgm:else name="Name15">
+              <dgm:alg type="lin">
+                <dgm:param type="linDir" val="fromT"/>
+                <dgm:param type="nodeHorzAlign" val="r"/>
+              </dgm:alg>
+            </dgm:else>
+          </dgm:choose>
+          <dgm:shape xmlns:r="http://schemas.openxmlformats.org/officeDocument/2006/relationships" r:blip="">
+            <dgm:adjLst/>
+          </dgm:shape>
+          <dgm:presOf/>
+          <dgm:forEach name="Name16" axis="ch" ptType="node">
+            <dgm:choose name="Name17">
+              <dgm:if name="Name18" axis="self" ptType="node" func="pos" op="equ" val="1">
+                <dgm:layoutNode name="vertSpace2a">
+                  <dgm:alg type="sp"/>
+                  <dgm:shape xmlns:r="http://schemas.openxmlformats.org/officeDocument/2006/relationships" r:blip="">
+                    <dgm:adjLst/>
+                  </dgm:shape>
+                  <dgm:presOf/>
+                </dgm:layoutNode>
+              </dgm:if>
+              <dgm:else name="Name19"/>
+            </dgm:choose>
+            <dgm:layoutNode name="horz2">
+              <dgm:choose name="Name20">
+                <dgm:if name="Name21" func="var" arg="dir" op="equ" val="norm">
+                  <dgm:alg type="lin">
+                    <dgm:param type="linDir" val="fromL"/>
+                    <dgm:param type="nodeVertAlign" val="t"/>
+                  </dgm:alg>
+                </dgm:if>
+                <dgm:else name="Name22">
+                  <dgm:alg type="lin">
+                    <dgm:param type="linDir" val="fromR"/>
+                    <dgm:param type="nodeVertAlign" val="t"/>
+                  </dgm:alg>
+                </dgm:else>
+              </dgm:choose>
+              <dgm:shape xmlns:r="http://schemas.openxmlformats.org/officeDocument/2006/relationships" r:blip="">
+                <dgm:adjLst/>
+              </dgm:shape>
+              <dgm:presOf/>
+              <dgm:layoutNode name="horzSpace2">
+                <dgm:alg type="sp"/>
+                <dgm:shape xmlns:r="http://schemas.openxmlformats.org/officeDocument/2006/relationships" r:blip="">
+                  <dgm:adjLst/>
+                </dgm:shape>
+                <dgm:presOf/>
+              </dgm:layoutNode>
+              <dgm:layoutNode name="tx2" styleLbl="revTx">
+                <dgm:alg type="tx">
+                  <dgm:param type="parTxLTRAlign" val="l"/>
+                  <dgm:param type="parTxRTLAlign" val="r"/>
+                  <dgm:param type="txAnchorVert" val="t"/>
+                </dgm:alg>
+                <dgm:shape xmlns:r="http://schemas.openxmlformats.org/officeDocument/2006/relationships" type="rect" r:blip="">
+                  <dgm:adjLst/>
+                </dgm:shape>
+                <dgm:presOf axis="self"/>
+                <dgm:constrLst>
+                  <dgm:constr type="tMarg" refType="primFontSz" fact="0.3"/>
+                  <dgm:constr type="bMarg" refType="primFontSz" fact="0.3"/>
+                  <dgm:constr type="lMarg" refType="primFontSz" fact="0.3"/>
+                  <dgm:constr type="rMarg" refType="primFontSz" fact="0.3"/>
+                </dgm:constrLst>
+                <dgm:ruleLst>
+                  <dgm:rule type="primFontSz" val="5" fact="NaN" max="NaN"/>
+                </dgm:ruleLst>
+              </dgm:layoutNode>
+              <dgm:layoutNode name="vert2">
+                <dgm:choose name="Name23">
+                  <dgm:if name="Name24" func="var" arg="dir" op="equ" val="norm">
+                    <dgm:alg type="lin">
+                      <dgm:param type="linDir" val="fromT"/>
+                      <dgm:param type="nodeHorzAlign" val="l"/>
+                    </dgm:alg>
+                  </dgm:if>
+                  <dgm:else name="Name25">
+                    <dgm:alg type="lin">
+                      <dgm:param type="linDir" val="fromT"/>
+                      <dgm:param type="nodeHorzAlign" val="r"/>
+                    </dgm:alg>
+                  </dgm:else>
+                </dgm:choose>
+                <dgm:shape xmlns:r="http://schemas.openxmlformats.org/officeDocument/2006/relationships" r:blip="">
+                  <dgm:adjLst/>
+                </dgm:shape>
+                <dgm:presOf/>
+                <dgm:forEach name="Name26" axis="ch" ptType="node">
+                  <dgm:layoutNode name="horz3">
+                    <dgm:choose name="Name27">
+                      <dgm:if name="Name28" func="var" arg="dir" op="equ" val="norm">
+                        <dgm:alg type="lin">
+                          <dgm:param type="linDir" val="fromL"/>
+                          <dgm:param type="nodeVertAlign" val="t"/>
+                        </dgm:alg>
+                      </dgm:if>
+                      <dgm:else name="Name29">
+                        <dgm:alg type="lin">
+                          <dgm:param type="linDir" val="fromR"/>
+                          <dgm:param type="nodeVertAlign" val="t"/>
+                        </dgm:alg>
+                      </dgm:else>
+                    </dgm:choose>
+                    <dgm:shape xmlns:r="http://schemas.openxmlformats.org/officeDocument/2006/relationships" r:blip="">
+                      <dgm:adjLst/>
+                    </dgm:shape>
+                    <dgm:presOf/>
+                    <dgm:layoutNode name="horzSpace3">
+                      <dgm:alg type="sp"/>
+                      <dgm:shape xmlns:r="http://schemas.openxmlformats.org/officeDocument/2006/relationships" r:blip="">
+                        <dgm:adjLst/>
+                      </dgm:shape>
+                      <dgm:presOf/>
+                    </dgm:layoutNode>
+                    <dgm:layoutNode name="tx3" styleLbl="revTx">
+                      <dgm:alg type="tx">
+                        <dgm:param type="parTxLTRAlign" val="l"/>
+                        <dgm:param type="parTxRTLAlign" val="r"/>
+                        <dgm:param type="txAnchorVert" val="t"/>
+                      </dgm:alg>
+                      <dgm:shape xmlns:r="http://schemas.openxmlformats.org/officeDocument/2006/relationships" type="rect" r:blip="">
+                        <dgm:adjLst/>
+                      </dgm:shape>
+                      <dgm:presOf axis="self"/>
+                      <dgm:constrLst>
+                        <dgm:constr type="tMarg" refType="primFontSz" fact="0.3"/>
+                        <dgm:constr type="bMarg" refType="primFontSz" fact="0.3"/>
+                        <dgm:constr type="lMarg" refType="primFontSz" fact="0.3"/>
+                        <dgm:constr type="rMarg" refType="primFontSz" fact="0.3"/>
+                      </dgm:constrLst>
+                      <dgm:ruleLst>
+                        <dgm:rule type="primFontSz" val="5" fact="NaN" max="NaN"/>
+                      </dgm:ruleLst>
+                    </dgm:layoutNode>
+                    <dgm:layoutNode name="vert3">
+                      <dgm:choose name="Name30">
+                        <dgm:if name="Name31" func="var" arg="dir" op="equ" val="norm">
+                          <dgm:alg type="lin">
+                            <dgm:param type="linDir" val="fromT"/>
+                            <dgm:param type="nodeHorzAlign" val="l"/>
+                          </dgm:alg>
+                        </dgm:if>
+                        <dgm:else name="Name32">
+                          <dgm:alg type="lin">
+                            <dgm:param type="linDir" val="fromT"/>
+                            <dgm:param type="nodeHorzAlign" val="r"/>
+                          </dgm:alg>
+                        </dgm:else>
+                      </dgm:choose>
+                      <dgm:shape xmlns:r="http://schemas.openxmlformats.org/officeDocument/2006/relationships" r:blip="">
+                        <dgm:adjLst/>
+                      </dgm:shape>
+                      <dgm:presOf/>
+                      <dgm:forEach name="Name33" axis="ch" ptType="node">
+                        <dgm:layoutNode name="horz4">
+                          <dgm:choose name="Name34">
+                            <dgm:if name="Name35" func="var" arg="dir" op="equ" val="norm">
+                              <dgm:alg type="lin">
+                                <dgm:param type="linDir" val="fromL"/>
+                                <dgm:param type="nodeVertAlign" val="t"/>
+                              </dgm:alg>
+                            </dgm:if>
+                            <dgm:else name="Name36">
+                              <dgm:alg type="lin">
+                                <dgm:param type="linDir" val="fromR"/>
+                                <dgm:param type="nodeVertAlign" val="t"/>
+                              </dgm:alg>
+                            </dgm:else>
+                          </dgm:choose>
+                          <dgm:shape xmlns:r="http://schemas.openxmlformats.org/officeDocument/2006/relationships" r:blip="">
+                            <dgm:adjLst/>
+                          </dgm:shape>
+                          <dgm:presOf/>
+                          <dgm:layoutNode name="horzSpace4">
+                            <dgm:alg type="sp"/>
+                            <dgm:shape xmlns:r="http://schemas.openxmlformats.org/officeDocument/2006/relationships" r:blip="">
+                              <dgm:adjLst/>
+                            </dgm:shape>
+                            <dgm:presOf/>
+                          </dgm:layoutNode>
+                          <dgm:layoutNode name="tx4" styleLbl="revTx">
+                            <dgm:varLst>
+                              <dgm:bulletEnabled val="1"/>
+                            </dgm:varLst>
+                            <dgm:alg type="tx">
+                              <dgm:param type="parTxLTRAlign" val="l"/>
+                              <dgm:param type="parTxRTLAlign" val="r"/>
+                              <dgm:param type="txAnchorVert" val="t"/>
+                            </dgm:alg>
+                            <dgm:shape xmlns:r="http://schemas.openxmlformats.org/officeDocument/2006/relationships" type="rect" r:blip="">
+                              <dgm:adjLst/>
+                            </dgm:shape>
+                            <dgm:presOf axis="desOrSelf" ptType="node"/>
+                            <dgm:constrLst>
+                              <dgm:constr type="tMarg" refType="primFontSz" fact="0.3"/>
+                              <dgm:constr type="bMarg" refType="primFontSz" fact="0.3"/>
+                              <dgm:constr type="lMarg" refType="primFontSz" fact="0.3"/>
+                              <dgm:constr type="rMarg" refType="primFontSz" fact="0.3"/>
+                            </dgm:constrLst>
+                            <dgm:ruleLst>
+                              <dgm:rule type="primFontSz" val="5" fact="NaN" max="NaN"/>
+                            </dgm:ruleLst>
+                          </dgm:layoutNode>
+                        </dgm:layoutNode>
+                      </dgm:forEach>
+                    </dgm:layoutNode>
+                  </dgm:layoutNode>
+                  <dgm:forEach name="Name37" axis="followSib" ptType="sibTrans" cnt="1">
+                    <dgm:layoutNode name="thinLine3" styleLbl="callout">
+                      <dgm:alg type="sp"/>
+                      <dgm:shape xmlns:r="http://schemas.openxmlformats.org/officeDocument/2006/relationships" type="line" r:blip="">
+                        <dgm:adjLst/>
+                      </dgm:shape>
+                      <dgm:presOf/>
+                    </dgm:layoutNode>
+                  </dgm:forEach>
+                </dgm:forEach>
+              </dgm:layoutNode>
+            </dgm:layoutNode>
+            <dgm:layoutNode name="thinLine2b" styleLbl="callout">
+              <dgm:alg type="sp"/>
+              <dgm:shape xmlns:r="http://schemas.openxmlformats.org/officeDocument/2006/relationships" type="line" r:blip="">
+                <dgm:adjLst/>
+              </dgm:shape>
+              <dgm:presOf/>
+            </dgm:layoutNode>
+            <dgm:layoutNode name="vertSpace2b">
+              <dgm:alg type="sp"/>
+              <dgm:shape xmlns:r="http://schemas.openxmlformats.org/officeDocument/2006/relationships" r:blip="">
+                <dgm:adjLst/>
+              </dgm:shape>
+              <dgm:presOf/>
+            </dgm:layoutNode>
+          </dgm:forEach>
+        </dgm:layoutNode>
+      </dgm:layoutNode>
+    </dgm:forEach>
+  </dgm:layoutNode>
+</dgm:layoutDef>
+</file>
+
+<file path=ppt/diagrams/quickStyle1.xml><?xml version="1.0" encoding="utf-8"?>
+<dgm:styleDef xmlns:dgm="http://schemas.openxmlformats.org/drawingml/2006/diagram" xmlns:a="http://schemas.openxmlformats.org/drawingml/2006/main" uniqueId="urn:microsoft.com/office/officeart/2005/8/quickstyle/simple3">
+  <dgm:title val=""/>
+  <dgm:desc val=""/>
+  <dgm:catLst>
+    <dgm:cat type="simple" pri="10300"/>
+  </dgm:catLst>
+  <dgm:scene3d>
+    <a:camera prst="orthographicFront"/>
+    <a:lightRig rig="threePt" dir="t"/>
+  </dgm:scene3d>
+  <dgm:styleLbl name="node0">
+    <dgm:scene3d>
+      <a:camera prst="orthographicFront"/>
+      <a:lightRig rig="flat" dir="t"/>
+    </dgm:scene3d>
+    <dgm:sp3d prstMaterial="dkEdge">
+      <a:bevelT w="8200" h="38100"/>
+    </dgm:sp3d>
+    <dgm:txPr/>
+    <dgm:style>
+      <a:lnRef idx="0">
+        <a:scrgbClr r="0" g="0" b="0"/>
+      </a:lnRef>
+      <a:fillRef idx="2">
+        <a:scrgbClr r="0" g="0" b="0"/>
+      </a:fillRef>
+      <a:effectRef idx="1">
+        <a:scrgbClr r="0" g="0" b="0"/>
+      </a:effectRef>
+      <a:fontRef idx="minor">
+        <a:schemeClr val="dk1"/>
+      </a:fontRef>
+    </dgm:style>
+  </dgm:styleLbl>
+  <dgm:styleLbl name="lnNode1">
+    <dgm:scene3d>
+      <a:camera prst="orthographicFront"/>
+      <a:lightRig rig="flat" dir="t"/>
+    </dgm:scene3d>
+    <dgm:sp3d prstMaterial="dkEdge">
+      <a:bevelT w="8200" h="38100"/>
+    </dgm:sp3d>
+    <dgm:txPr/>
+    <dgm:style>
+      <a:lnRef idx="1">
+        <a:scrgbClr r="0" g="0" b="0"/>
+      </a:lnRef>
+      <a:fillRef idx="2">
+        <a:scrgbClr r="0" g="0" b="0"/>
+      </a:fillRef>
+      <a:effectRef idx="0">
+        <a:scrgbClr r="0" g="0" b="0"/>
+      </a:effectRef>
+      <a:fontRef idx="minor">
+        <a:schemeClr val="dk1"/>
+      </a:fontRef>
+    </dgm:style>
+  </dgm:styleLbl>
+  <dgm:styleLbl name="vennNode1">
+    <dgm:scene3d>
+      <a:camera prst="orthographicFront"/>
+      <a:lightRig rig="flat" dir="t"/>
+    </dgm:scene3d>
+    <dgm:sp3d prstMaterial="dkEdge">
+      <a:bevelT w="8200" h="38100"/>
+    </dgm:sp3d>
+    <dgm:txPr/>
+    <dgm:style>
+      <a:lnRef idx="0">
+        <a:scrgbClr r="0" g="0" b="0"/>
+      </a:lnRef>
+      <a:fillRef idx="2">
+        <a:scrgbClr r="0" g="0" b="0"/>
+      </a:fillRef>
+      <a:effectRef idx="0">
+        <a:scrgbClr r="0" g="0" b="0"/>
+      </a:effectRef>
+      <a:fontRef idx="minor">
+        <a:schemeClr val="tx1"/>
+      </a:fontRef>
+    </dgm:style>
+  </dgm:styleLbl>
+  <dgm:styleLbl name="alignNode1">
+    <dgm:scene3d>
+      <a:camera prst="orthographicFront"/>
+      <a:lightRig rig="threePt" dir="t"/>
+    </dgm:scene3d>
+    <dgm:sp3d/>
+    <dgm:txPr/>
+    <dgm:style>
+      <a:lnRef idx="1">
+        <a:scrgbClr r="0" g="0" b="0"/>
+      </a:lnRef>
+      <a:fillRef idx="2">
+        <a:scrgbClr r="0" g="0" b="0"/>
+      </a:fillRef>
+      <a:effectRef idx="1">
+        <a:scrgbClr r="0" g="0" b="0"/>
+      </a:effectRef>
+      <a:fontRef idx="minor">
+        <a:schemeClr val="dk1"/>
+      </a:fontRef>
+    </dgm:style>
+  </dgm:styleLbl>
+  <dgm:styleLbl name="node1">
+    <dgm:scene3d>
+      <a:camera prst="orthographicFront"/>
+      <a:lightRig rig="flat" dir="t"/>
+    </dgm:scene3d>
+    <dgm:sp3d prstMaterial="dkEdge">
+      <a:bevelT w="8200" h="38100"/>
+    </dgm:sp3d>
+    <dgm:txPr/>
+    <dgm:style>
+      <a:lnRef idx="0">
+        <a:scrgbClr r="0" g="0" b="0"/>
+      </a:lnRef>
+      <a:fillRef idx="2">
+        <a:scrgbClr r="0" g="0" b="0"/>
+      </a:fillRef>
+      <a:effectRef idx="1">
+        <a:scrgbClr r="0" g="0" b="0"/>
+      </a:effectRef>
+      <a:fontRef idx="minor">
+        <a:schemeClr val="dk1"/>
+      </a:fontRef>
+    </dgm:style>
+  </dgm:styleLbl>
+  <dgm:styleLbl name="node2">
+    <dgm:scene3d>
+      <a:camera prst="orthographicFront"/>
+      <a:lightRig rig="flat" dir="t"/>
+    </dgm:scene3d>
+    <dgm:sp3d prstMaterial="dkEdge">
+      <a:bevelT w="8200" h="38100"/>
+    </dgm:sp3d>
+    <dgm:txPr/>
+    <dgm:style>
+      <a:lnRef idx="0">
+        <a:scrgbClr r="0" g="0" b="0"/>
+      </a:lnRef>
+      <a:fillRef idx="2">
+        <a:scrgbClr r="0" g="0" b="0"/>
+      </a:fillRef>
+      <a:effectRef idx="1">
+        <a:scrgbClr r="0" g="0" b="0"/>
+      </a:effectRef>
+      <a:fontRef idx="minor">
+        <a:schemeClr val="dk1"/>
+      </a:fontRef>
+    </dgm:style>
+  </dgm:styleLbl>
+  <dgm:styleLbl name="node3">
+    <dgm:scene3d>
+      <a:camera prst="orthographicFront"/>
+      <a:lightRig rig="flat" dir="t"/>
+    </dgm:scene3d>
+    <dgm:sp3d prstMaterial="dkEdge">
+      <a:bevelT w="8200" h="38100"/>
+    </dgm:sp3d>
+    <dgm:txPr/>
+    <dgm:style>
+      <a:lnRef idx="0">
+        <a:scrgbClr r="0" g="0" b="0"/>
+      </a:lnRef>
+      <a:fillRef idx="2">
+        <a:scrgbClr r="0" g="0" b="0"/>
+      </a:fillRef>
+      <a:effectRef idx="1">
+        <a:scrgbClr r="0" g="0" b="0"/>
+      </a:effectRef>
+      <a:fontRef idx="minor">
+        <a:schemeClr val="dk1"/>
+      </a:fontRef>
+    </dgm:style>
+  </dgm:styleLbl>
+  <dgm:styleLbl name="node4">
+    <dgm:scene3d>
+      <a:camera prst="orthographicFront"/>
+      <a:lightRig rig="flat" dir="t"/>
+    </dgm:scene3d>
+    <dgm:sp3d prstMaterial="dkEdge">
+      <a:bevelT w="8200" h="38100"/>
+    </dgm:sp3d>
+    <dgm:txPr/>
+    <dgm:style>
+      <a:lnRef idx="0">
+        <a:scrgbClr r="0" g="0" b="0"/>
+      </a:lnRef>
+      <a:fillRef idx="2">
+        <a:scrgbClr r="0" g="0" b="0"/>
+      </a:fillRef>
+      <a:effectRef idx="1">
+        <a:scrgbClr r="0" g="0" b="0"/>
+      </a:effectRef>
+      <a:fontRef idx="minor">
+        <a:schemeClr val="dk1"/>
+      </a:fontRef>
+    </dgm:style>
+  </dgm:styleLbl>
+  <dgm:styleLbl name="fgImgPlace1">
+    <dgm:scene3d>
+      <a:camera prst="orthographicFront"/>
+      <a:lightRig rig="threePt" dir="t"/>
+    </dgm:scene3d>
+    <dgm:sp3d/>
+    <dgm:txPr/>
+    <dgm:style>
+      <a:lnRef idx="1">
+        <a:scrgbClr r="0" g="0" b="0"/>
+      </a:lnRef>
+      <a:fillRef idx="1">
+        <a:scrgbClr r="0" g="0" b="0"/>
+      </a:fillRef>
+      <a:effectRef idx="1">
+        <a:scrgbClr r="0" g="0" b="0"/>
+      </a:effectRef>
+      <a:fontRef idx="minor"/>
+    </dgm:style>
+  </dgm:styleLbl>
+  <dgm:styleLbl name="alignImgPlace1">
+    <dgm:scene3d>
+      <a:camera prst="orthographicFront"/>
+      <a:lightRig rig="threePt" dir="t"/>
+    </dgm:scene3d>
+    <dgm:sp3d/>
+    <dgm:txPr/>
+    <dgm:style>
+      <a:lnRef idx="1">
+        <a:scrgbClr r="0" g="0" b="0"/>
+      </a:lnRef>
+      <a:fillRef idx="1">
+        <a:scrgbClr r="0" g="0" b="0"/>
+      </a:fillRef>
+      <a:effectRef idx="1">
+        <a:scrgbClr r="0" g="0" b="0"/>
+      </a:effectRef>
+      <a:fontRef idx="minor"/>
+    </dgm:style>
+  </dgm:styleLbl>
+  <dgm:styleLbl name="bgImgPlace1">
+    <dgm:scene3d>
+      <a:camera prst="orthographicFront"/>
+      <a:lightRig rig="threePt" dir="t"/>
+    </dgm:scene3d>
+    <dgm:sp3d/>
+    <dgm:txPr/>
+    <dgm:style>
+      <a:lnRef idx="1">
+        <a:scrgbClr r="0" g="0" b="0"/>
+      </a:lnRef>
+      <a:fillRef idx="1">
+        <a:scrgbClr r="0" g="0" b="0"/>
+      </a:fillRef>
+      <a:effectRef idx="1">
+        <a:scrgbClr r="0" g="0" b="0"/>
+      </a:effectRef>
+      <a:fontRef idx="minor"/>
+    </dgm:style>
+  </dgm:styleLbl>
+  <dgm:styleLbl name="sibTrans2D1">
+    <dgm:scene3d>
+      <a:camera prst="orthographicFront"/>
+      <a:lightRig rig="threePt" dir="t"/>
+    </dgm:scene3d>
+    <dgm:sp3d/>
+    <dgm:txPr/>
+    <dgm:style>
+      <a:lnRef idx="0">
+        <a:scrgbClr r="0" g="0" b="0"/>
+      </a:lnRef>
+      <a:fillRef idx="2">
+        <a:scrgbClr r="0" g="0" b="0"/>
+      </a:fillRef>
+      <a:effectRef idx="1">
+        <a:scrgbClr r="0" g="0" b="0"/>
+      </a:effectRef>
+      <a:fontRef idx="minor">
+        <a:schemeClr val="dk1"/>
+      </a:fontRef>
+    </dgm:style>
+  </dgm:styleLbl>
+  <dgm:styleLbl name="fgSibTrans2D1">
+    <dgm:scene3d>
+      <a:camera prst="orthographicFront"/>
+      <a:lightRig rig="threePt" dir="t"/>
+    </dgm:scene3d>
+    <dgm:sp3d/>
+    <dgm:txPr/>
+    <dgm:style>
+      <a:lnRef idx="0">
+        <a:scrgbClr r="0" g="0" b="0"/>
+      </a:lnRef>
+      <a:fillRef idx="2">
+        <a:scrgbClr r="0" g="0" b="0"/>
+      </a:fillRef>
+      <a:effectRef idx="1">
+        <a:scrgbClr r="0" g="0" b="0"/>
+      </a:effectRef>
+      <a:fontRef idx="minor">
+        <a:schemeClr val="dk1"/>
+      </a:fontRef>
+    </dgm:style>
+  </dgm:styleLbl>
+  <dgm:styleLbl name="bgSibTrans2D1">
+    <dgm:scene3d>
+      <a:camera prst="orthographicFront"/>
+      <a:lightRig rig="threePt" dir="t"/>
+    </dgm:scene3d>
+    <dgm:sp3d/>
+    <dgm:txPr/>
+    <dgm:style>
+      <a:lnRef idx="0">
+        <a:scrgbClr r="0" g="0" b="0"/>
+      </a:lnRef>
+      <a:fillRef idx="2">
+        <a:scrgbClr r="0" g="0" b="0"/>
+      </a:fillRef>
+      <a:effectRef idx="1">
+        <a:scrgbClr r="0" g="0" b="0"/>
+      </a:effectRef>
+      <a:fontRef idx="minor">
+        <a:schemeClr val="dk1"/>
+      </a:fontRef>
+    </dgm:style>
+  </dgm:styleLbl>
+  <dgm:styleLbl name="sibTrans1D1">
+    <dgm:scene3d>
+      <a:camera prst="orthographicFront"/>
+      <a:lightRig rig="threePt" dir="t"/>
+    </dgm:scene3d>
+    <dgm:sp3d/>
+    <dgm:txPr/>
+    <dgm:style>
+      <a:lnRef idx="1">
+        <a:scrgbClr r="0" g="0" b="0"/>
+      </a:lnRef>
+      <a:fillRef idx="0">
+        <a:scrgbClr r="0" g="0" b="0"/>
+      </a:fillRef>
+      <a:effectRef idx="0">
+        <a:scrgbClr r="0" g="0" b="0"/>
+      </a:effectRef>
+      <a:fontRef idx="minor"/>
+    </dgm:style>
+  </dgm:styleLbl>
+  <dgm:styleLbl name="callout">
+    <dgm:scene3d>
+      <a:camera prst="orthographicFront"/>
+      <a:lightRig rig="threePt" dir="t"/>
+    </dgm:scene3d>
+    <dgm:sp3d/>
+    <dgm:txPr/>
+    <dgm:style>
+      <a:lnRef idx="1">
+        <a:scrgbClr r="0" g="0" b="0"/>
+      </a:lnRef>
+      <a:fillRef idx="2">
+        <a:scrgbClr r="0" g="0" b="0"/>
+      </a:fillRef>
+      <a:effectRef idx="1">
+        <a:scrgbClr r="0" g="0" b="0"/>
+      </a:effectRef>
+      <a:fontRef idx="minor"/>
+    </dgm:style>
+  </dgm:styleLbl>
+  <dgm:styleLbl name="asst0">
+    <dgm:scene3d>
+      <a:camera prst="orthographicFront"/>
+      <a:lightRig rig="flat" dir="t"/>
+    </dgm:scene3d>
+    <dgm:sp3d prstMaterial="dkEdge">
+      <a:bevelT w="8200" h="38100"/>
+    </dgm:sp3d>
+    <dgm:txPr/>
+    <dgm:style>
+      <a:lnRef idx="0">
+        <a:scrgbClr r="0" g="0" b="0"/>
+      </a:lnRef>
+      <a:fillRef idx="2">
+        <a:scrgbClr r="0" g="0" b="0"/>
+      </a:fillRef>
+      <a:effectRef idx="1">
+        <a:scrgbClr r="0" g="0" b="0"/>
+      </a:effectRef>
+      <a:fontRef idx="minor">
+        <a:schemeClr val="dk1"/>
+      </a:fontRef>
+    </dgm:style>
+  </dgm:styleLbl>
+  <dgm:styleLbl name="asst1">
+    <dgm:scene3d>
+      <a:camera prst="orthographicFront"/>
+      <a:lightRig rig="flat" dir="t"/>
+    </dgm:scene3d>
+    <dgm:sp3d prstMaterial="dkEdge">
+      <a:bevelT w="8200" h="38100"/>
+    </dgm:sp3d>
+    <dgm:txPr/>
+    <dgm:style>
+      <a:lnRef idx="0">
+        <a:scrgbClr r="0" g="0" b="0"/>
+      </a:lnRef>
+      <a:fillRef idx="2">
+        <a:scrgbClr r="0" g="0" b="0"/>
+      </a:fillRef>
+      <a:effectRef idx="1">
+        <a:scrgbClr r="0" g="0" b="0"/>
+      </a:effectRef>
+      <a:fontRef idx="minor">
+        <a:schemeClr val="dk1"/>
+      </a:fontRef>
+    </dgm:style>
+  </dgm:styleLbl>
+  <dgm:styleLbl name="asst2">
+    <dgm:scene3d>
+      <a:camera prst="orthographicFront"/>
+      <a:lightRig rig="flat" dir="t"/>
+    </dgm:scene3d>
+    <dgm:sp3d prstMaterial="dkEdge">
+      <a:bevelT w="8200" h="38100"/>
+    </dgm:sp3d>
+    <dgm:txPr/>
+    <dgm:style>
+      <a:lnRef idx="0">
+        <a:scrgbClr r="0" g="0" b="0"/>
+      </a:lnRef>
+      <a:fillRef idx="2">
+        <a:scrgbClr r="0" g="0" b="0"/>
+      </a:fillRef>
+      <a:effectRef idx="1">
+        <a:scrgbClr r="0" g="0" b="0"/>
+      </a:effectRef>
+      <a:fontRef idx="minor">
+        <a:schemeClr val="dk1"/>
+      </a:fontRef>
+    </dgm:style>
+  </dgm:styleLbl>
+  <dgm:styleLbl name="asst3">
+    <dgm:scene3d>
+      <a:camera prst="orthographicFront"/>
+      <a:lightRig rig="flat" dir="t"/>
+    </dgm:scene3d>
+    <dgm:sp3d prstMaterial="dkEdge">
+      <a:bevelT w="8200" h="38100"/>
+    </dgm:sp3d>
+    <dgm:txPr/>
+    <dgm:style>
+      <a:lnRef idx="0">
+        <a:scrgbClr r="0" g="0" b="0"/>
+      </a:lnRef>
+      <a:fillRef idx="2">
+        <a:scrgbClr r="0" g="0" b="0"/>
+      </a:fillRef>
+      <a:effectRef idx="1">
+        <a:scrgbClr r="0" g="0" b="0"/>
+      </a:effectRef>
+      <a:fontRef idx="minor">
+        <a:schemeClr val="dk1"/>
+      </a:fontRef>
+    </dgm:style>
+  </dgm:styleLbl>
+  <dgm:styleLbl name="asst4">
+    <dgm:scene3d>
+      <a:camera prst="orthographicFront"/>
+      <a:lightRig rig="flat" dir="t"/>
+    </dgm:scene3d>
+    <dgm:sp3d prstMaterial="dkEdge">
+      <a:bevelT w="8200" h="38100"/>
+    </dgm:sp3d>
+    <dgm:txPr/>
+    <dgm:style>
+      <a:lnRef idx="0">
+        <a:scrgbClr r="0" g="0" b="0"/>
+      </a:lnRef>
+      <a:fillRef idx="2">
+        <a:scrgbClr r="0" g="0" b="0"/>
+      </a:fillRef>
+      <a:effectRef idx="1">
+        <a:scrgbClr r="0" g="0" b="0"/>
+      </a:effectRef>
+      <a:fontRef idx="minor">
+        <a:schemeClr val="dk1"/>
+      </a:fontRef>
+    </dgm:style>
+  </dgm:styleLbl>
+  <dgm:styleLbl name="parChTrans2D1">
+    <dgm:scene3d>
+      <a:camera prst="orthographicFront"/>
+      <a:lightRig rig="threePt" dir="t"/>
+    </dgm:scene3d>
+    <dgm:sp3d/>
+    <dgm:txPr/>
+    <dgm:style>
+      <a:lnRef idx="1">
+        <a:scrgbClr r="0" g="0" b="0"/>
+      </a:lnRef>
+      <a:fillRef idx="2">
+        <a:scrgbClr r="0" g="0" b="0"/>
+      </a:fillRef>
+      <a:effectRef idx="1">
+        <a:scrgbClr r="0" g="0" b="0"/>
+      </a:effectRef>
+      <a:fontRef idx="minor">
+        <a:schemeClr val="dk1"/>
+      </a:fontRef>
+    </dgm:style>
+  </dgm:styleLbl>
+  <dgm:styleLbl name="parChTrans2D2">
+    <dgm:scene3d>
+      <a:camera prst="orthographicFront"/>
+      <a:lightRig rig="threePt" dir="t"/>
+    </dgm:scene3d>
+    <dgm:sp3d/>
+    <dgm:txPr/>
+    <dgm:style>
+      <a:lnRef idx="1">
+        <a:scrgbClr r="0" g="0" b="0"/>
+      </a:lnRef>
+      <a:fillRef idx="2">
+        <a:scrgbClr r="0" g="0" b="0"/>
+      </a:fillRef>
+      <a:effectRef idx="1">
+        <a:scrgbClr r="0" g="0" b="0"/>
+      </a:effectRef>
+      <a:fontRef idx="minor">
+        <a:schemeClr val="dk1"/>
+      </a:fontRef>
+    </dgm:style>
+  </dgm:styleLbl>
+  <dgm:styleLbl name="parChTrans2D3">
+    <dgm:scene3d>
+      <a:camera prst="orthographicFront"/>
+      <a:lightRig rig="threePt" dir="t"/>
+    </dgm:scene3d>
+    <dgm:sp3d/>
+    <dgm:txPr/>
+    <dgm:style>
+      <a:lnRef idx="1">
+        <a:scrgbClr r="0" g="0" b="0"/>
+      </a:lnRef>
+      <a:fillRef idx="2">
+        <a:scrgbClr r="0" g="0" b="0"/>
+      </a:fillRef>
+      <a:effectRef idx="1">
+        <a:scrgbClr r="0" g="0" b="0"/>
+      </a:effectRef>
+      <a:fontRef idx="minor">
+        <a:schemeClr val="dk1"/>
+      </a:fontRef>
+    </dgm:style>
+  </dgm:styleLbl>
+  <dgm:styleLbl name="parChTrans2D4">
+    <dgm:scene3d>
+      <a:camera prst="orthographicFront"/>
+      <a:lightRig rig="threePt" dir="t"/>
+    </dgm:scene3d>
+    <dgm:sp3d/>
+    <dgm:txPr/>
+    <dgm:style>
+      <a:lnRef idx="1">
+        <a:scrgbClr r="0" g="0" b="0"/>
+      </a:lnRef>
+      <a:fillRef idx="2">
+        <a:scrgbClr r="0" g="0" b="0"/>
+      </a:fillRef>
+      <a:effectRef idx="1">
+        <a:scrgbClr r="0" g="0" b="0"/>
+      </a:effectRef>
+      <a:fontRef idx="minor">
+        <a:schemeClr val="dk1"/>
+      </a:fontRef>
+    </dgm:style>
+  </dgm:styleLbl>
+  <dgm:styleLbl name="parChTrans1D1">
+    <dgm:scene3d>
+      <a:camera prst="orthographicFront"/>
+      <a:lightRig rig="threePt" dir="t"/>
+    </dgm:scene3d>
+    <dgm:sp3d/>
+    <dgm:txPr/>
+    <dgm:style>
+      <a:lnRef idx="2">
+        <a:scrgbClr r="0" g="0" b="0"/>
+      </a:lnRef>
+      <a:fillRef idx="0">
+        <a:scrgbClr r="0" g="0" b="0"/>
+      </a:fillRef>
+      <a:effectRef idx="0">
+        <a:scrgbClr r="0" g="0" b="0"/>
+      </a:effectRef>
+      <a:fontRef idx="minor"/>
+    </dgm:style>
+  </dgm:styleLbl>
+  <dgm:styleLbl name="parChTrans1D2">
+    <dgm:scene3d>
+      <a:camera prst="orthographicFront"/>
+      <a:lightRig rig="threePt" dir="t"/>
+    </dgm:scene3d>
+    <dgm:sp3d/>
+    <dgm:txPr/>
+    <dgm:style>
+      <a:lnRef idx="2">
+        <a:scrgbClr r="0" g="0" b="0"/>
+      </a:lnRef>
+      <a:fillRef idx="0">
+        <a:scrgbClr r="0" g="0" b="0"/>
+      </a:fillRef>
+      <a:effectRef idx="0">
+        <a:scrgbClr r="0" g="0" b="0"/>
+      </a:effectRef>
+      <a:fontRef idx="minor"/>
+    </dgm:style>
+  </dgm:styleLbl>
+  <dgm:styleLbl name="parChTrans1D3">
+    <dgm:scene3d>
+      <a:camera prst="orthographicFront"/>
+      <a:lightRig rig="threePt" dir="t"/>
+    </dgm:scene3d>
+    <dgm:sp3d/>
+    <dgm:txPr/>
+    <dgm:style>
+      <a:lnRef idx="2">
+        <a:scrgbClr r="0" g="0" b="0"/>
+      </a:lnRef>
+      <a:fillRef idx="0">
+        <a:scrgbClr r="0" g="0" b="0"/>
+      </a:fillRef>
+      <a:effectRef idx="0">
+        <a:scrgbClr r="0" g="0" b="0"/>
+      </a:effectRef>
+      <a:fontRef idx="minor"/>
+    </dgm:style>
+  </dgm:styleLbl>
+  <dgm:styleLbl name="parChTrans1D4">
+    <dgm:scene3d>
+      <a:camera prst="orthographicFront"/>
+      <a:lightRig rig="threePt" dir="t"/>
+    </dgm:scene3d>
+    <dgm:sp3d/>
+    <dgm:txPr/>
+    <dgm:style>
+      <a:lnRef idx="2">
+        <a:scrgbClr r="0" g="0" b="0"/>
+      </a:lnRef>
+      <a:fillRef idx="0">
+        <a:scrgbClr r="0" g="0" b="0"/>
+      </a:fillRef>
+      <a:effectRef idx="0">
+        <a:scrgbClr r="0" g="0" b="0"/>
+      </a:effectRef>
+      <a:fontRef idx="minor"/>
+    </dgm:style>
+  </dgm:styleLbl>
+  <dgm:styleLbl name="fgAcc1">
+    <dgm:scene3d>
+      <a:camera prst="orthographicFront"/>
+      <a:lightRig rig="threePt" dir="t"/>
+    </dgm:scene3d>
+    <dgm:sp3d/>
+    <dgm:txPr/>
+    <dgm:style>
+      <a:lnRef idx="1">
+        <a:scrgbClr r="0" g="0" b="0"/>
+      </a:lnRef>
+      <a:fillRef idx="1">
+        <a:scrgbClr r="0" g="0" b="0"/>
+      </a:fillRef>
+      <a:effectRef idx="0">
+        <a:scrgbClr r="0" g="0" b="0"/>
+      </a:effectRef>
+      <a:fontRef idx="minor"/>
+    </dgm:style>
+  </dgm:styleLbl>
+  <dgm:styleLbl name="conFgAcc1">
+    <dgm:scene3d>
+      <a:camera prst="orthographicFront"/>
+      <a:lightRig rig="threePt" dir="t"/>
+    </dgm:scene3d>
+    <dgm:sp3d/>
+    <dgm:txPr/>
+    <dgm:style>
+      <a:lnRef idx="1">
+        <a:scrgbClr r="0" g="0" b="0"/>
+      </a:lnRef>
+      <a:fillRef idx="1">
+        <a:scrgbClr r="0" g="0" b="0"/>
+      </a:fillRef>
+      <a:effectRef idx="0">
+        <a:scrgbClr r="0" g="0" b="0"/>
+      </a:effectRef>
+      <a:fontRef idx="minor"/>
+    </dgm:style>
+  </dgm:styleLbl>
+  <dgm:styleLbl name="alignAcc1">
+    <dgm:scene3d>
+      <a:camera prst="orthographicFront"/>
+      <a:lightRig rig="threePt" dir="t"/>
+    </dgm:scene3d>
+    <dgm:sp3d/>
+    <dgm:txPr/>
+    <dgm:style>
+      <a:lnRef idx="1">
+        <a:scrgbClr r="0" g="0" b="0"/>
+      </a:lnRef>
+      <a:fillRef idx="1">
+        <a:scrgbClr r="0" g="0" b="0"/>
+      </a:fillRef>
+      <a:effectRef idx="0">
+        <a:scrgbClr r="0" g="0" b="0"/>
+      </a:effectRef>
+      <a:fontRef idx="minor"/>
+    </dgm:style>
+  </dgm:styleLbl>
+  <dgm:styleLbl name="trAlignAcc1">
+    <dgm:scene3d>
+      <a:camera prst="orthographicFront"/>
+      <a:lightRig rig="threePt" dir="t"/>
+    </dgm:scene3d>
+    <dgm:sp3d/>
+    <dgm:txPr/>
+    <dgm:style>
+      <a:lnRef idx="1">
+        <a:scrgbClr r="0" g="0" b="0"/>
+      </a:lnRef>
+      <a:fillRef idx="1">
+        <a:scrgbClr r="0" g="0" b="0"/>
+      </a:fillRef>
+      <a:effectRef idx="0">
+        <a:scrgbClr r="0" g="0" b="0"/>
+      </a:effectRef>
+      <a:fontRef idx="minor"/>
+    </dgm:style>
+  </dgm:styleLbl>
+  <dgm:styleLbl name="bgAcc1">
+    <dgm:scene3d>
+      <a:camera prst="orthographicFront"/>
+      <a:lightRig rig="threePt" dir="t"/>
+    </dgm:scene3d>
+    <dgm:sp3d/>
+    <dgm:txPr/>
+    <dgm:style>
+      <a:lnRef idx="1">
+        <a:scrgbClr r="0" g="0" b="0"/>
+      </a:lnRef>
+      <a:fillRef idx="1">
+        <a:scrgbClr r="0" g="0" b="0"/>
+      </a:fillRef>
+      <a:effectRef idx="0">
+        <a:scrgbClr r="0" g="0" b="0"/>
+      </a:effectRef>
+      <a:fontRef idx="minor"/>
+    </dgm:style>
+  </dgm:styleLbl>
+  <dgm:styleLbl name="solidFgAcc1">
+    <dgm:scene3d>
+      <a:camera prst="orthographicFront"/>
+      <a:lightRig rig="threePt" dir="t"/>
+    </dgm:scene3d>
+    <dgm:sp3d/>
+    <dgm:txPr/>
+    <dgm:style>
+      <a:lnRef idx="1">
+        <a:scrgbClr r="0" g="0" b="0"/>
+      </a:lnRef>
+      <a:fillRef idx="2">
+        <a:scrgbClr r="0" g="0" b="0"/>
+      </a:fillRef>
+      <a:effectRef idx="0">
+        <a:scrgbClr r="0" g="0" b="0"/>
+      </a:effectRef>
+      <a:fontRef idx="minor"/>
+    </dgm:style>
+  </dgm:styleLbl>
+  <dgm:styleLbl name="solidAlignAcc1">
+    <dgm:scene3d>
+      <a:camera prst="orthographicFront"/>
+      <a:lightRig rig="threePt" dir="t"/>
+    </dgm:scene3d>
+    <dgm:sp3d/>
+    <dgm:txPr/>
+    <dgm:style>
+      <a:lnRef idx="1">
+        <a:scrgbClr r="0" g="0" b="0"/>
+      </a:lnRef>
+      <a:fillRef idx="1">
+        <a:scrgbClr r="0" g="0" b="0"/>
+      </a:fillRef>
+      <a:effectRef idx="0">
+        <a:scrgbClr r="0" g="0" b="0"/>
+      </a:effectRef>
+      <a:fontRef idx="minor"/>
+    </dgm:style>
+  </dgm:styleLbl>
+  <dgm:styleLbl name="solidBgAcc1">
+    <dgm:scene3d>
+      <a:camera prst="orthographicFront"/>
+      <a:lightRig rig="threePt" dir="t"/>
+    </dgm:scene3d>
+    <dgm:sp3d/>
+    <dgm:txPr/>
+    <dgm:style>
+      <a:lnRef idx="1">
+        <a:scrgbClr r="0" g="0" b="0"/>
+      </a:lnRef>
+      <a:fillRef idx="1">
+        <a:scrgbClr r="0" g="0" b="0"/>
+      </a:fillRef>
+      <a:effectRef idx="0">
+        <a:scrgbClr r="0" g="0" b="0"/>
+      </a:effectRef>
+      <a:fontRef idx="minor"/>
+    </dgm:style>
+  </dgm:styleLbl>
+  <dgm:styleLbl name="fgAccFollowNode1">
+    <dgm:scene3d>
+      <a:camera prst="orthographicFront"/>
+      <a:lightRig rig="threePt" dir="t"/>
+    </dgm:scene3d>
+    <dgm:sp3d/>
+    <dgm:txPr/>
+    <dgm:style>
+      <a:lnRef idx="1">
+        <a:scrgbClr r="0" g="0" b="0"/>
+      </a:lnRef>
+      <a:fillRef idx="1">
+        <a:scrgbClr r="0" g="0" b="0"/>
+      </a:fillRef>
+      <a:effectRef idx="0">
+        <a:scrgbClr r="0" g="0" b="0"/>
+      </a:effectRef>
+      <a:fontRef idx="minor"/>
+    </dgm:style>
+  </dgm:styleLbl>
+  <dgm:styleLbl name="alignAccFollowNode1">
+    <dgm:scene3d>
+      <a:camera prst="orthographicFront"/>
+      <a:lightRig rig="threePt" dir="t"/>
+    </dgm:scene3d>
+    <dgm:sp3d/>
+    <dgm:txPr/>
+    <dgm:style>
+      <a:lnRef idx="1">
+        <a:scrgbClr r="0" g="0" b="0"/>
+      </a:lnRef>
+      <a:fillRef idx="1">
+        <a:scrgbClr r="0" g="0" b="0"/>
+      </a:fillRef>
+      <a:effectRef idx="0">
+        <a:scrgbClr r="0" g="0" b="0"/>
+      </a:effectRef>
+      <a:fontRef idx="minor"/>
+    </dgm:style>
+  </dgm:styleLbl>
+  <dgm:styleLbl name="bgAccFollowNode1">
+    <dgm:scene3d>
+      <a:camera prst="orthographicFront"/>
+      <a:lightRig rig="threePt" dir="t"/>
+    </dgm:scene3d>
+    <dgm:sp3d/>
+    <dgm:txPr/>
+    <dgm:style>
+      <a:lnRef idx="1">
+        <a:scrgbClr r="0" g="0" b="0"/>
+      </a:lnRef>
+      <a:fillRef idx="1">
+        <a:scrgbClr r="0" g="0" b="0"/>
+      </a:fillRef>
+      <a:effectRef idx="0">
+        <a:scrgbClr r="0" g="0" b="0"/>
+      </a:effectRef>
+      <a:fontRef idx="minor"/>
+    </dgm:style>
+  </dgm:styleLbl>
+  <dgm:styleLbl name="fgAcc0">
+    <dgm:scene3d>
+      <a:camera prst="orthographicFront"/>
+      <a:lightRig rig="threePt" dir="t"/>
+    </dgm:scene3d>
+    <dgm:sp3d/>
+    <dgm:txPr/>
+    <dgm:style>
+      <a:lnRef idx="1">
+        <a:scrgbClr r="0" g="0" b="0"/>
+      </a:lnRef>
+      <a:fillRef idx="1">
+        <a:scrgbClr r="0" g="0" b="0"/>
+      </a:fillRef>
+      <a:effectRef idx="0">
+        <a:scrgbClr r="0" g="0" b="0"/>
+      </a:effectRef>
+      <a:fontRef idx="minor"/>
+    </dgm:style>
+  </dgm:styleLbl>
+  <dgm:styleLbl name="fgAcc2">
+    <dgm:scene3d>
+      <a:camera prst="orthographicFront"/>
+      <a:lightRig rig="threePt" dir="t"/>
+    </dgm:scene3d>
+    <dgm:sp3d/>
+    <dgm:txPr/>
+    <dgm:style>
+      <a:lnRef idx="1">
+        <a:scrgbClr r="0" g="0" b="0"/>
+      </a:lnRef>
+      <a:fillRef idx="1">
+        <a:scrgbClr r="0" g="0" b="0"/>
+      </a:fillRef>
+      <a:effectRef idx="0">
+        <a:scrgbClr r="0" g="0" b="0"/>
+      </a:effectRef>
+      <a:fontRef idx="minor"/>
+    </dgm:style>
+  </dgm:styleLbl>
+  <dgm:styleLbl name="fgAcc3">
+    <dgm:scene3d>
+      <a:camera prst="orthographicFront"/>
+      <a:lightRig rig="threePt" dir="t"/>
+    </dgm:scene3d>
+    <dgm:sp3d/>
+    <dgm:txPr/>
+    <dgm:style>
+      <a:lnRef idx="1">
+        <a:scrgbClr r="0" g="0" b="0"/>
+      </a:lnRef>
+      <a:fillRef idx="1">
+        <a:scrgbClr r="0" g="0" b="0"/>
+      </a:fillRef>
+      <a:effectRef idx="0">
+        <a:scrgbClr r="0" g="0" b="0"/>
+      </a:effectRef>
+      <a:fontRef idx="minor"/>
+    </dgm:style>
+  </dgm:styleLbl>
+  <dgm:styleLbl name="fgAcc4">
+    <dgm:scene3d>
+      <a:camera prst="orthographicFront"/>
+      <a:lightRig rig="threePt" dir="t"/>
+    </dgm:scene3d>
+    <dgm:sp3d/>
+    <dgm:txPr/>
+    <dgm:style>
+      <a:lnRef idx="1">
+        <a:scrgbClr r="0" g="0" b="0"/>
+      </a:lnRef>
+      <a:fillRef idx="1">
+        <a:scrgbClr r="0" g="0" b="0"/>
+      </a:fillRef>
+      <a:effectRef idx="0">
+        <a:scrgbClr r="0" g="0" b="0"/>
+      </a:effectRef>
+      <a:fontRef idx="minor"/>
+    </dgm:style>
+  </dgm:styleLbl>
+  <dgm:styleLbl name="bgShp">
+    <dgm:scene3d>
+      <a:camera prst="orthographicFront"/>
+      <a:lightRig rig="threePt" dir="t"/>
+    </dgm:scene3d>
+    <dgm:sp3d/>
+    <dgm:txPr/>
+    <dgm:style>
+      <a:lnRef idx="0">
+        <a:scrgbClr r="0" g="0" b="0"/>
+      </a:lnRef>
+      <a:fillRef idx="1">
+        <a:scrgbClr r="0" g="0" b="0"/>
+      </a:fillRef>
+      <a:effectRef idx="1">
+        <a:scrgbClr r="0" g="0" b="0"/>
+      </a:effectRef>
+      <a:fontRef idx="minor"/>
+    </dgm:style>
+  </dgm:styleLbl>
+  <dgm:styleLbl name="dkBgShp">
+    <dgm:scene3d>
+      <a:camera prst="orthographicFront"/>
+      <a:lightRig rig="threePt" dir="t"/>
+    </dgm:scene3d>
+    <dgm:sp3d/>
+    <dgm:txPr/>
+    <dgm:style>
+      <a:lnRef idx="0">
+        <a:scrgbClr r="0" g="0" b="0"/>
+      </a:lnRef>
+      <a:fillRef idx="1">
+        <a:scrgbClr r="0" g="0" b="0"/>
+      </a:fillRef>
+      <a:effectRef idx="1">
+        <a:scrgbClr r="0" g="0" b="0"/>
+      </a:effectRef>
+      <a:fontRef idx="minor"/>
+    </dgm:style>
+  </dgm:styleLbl>
+  <dgm:styleLbl name="trBgShp">
+    <dgm:scene3d>
+      <a:camera prst="orthographicFront"/>
+      <a:lightRig rig="threePt" dir="t"/>
+    </dgm:scene3d>
+    <dgm:sp3d/>
+    <dgm:txPr/>
+    <dgm:style>
+      <a:lnRef idx="0">
+        <a:scrgbClr r="0" g="0" b="0"/>
+      </a:lnRef>
+      <a:fillRef idx="1">
+        <a:scrgbClr r="0" g="0" b="0"/>
+      </a:fillRef>
+      <a:effectRef idx="0">
+        <a:scrgbClr r="0" g="0" b="0"/>
+      </a:effectRef>
+      <a:fontRef idx="minor"/>
+    </dgm:style>
+  </dgm:styleLbl>
+  <dgm:styleLbl name="fgShp">
+    <dgm:scene3d>
+      <a:camera prst="orthographicFront"/>
+      <a:lightRig rig="flat" dir="t"/>
+    </dgm:scene3d>
+    <dgm:sp3d prstMaterial="dkEdge">
+      <a:bevelT w="8200" h="38100"/>
+    </dgm:sp3d>
+    <dgm:txPr/>
+    <dgm:style>
+      <a:lnRef idx="1">
+        <a:scrgbClr r="0" g="0" b="0"/>
+      </a:lnRef>
+      <a:fillRef idx="2">
+        <a:scrgbClr r="0" g="0" b="0"/>
+      </a:fillRef>
+      <a:effectRef idx="1">
+        <a:scrgbClr r="0" g="0" b="0"/>
+      </a:effectRef>
+      <a:fontRef idx="minor"/>
+    </dgm:style>
+  </dgm:styleLbl>
+  <dgm:styleLbl name="revTx">
+    <dgm:scene3d>
+      <a:camera prst="orthographicFront"/>
+      <a:lightRig rig="threePt" dir="t"/>
+    </dgm:scene3d>
+    <dgm:sp3d/>
+    <dgm:txPr/>
+    <dgm:style>
+      <a:lnRef idx="0">
+        <a:scrgbClr r="0" g="0" b="0"/>
+      </a:lnRef>
+      <a:fillRef idx="0">
+        <a:scrgbClr r="0" g="0" b="0"/>
+      </a:fillRef>
+      <a:effectRef idx="0">
+        <a:scrgbClr r="0" g="0" b="0"/>
+      </a:effectRef>
+      <a:fontRef idx="minor"/>
+    </dgm:style>
+  </dgm:styleLbl>
+</dgm:styleDef>
 </file>
 
 <file path=ppt/slideLayouts/slideLayout1.xml><?xml version="1.0" encoding="utf-8"?>
@@ -3610,6 +7034,17 @@
 <file path=ppt/slides/slide1.xml><?xml version="1.0" encoding="utf-8"?>
 <p:sld xmlns:a="http://schemas.openxmlformats.org/drawingml/2006/main" xmlns:r="http://schemas.openxmlformats.org/officeDocument/2006/relationships" xmlns:p="http://schemas.openxmlformats.org/presentationml/2006/main">
   <p:cSld>
+    <p:bg>
+      <p:bgPr>
+        <a:solidFill>
+          <a:schemeClr val="bg1">
+            <a:tint val="95000"/>
+            <a:satMod val="170000"/>
+          </a:schemeClr>
+        </a:solidFill>
+        <a:effectLst/>
+      </p:bgPr>
+    </p:bg>
     <p:spTree>
       <p:nvGrpSpPr>
         <p:cNvPr id="1" name=""/>
@@ -3624,6 +7059,201 @@
           <a:chExt cx="0" cy="0"/>
         </a:xfrm>
       </p:grpSpPr>
+      <p:grpSp>
+        <p:nvGrpSpPr>
+          <p:cNvPr id="8" name="Group 7" title="intersecting circles">
+            <a:extLst>
+              <a:ext uri="{FF2B5EF4-FFF2-40B4-BE49-F238E27FC236}">
+                <a16:creationId xmlns:a16="http://schemas.microsoft.com/office/drawing/2014/main" id="{D2C4BFA1-2075-4901-9E24-E41D1FDD51FD}"/>
+              </a:ext>
+            </a:extLst>
+          </p:cNvPr>
+          <p:cNvGrpSpPr>
+            <a:grpSpLocks noGrp="1" noUngrp="1" noRot="1" noChangeAspect="1" noMove="1" noResize="1"/>
+          </p:cNvGrpSpPr>
+          <p:nvPr>
+            <p:extLst>
+              <p:ext uri="{386F3935-93C4-4BCD-93E2-E3B085C9AB24}">
+                <p16:designElem xmlns:p16="http://schemas.microsoft.com/office/powerpoint/2015/main" val="1"/>
+              </p:ext>
+            </p:extLst>
+          </p:nvPr>
+        </p:nvGrpSpPr>
+        <p:grpSpPr>
+          <a:xfrm>
+            <a:off x="1155481" y="498348"/>
+            <a:ext cx="9902663" cy="5861304"/>
+            <a:chOff x="1155481" y="498348"/>
+            <a:chExt cx="9902663" cy="5861304"/>
+          </a:xfrm>
+        </p:grpSpPr>
+        <p:sp>
+          <p:nvSpPr>
+            <p:cNvPr id="9" name="Oval 5">
+              <a:extLst>
+                <a:ext uri="{FF2B5EF4-FFF2-40B4-BE49-F238E27FC236}">
+                  <a16:creationId xmlns:a16="http://schemas.microsoft.com/office/drawing/2014/main" id="{985A7375-E3AF-4F5C-85AE-17E8832952CA}"/>
+                </a:ext>
+              </a:extLst>
+            </p:cNvPr>
+            <p:cNvSpPr>
+              <a:spLocks noChangeArrowheads="1"/>
+            </p:cNvSpPr>
+            <p:nvPr>
+              <p:extLst>
+                <p:ext uri="{386F3935-93C4-4BCD-93E2-E3B085C9AB24}">
+                  <p16:designElem xmlns:p16="http://schemas.microsoft.com/office/powerpoint/2015/main" val="1"/>
+                </p:ext>
+              </p:extLst>
+            </p:nvPr>
+          </p:nvSpPr>
+          <p:spPr bwMode="auto">
+            <a:xfrm>
+              <a:off x="1155481" y="498348"/>
+              <a:ext cx="5861304" cy="5861304"/>
+            </a:xfrm>
+            <a:prstGeom prst="ellipse">
+              <a:avLst/>
+            </a:prstGeom>
+            <a:solidFill>
+              <a:schemeClr val="accent1">
+                <a:alpha val="55000"/>
+              </a:schemeClr>
+            </a:solidFill>
+            <a:ln>
+              <a:noFill/>
+            </a:ln>
+          </p:spPr>
+        </p:sp>
+        <p:sp>
+          <p:nvSpPr>
+            <p:cNvPr id="10" name="Oval 9">
+              <a:extLst>
+                <a:ext uri="{FF2B5EF4-FFF2-40B4-BE49-F238E27FC236}">
+                  <a16:creationId xmlns:a16="http://schemas.microsoft.com/office/drawing/2014/main" id="{F0307F65-8304-4FA8-A841-D4D7625411BE}"/>
+                </a:ext>
+              </a:extLst>
+            </p:cNvPr>
+            <p:cNvSpPr>
+              <a:spLocks noChangeArrowheads="1"/>
+            </p:cNvSpPr>
+            <p:nvPr>
+              <p:extLst>
+                <p:ext uri="{386F3935-93C4-4BCD-93E2-E3B085C9AB24}">
+                  <p16:designElem xmlns:p16="http://schemas.microsoft.com/office/powerpoint/2015/main" val="1"/>
+                </p:ext>
+              </p:extLst>
+            </p:nvPr>
+          </p:nvSpPr>
+          <p:spPr bwMode="auto">
+            <a:xfrm>
+              <a:off x="5196840" y="498348"/>
+              <a:ext cx="5861304" cy="5861304"/>
+            </a:xfrm>
+            <a:prstGeom prst="ellipse">
+              <a:avLst/>
+            </a:prstGeom>
+            <a:solidFill>
+              <a:schemeClr val="accent1">
+                <a:alpha val="55000"/>
+              </a:schemeClr>
+            </a:solidFill>
+            <a:ln>
+              <a:noFill/>
+            </a:ln>
+          </p:spPr>
+        </p:sp>
+        <p:sp>
+          <p:nvSpPr>
+            <p:cNvPr id="11" name="Oval 5">
+              <a:extLst>
+                <a:ext uri="{FF2B5EF4-FFF2-40B4-BE49-F238E27FC236}">
+                  <a16:creationId xmlns:a16="http://schemas.microsoft.com/office/drawing/2014/main" id="{C8B8394C-136F-4E05-A002-D93A5E79CD50}"/>
+                </a:ext>
+              </a:extLst>
+            </p:cNvPr>
+            <p:cNvSpPr>
+              <a:spLocks noChangeArrowheads="1"/>
+            </p:cNvSpPr>
+            <p:nvPr>
+              <p:extLst>
+                <p:ext uri="{386F3935-93C4-4BCD-93E2-E3B085C9AB24}">
+                  <p16:designElem xmlns:p16="http://schemas.microsoft.com/office/powerpoint/2015/main" val="1"/>
+                </p:ext>
+              </p:extLst>
+            </p:nvPr>
+          </p:nvSpPr>
+          <p:spPr bwMode="auto">
+            <a:xfrm>
+              <a:off x="3165348" y="498348"/>
+              <a:ext cx="5861304" cy="5861304"/>
+            </a:xfrm>
+            <a:prstGeom prst="ellipse">
+              <a:avLst/>
+            </a:prstGeom>
+            <a:solidFill>
+              <a:schemeClr val="accent1">
+                <a:alpha val="70000"/>
+              </a:schemeClr>
+            </a:solidFill>
+            <a:ln>
+              <a:noFill/>
+            </a:ln>
+          </p:spPr>
+        </p:sp>
+      </p:grpSp>
+      <p:sp>
+        <p:nvSpPr>
+          <p:cNvPr id="13" name="Rectangle 12" title="ribbon">
+            <a:extLst>
+              <a:ext uri="{FF2B5EF4-FFF2-40B4-BE49-F238E27FC236}">
+                <a16:creationId xmlns:a16="http://schemas.microsoft.com/office/drawing/2014/main" id="{053FB2EE-284F-4C87-AB3D-BBF87A9FAB97}"/>
+              </a:ext>
+            </a:extLst>
+          </p:cNvPr>
+          <p:cNvSpPr>
+            <a:spLocks noGrp="1" noRot="1" noChangeAspect="1" noMove="1" noResize="1" noEditPoints="1" noAdjustHandles="1" noChangeArrowheads="1" noChangeShapeType="1" noTextEdit="1"/>
+          </p:cNvSpPr>
+          <p:nvPr>
+            <p:extLst>
+              <p:ext uri="{386F3935-93C4-4BCD-93E2-E3B085C9AB24}">
+                <p16:designElem xmlns:p16="http://schemas.microsoft.com/office/powerpoint/2015/main" val="1"/>
+              </p:ext>
+            </p:extLst>
+          </p:nvPr>
+        </p:nvSpPr>
+        <p:spPr>
+          <a:xfrm>
+            <a:off x="0" y="2514600"/>
+            <a:ext cx="12192000" cy="1828800"/>
+          </a:xfrm>
+          <a:prstGeom prst="rect">
+            <a:avLst/>
+          </a:prstGeom>
+          <a:solidFill>
+            <a:schemeClr val="tx2"/>
+          </a:solidFill>
+          <a:ln>
+            <a:noFill/>
+          </a:ln>
+        </p:spPr>
+        <p:style>
+          <a:lnRef idx="2">
+            <a:schemeClr val="accent1">
+              <a:shade val="50000"/>
+            </a:schemeClr>
+          </a:lnRef>
+          <a:fillRef idx="1">
+            <a:schemeClr val="accent1"/>
+          </a:fillRef>
+          <a:effectRef idx="0">
+            <a:schemeClr val="accent1"/>
+          </a:effectRef>
+          <a:fontRef idx="minor">
+            <a:schemeClr val="lt1"/>
+          </a:fontRef>
+        </p:style>
+      </p:sp>
       <p:sp>
         <p:nvSpPr>
           <p:cNvPr id="2" name="Title 1">
@@ -3640,16 +7270,31 @@
             <p:ph type="ctrTitle"/>
           </p:nvPr>
         </p:nvSpPr>
-        <p:spPr/>
+        <p:spPr>
+          <a:xfrm>
+            <a:off x="1524000" y="2776538"/>
+            <a:ext cx="9144000" cy="1381188"/>
+          </a:xfrm>
+        </p:spPr>
         <p:txBody>
-          <a:bodyPr/>
+          <a:bodyPr anchor="ctr">
+            <a:normAutofit/>
+          </a:bodyPr>
           <a:lstStyle/>
           <a:p>
             <a:r>
-              <a:rPr lang="en-US" dirty="0"/>
-              <a:t>LOD integration</a:t>
-            </a:r>
-            <a:endParaRPr lang="en-IN" dirty="0"/>
+              <a:rPr lang="en-US" sz="4000" dirty="0">
+                <a:solidFill>
+                  <a:schemeClr val="bg2"/>
+                </a:solidFill>
+              </a:rPr>
+              <a:t>Linked Open Data integration</a:t>
+            </a:r>
+            <a:endParaRPr lang="en-IN" sz="4000" dirty="0">
+              <a:solidFill>
+                <a:schemeClr val="bg2"/>
+              </a:solidFill>
+            </a:endParaRPr>
           </a:p>
         </p:txBody>
       </p:sp>
@@ -3669,16 +7314,27 @@
             <p:ph type="subTitle" idx="1"/>
           </p:nvPr>
         </p:nvSpPr>
-        <p:spPr/>
+        <p:spPr>
+          <a:xfrm>
+            <a:off x="1524000" y="4495800"/>
+            <a:ext cx="9144000" cy="762000"/>
+          </a:xfrm>
+        </p:spPr>
         <p:txBody>
-          <a:bodyPr/>
+          <a:bodyPr>
+            <a:normAutofit/>
+          </a:bodyPr>
           <a:lstStyle/>
           <a:p>
             <a:r>
-              <a:rPr lang="en-US" dirty="0"/>
-              <a:t>nobel price, dbpedia </a:t>
-            </a:r>
-            <a:endParaRPr lang="en-IN" dirty="0"/>
+              <a:rPr lang="en-US" sz="1800"/>
+              <a:t>Nobel </a:t>
+            </a:r>
+            <a:r>
+              <a:rPr lang="en-US" sz="1800" dirty="0"/>
+              <a:t>prize ,Dbpedia </a:t>
+            </a:r>
+            <a:endParaRPr lang="en-IN" sz="1800" dirty="0"/>
           </a:p>
         </p:txBody>
       </p:sp>
@@ -3690,7 +7346,7 @@
     </p:extLst>
   </p:cSld>
   <p:clrMapOvr>
-    <a:masterClrMapping/>
+    <a:overrideClrMapping bg1="dk1" tx1="lt1" bg2="dk2" tx2="lt2" accent1="accent1" accent2="accent2" accent3="accent3" accent4="accent4" accent5="accent5" accent6="accent6" hlink="hlink" folHlink="folHlink"/>
   </p:clrMapOvr>
 </p:sld>
 </file>
@@ -3698,6 +7354,14 @@
 <file path=ppt/slides/slide2.xml><?xml version="1.0" encoding="utf-8"?>
 <p:sld xmlns:a="http://schemas.openxmlformats.org/drawingml/2006/main" xmlns:r="http://schemas.openxmlformats.org/officeDocument/2006/relationships" xmlns:p="http://schemas.openxmlformats.org/presentationml/2006/main">
   <p:cSld>
+    <p:bg>
+      <p:bgPr>
+        <a:solidFill>
+          <a:schemeClr val="bg1"/>
+        </a:solidFill>
+        <a:effectLst/>
+      </p:bgPr>
+    </p:bg>
     <p:spTree>
       <p:nvGrpSpPr>
         <p:cNvPr id="1" name=""/>
@@ -3712,6 +7376,114 @@
           <a:chExt cx="0" cy="0"/>
         </a:xfrm>
       </p:grpSpPr>
+      <p:sp>
+        <p:nvSpPr>
+          <p:cNvPr id="53" name="Rectangle 9">
+            <a:extLst>
+              <a:ext uri="{FF2B5EF4-FFF2-40B4-BE49-F238E27FC236}">
+                <a16:creationId xmlns:a16="http://schemas.microsoft.com/office/drawing/2014/main" id="{08E89D5E-1885-4160-AC77-CC471DD1D0DB}"/>
+              </a:ext>
+            </a:extLst>
+          </p:cNvPr>
+          <p:cNvSpPr>
+            <a:spLocks noGrp="1" noRot="1" noChangeAspect="1" noMove="1" noResize="1" noEditPoints="1" noAdjustHandles="1" noChangeArrowheads="1" noChangeShapeType="1" noTextEdit="1"/>
+          </p:cNvSpPr>
+          <p:nvPr>
+            <p:extLst>
+              <p:ext uri="{386F3935-93C4-4BCD-93E2-E3B085C9AB24}">
+                <p16:designElem xmlns:p16="http://schemas.microsoft.com/office/powerpoint/2015/main" val="1"/>
+              </p:ext>
+            </p:extLst>
+          </p:nvPr>
+        </p:nvSpPr>
+        <p:spPr>
+          <a:xfrm>
+            <a:off x="0" y="0"/>
+            <a:ext cx="4636008" cy="6858000"/>
+          </a:xfrm>
+          <a:prstGeom prst="rect">
+            <a:avLst/>
+          </a:prstGeom>
+          <a:ln>
+            <a:noFill/>
+          </a:ln>
+        </p:spPr>
+        <p:style>
+          <a:lnRef idx="2">
+            <a:schemeClr val="accent1">
+              <a:shade val="50000"/>
+            </a:schemeClr>
+          </a:lnRef>
+          <a:fillRef idx="1">
+            <a:schemeClr val="accent1"/>
+          </a:fillRef>
+          <a:effectRef idx="0">
+            <a:schemeClr val="accent1"/>
+          </a:effectRef>
+          <a:fontRef idx="minor">
+            <a:schemeClr val="lt1"/>
+          </a:fontRef>
+        </p:style>
+        <p:txBody>
+          <a:bodyPr rtlCol="0" anchor="ctr"/>
+          <a:lstStyle/>
+          <a:p>
+            <a:pPr algn="ctr"/>
+            <a:endParaRPr lang="en-US"/>
+          </a:p>
+        </p:txBody>
+      </p:sp>
+      <p:cxnSp>
+        <p:nvCxnSpPr>
+          <p:cNvPr id="54" name="Straight Connector 11">
+            <a:extLst>
+              <a:ext uri="{FF2B5EF4-FFF2-40B4-BE49-F238E27FC236}">
+                <a16:creationId xmlns:a16="http://schemas.microsoft.com/office/drawing/2014/main" id="{550D2BD1-98F9-412D-905B-3A843EF4078B}"/>
+              </a:ext>
+            </a:extLst>
+          </p:cNvPr>
+          <p:cNvCxnSpPr>
+            <a:cxnSpLocks noGrp="1" noRot="1" noChangeAspect="1" noMove="1" noResize="1" noEditPoints="1" noAdjustHandles="1" noChangeArrowheads="1" noChangeShapeType="1"/>
+          </p:cNvCxnSpPr>
+          <p:nvPr>
+            <p:extLst>
+              <p:ext uri="{386F3935-93C4-4BCD-93E2-E3B085C9AB24}">
+                <p16:designElem xmlns:p16="http://schemas.microsoft.com/office/powerpoint/2015/main" val="1"/>
+              </p:ext>
+            </p:extLst>
+          </p:nvPr>
+        </p:nvCxnSpPr>
+        <p:spPr>
+          <a:xfrm flipV="1">
+            <a:off x="762000" y="2971800"/>
+            <a:ext cx="0" cy="914400"/>
+          </a:xfrm>
+          <a:prstGeom prst="line">
+            <a:avLst/>
+          </a:prstGeom>
+          <a:ln w="19050">
+            <a:solidFill>
+              <a:srgbClr val="FFFFFF">
+                <a:alpha val="80000"/>
+              </a:srgbClr>
+            </a:solidFill>
+          </a:ln>
+        </p:spPr>
+        <p:style>
+          <a:lnRef idx="1">
+            <a:schemeClr val="accent1"/>
+          </a:lnRef>
+          <a:fillRef idx="0">
+            <a:schemeClr val="accent1"/>
+          </a:fillRef>
+          <a:effectRef idx="0">
+            <a:schemeClr val="accent1"/>
+          </a:effectRef>
+          <a:fontRef idx="minor">
+            <a:schemeClr val="tx1"/>
+          </a:fontRef>
+        </p:style>
+      </p:cxnSp>
       <p:sp>
         <p:nvSpPr>
           <p:cNvPr id="2" name="Title 1">
@@ -3730,92 +7502,63 @@
         </p:nvSpPr>
         <p:spPr>
           <a:xfrm>
-            <a:off x="838200" y="365125"/>
-            <a:ext cx="10515600" cy="1325563"/>
+            <a:off x="943277" y="712269"/>
+            <a:ext cx="3370998" cy="5502264"/>
           </a:xfrm>
         </p:spPr>
         <p:txBody>
-          <a:bodyPr/>
+          <a:bodyPr>
+            <a:normAutofit/>
+          </a:bodyPr>
           <a:lstStyle/>
           <a:p>
             <a:r>
-              <a:rPr lang="en-US"/>
-              <a:t>Two Endpoints</a:t>
-            </a:r>
-            <a:endParaRPr lang="en-IN" dirty="0"/>
+              <a:rPr lang="en-US">
+                <a:solidFill>
+                  <a:srgbClr val="FFFFFF"/>
+                </a:solidFill>
+              </a:rPr>
+              <a:t>Nobel Prize &amp; Dbpedia</a:t>
+            </a:r>
+            <a:endParaRPr lang="en-IN">
+              <a:solidFill>
+                <a:srgbClr val="FFFFFF"/>
+              </a:solidFill>
+            </a:endParaRPr>
           </a:p>
         </p:txBody>
       </p:sp>
-      <p:sp>
-        <p:nvSpPr>
-          <p:cNvPr id="3" name="Content Placeholder 2">
+      <p:graphicFrame>
+        <p:nvGraphicFramePr>
+          <p:cNvPr id="55" name="Content Placeholder 2">
             <a:extLst>
               <a:ext uri="{FF2B5EF4-FFF2-40B4-BE49-F238E27FC236}">
-                <a16:creationId xmlns:a16="http://schemas.microsoft.com/office/drawing/2014/main" id="{1C188606-E220-406C-A92E-DD0642CD6DA3}"/>
+                <a16:creationId xmlns:a16="http://schemas.microsoft.com/office/drawing/2014/main" id="{145B96F5-8A4D-4E73-9F02-3FA4F9C43974}"/>
               </a:ext>
             </a:extLst>
           </p:cNvPr>
-          <p:cNvSpPr>
-            <a:spLocks noGrp="1"/>
-          </p:cNvSpPr>
+          <p:cNvGraphicFramePr>
+            <a:graphicFrameLocks noGrp="1"/>
+          </p:cNvGraphicFramePr>
           <p:nvPr>
             <p:ph idx="1"/>
+            <p:extLst>
+              <p:ext uri="{D42A27DB-BD31-4B8C-83A1-F6EECF244321}">
+                <p14:modId xmlns:p14="http://schemas.microsoft.com/office/powerpoint/2010/main" val="3908187068"/>
+              </p:ext>
+            </p:extLst>
           </p:nvPr>
-        </p:nvSpPr>
-        <p:spPr/>
-        <p:txBody>
-          <a:bodyPr/>
-          <a:lstStyle/>
-          <a:p>
-            <a:r>
-              <a:rPr lang="en-IN" b="1" dirty="0">
-                <a:hlinkClick r:id="rId2"/>
-              </a:rPr>
-              <a:t>http://data.nobelprize.org/</a:t>
-            </a:r>
-            <a:r>
-              <a:rPr lang="en-IN" b="1" dirty="0"/>
-              <a:t> </a:t>
-            </a:r>
-            <a:r>
-              <a:rPr lang="en-IN" dirty="0"/>
-              <a:t>contains the details of Nobel price awardees and their title.</a:t>
-            </a:r>
-          </a:p>
-          <a:p>
-            <a:r>
-              <a:rPr lang="en-IN" dirty="0"/>
-              <a:t>We get the details of Awardees from dbpedia </a:t>
-            </a:r>
-            <a:r>
-              <a:rPr lang="en-IN" b="1" dirty="0">
-                <a:hlinkClick r:id="rId3"/>
-              </a:rPr>
-              <a:t>https://dbpedia.org/</a:t>
-            </a:r>
-            <a:r>
-              <a:rPr lang="en-IN" b="1" dirty="0"/>
-              <a:t> .</a:t>
-            </a:r>
-          </a:p>
-          <a:p>
-            <a:r>
-              <a:rPr lang="en-US" dirty="0"/>
-              <a:t>Next slide contains SPARQL queries for extracting the required data.</a:t>
-            </a:r>
-            <a:endParaRPr lang="en-IN" dirty="0"/>
-          </a:p>
-          <a:p>
-            <a:endParaRPr lang="en-IN" b="1" dirty="0"/>
-          </a:p>
-          <a:p>
-            <a:endParaRPr lang="en-IN" b="1" dirty="0"/>
-          </a:p>
-          <a:p>
-            <a:endParaRPr lang="en-IN" dirty="0"/>
-          </a:p>
-        </p:txBody>
-      </p:sp>
+        </p:nvGraphicFramePr>
+        <p:xfrm>
+          <a:off x="5280025" y="642938"/>
+          <a:ext cx="6269038" cy="5572125"/>
+        </p:xfrm>
+        <a:graphic>
+          <a:graphicData uri="http://schemas.openxmlformats.org/drawingml/2006/diagram">
+            <dgm:relIds xmlns:dgm="http://schemas.openxmlformats.org/drawingml/2006/diagram" xmlns:r="http://schemas.openxmlformats.org/officeDocument/2006/relationships" r:dm="rId2" r:lo="rId3" r:qs="rId4" r:cs="rId5"/>
+          </a:graphicData>
+        </a:graphic>
+      </p:graphicFrame>
     </p:spTree>
     <p:extLst>
       <p:ext uri="{BB962C8B-B14F-4D97-AF65-F5344CB8AC3E}">
@@ -3878,23 +7621,23 @@
               <a:buNone/>
             </a:pPr>
             <a:r>
-              <a:rPr lang="en-IN" b="1" dirty="0"/>
+              <a:rPr lang="en-IN" b="1"/>
               <a:t>PREFIX </a:t>
             </a:r>
             <a:r>
-              <a:rPr lang="en-IN" b="1" i="1" dirty="0"/>
+              <a:rPr lang="en-IN" b="1" i="1"/>
               <a:t>foaf:</a:t>
             </a:r>
             <a:r>
-              <a:rPr lang="en-IN" b="1" dirty="0"/>
+              <a:rPr lang="en-IN" b="1"/>
               <a:t> </a:t>
             </a:r>
             <a:r>
-              <a:rPr lang="en-IN" b="1" u="sng" dirty="0"/>
+              <a:rPr lang="en-IN" b="1" u="sng"/>
               <a:t>&lt;http://xmlns.com/foaf/0.1/&gt;</a:t>
             </a:r>
             <a:r>
-              <a:rPr lang="en-IN" b="1" dirty="0"/>
+              <a:rPr lang="en-IN" b="1"/>
               <a:t> </a:t>
             </a:r>
           </a:p>
@@ -3903,19 +7646,19 @@
               <a:buNone/>
             </a:pPr>
             <a:r>
-              <a:rPr lang="en-IN" b="1" dirty="0"/>
+              <a:rPr lang="en-IN" b="1"/>
               <a:t>PREFIX </a:t>
             </a:r>
             <a:r>
-              <a:rPr lang="en-IN" b="1" i="1" dirty="0"/>
+              <a:rPr lang="en-IN" b="1" i="1"/>
               <a:t>owl:</a:t>
             </a:r>
             <a:r>
-              <a:rPr lang="en-IN" b="1" u="sng" dirty="0"/>
+              <a:rPr lang="en-IN" b="1" u="sng"/>
               <a:t>&lt;http://www.w3.org/2002/07/owl#&gt;</a:t>
             </a:r>
             <a:r>
-              <a:rPr lang="en-IN" b="1" dirty="0"/>
+              <a:rPr lang="en-IN" b="1"/>
               <a:t> </a:t>
             </a:r>
           </a:p>
@@ -3924,23 +7667,23 @@
               <a:buNone/>
             </a:pPr>
             <a:r>
-              <a:rPr lang="en-IN" b="1" dirty="0"/>
+              <a:rPr lang="en-IN" b="1"/>
               <a:t>PREFIX </a:t>
             </a:r>
             <a:r>
-              <a:rPr lang="en-IN" b="1" i="1" dirty="0"/>
+              <a:rPr lang="en-IN" b="1" i="1"/>
               <a:t>nobel:</a:t>
             </a:r>
             <a:r>
-              <a:rPr lang="en-IN" b="1" dirty="0"/>
+              <a:rPr lang="en-IN" b="1"/>
               <a:t> </a:t>
             </a:r>
             <a:r>
-              <a:rPr lang="en-IN" b="1" u="sng" dirty="0"/>
+              <a:rPr lang="en-IN" b="1" u="sng"/>
               <a:t>&lt;http://data.nobelprize.org/terms/&gt;</a:t>
             </a:r>
             <a:r>
-              <a:rPr lang="en-IN" b="1" dirty="0"/>
+              <a:rPr lang="en-IN" b="1"/>
               <a:t> </a:t>
             </a:r>
           </a:p>
@@ -3949,29 +7692,29 @@
               <a:buNone/>
             </a:pPr>
             <a:r>
-              <a:rPr lang="en-IN" b="1" dirty="0"/>
+              <a:rPr lang="en-IN" b="1"/>
               <a:t>PREFIX </a:t>
             </a:r>
             <a:r>
-              <a:rPr lang="en-IN" b="1" i="1" dirty="0"/>
+              <a:rPr lang="en-IN" b="1" i="1"/>
               <a:t>rdfs:</a:t>
             </a:r>
             <a:r>
-              <a:rPr lang="en-IN" b="1" dirty="0"/>
+              <a:rPr lang="en-IN" b="1"/>
               <a:t> </a:t>
             </a:r>
             <a:r>
-              <a:rPr lang="en-IN" b="1" u="sng" dirty="0"/>
+              <a:rPr lang="en-IN" b="1" u="sng"/>
               <a:t>&lt;http://www.w3.org/2000/01/rdf-schema#&gt;</a:t>
             </a:r>
-            <a:endParaRPr lang="en-IN" b="1" dirty="0"/>
+            <a:endParaRPr lang="en-IN" b="1"/>
           </a:p>
           <a:p>
             <a:pPr marL="0" indent="0">
               <a:buNone/>
             </a:pPr>
             <a:r>
-              <a:rPr lang="en-IN" b="1" dirty="0"/>
+              <a:rPr lang="en-IN" b="1"/>
               <a:t>select Distinct ?link ?name ?label ?dob </a:t>
             </a:r>
           </a:p>
@@ -3980,7 +7723,7 @@
               <a:buNone/>
             </a:pPr>
             <a:r>
-              <a:rPr lang="en-IN" b="1" dirty="0"/>
+              <a:rPr lang="en-IN" b="1"/>
               <a:t>where</a:t>
             </a:r>
           </a:p>
@@ -3989,7 +7732,7 @@
               <a:buNone/>
             </a:pPr>
             <a:r>
-              <a:rPr lang="en-IN" b="1" dirty="0"/>
+              <a:rPr lang="en-IN" b="1"/>
               <a:t>{</a:t>
             </a:r>
           </a:p>
@@ -3998,15 +7741,15 @@
               <a:buNone/>
             </a:pPr>
             <a:r>
-              <a:rPr lang="en-IN" b="1" dirty="0"/>
+              <a:rPr lang="en-IN" b="1"/>
               <a:t>    ?s a </a:t>
             </a:r>
             <a:r>
-              <a:rPr lang="en-IN" b="1" i="1" dirty="0"/>
+              <a:rPr lang="en-IN" b="1" i="1"/>
               <a:t>nobel: </a:t>
             </a:r>
             <a:r>
-              <a:rPr lang="en-IN" b="1" dirty="0"/>
+              <a:rPr lang="en-IN" b="1"/>
               <a:t>Laureate.</a:t>
             </a:r>
           </a:p>
@@ -4015,15 +7758,15 @@
               <a:buNone/>
             </a:pPr>
             <a:r>
-              <a:rPr lang="en-IN" b="1" dirty="0"/>
+              <a:rPr lang="en-IN" b="1"/>
               <a:t>    ?s </a:t>
             </a:r>
             <a:r>
-              <a:rPr lang="en-IN" b="1" i="1" dirty="0"/>
+              <a:rPr lang="en-IN" b="1" i="1"/>
               <a:t>foaf: name</a:t>
             </a:r>
             <a:r>
-              <a:rPr lang="en-IN" b="1" dirty="0"/>
+              <a:rPr lang="en-IN" b="1"/>
               <a:t> ?name.</a:t>
             </a:r>
           </a:p>
@@ -4032,15 +7775,15 @@
               <a:buNone/>
             </a:pPr>
             <a:r>
-              <a:rPr lang="en-IN" b="1" dirty="0"/>
+              <a:rPr lang="en-IN" b="1"/>
               <a:t>    ?s </a:t>
             </a:r>
             <a:r>
-              <a:rPr lang="en-IN" b="1" i="1" dirty="0"/>
+              <a:rPr lang="en-IN" b="1" i="1"/>
               <a:t>foaf: birthday</a:t>
             </a:r>
             <a:r>
-              <a:rPr lang="en-IN" b="1" dirty="0"/>
+              <a:rPr lang="en-IN" b="1"/>
               <a:t> ?dob.</a:t>
             </a:r>
           </a:p>
@@ -4049,15 +7792,15 @@
               <a:buNone/>
             </a:pPr>
             <a:r>
-              <a:rPr lang="en-IN" b="1" dirty="0"/>
+              <a:rPr lang="en-IN" b="1"/>
               <a:t>    ?s </a:t>
             </a:r>
             <a:r>
-              <a:rPr lang="en-IN" b="1" i="1" dirty="0"/>
+              <a:rPr lang="en-IN" b="1" i="1"/>
               <a:t>nobel: </a:t>
             </a:r>
             <a:r>
-              <a:rPr lang="en-IN" b="1" dirty="0"/>
+              <a:rPr lang="en-IN" b="1"/>
               <a:t>laureateAward ?award.</a:t>
             </a:r>
           </a:p>
@@ -4066,15 +7809,15 @@
               <a:buNone/>
             </a:pPr>
             <a:r>
-              <a:rPr lang="en-IN" b="1" dirty="0"/>
+              <a:rPr lang="en-IN" b="1"/>
               <a:t>    ?award </a:t>
             </a:r>
             <a:r>
-              <a:rPr lang="en-IN" b="1" i="1" dirty="0"/>
+              <a:rPr lang="en-IN" b="1" i="1"/>
               <a:t>rdfs: label</a:t>
             </a:r>
             <a:r>
-              <a:rPr lang="en-IN" b="1" dirty="0"/>
+              <a:rPr lang="en-IN" b="1"/>
               <a:t> ?label.</a:t>
             </a:r>
           </a:p>
@@ -4083,15 +7826,15 @@
               <a:buNone/>
             </a:pPr>
             <a:r>
-              <a:rPr lang="en-IN" b="1" dirty="0"/>
+              <a:rPr lang="en-IN" b="1"/>
               <a:t>    ?award </a:t>
             </a:r>
             <a:r>
-              <a:rPr lang="en-IN" b="1" i="1" dirty="0"/>
+              <a:rPr lang="en-IN" b="1" i="1"/>
               <a:t>nobel: year</a:t>
             </a:r>
             <a:r>
-              <a:rPr lang="en-IN" b="1" dirty="0"/>
+              <a:rPr lang="en-IN" b="1"/>
               <a:t> ?year.</a:t>
             </a:r>
           </a:p>
@@ -4100,15 +7843,15 @@
               <a:buNone/>
             </a:pPr>
             <a:r>
-              <a:rPr lang="en-IN" b="1" dirty="0"/>
+              <a:rPr lang="en-IN" b="1"/>
               <a:t>    ?s </a:t>
             </a:r>
             <a:r>
-              <a:rPr lang="en-IN" b="1" i="1" dirty="0"/>
+              <a:rPr lang="en-IN" b="1" i="1"/>
               <a:t>owl: </a:t>
             </a:r>
             <a:r>
-              <a:rPr lang="en-IN" b="1" dirty="0"/>
+              <a:rPr lang="en-IN" b="1"/>
               <a:t>sameAs ?link.</a:t>
             </a:r>
           </a:p>
@@ -4117,7 +7860,7 @@
               <a:buNone/>
             </a:pPr>
             <a:r>
-              <a:rPr lang="en-IN" b="1" dirty="0"/>
+              <a:rPr lang="en-IN" b="1"/>
               <a:t>}</a:t>
             </a:r>
           </a:p>
@@ -4126,7 +7869,7 @@
               <a:buNone/>
             </a:pPr>
             <a:r>
-              <a:rPr lang="en-IN" b="1" dirty="0"/>
+              <a:rPr lang="en-IN" b="1"/>
               <a:t>order by ?year</a:t>
             </a:r>
           </a:p>
@@ -4135,7 +7878,7 @@
               <a:buNone/>
             </a:pPr>
             <a:r>
-              <a:rPr lang="en-IN" b="1" dirty="0"/>
+              <a:rPr lang="en-IN" b="1"/>
               <a:t>Limit 500</a:t>
             </a:r>
           </a:p>
@@ -4163,6 +7906,14 @@
 <file path=ppt/slides/slide4.xml><?xml version="1.0" encoding="utf-8"?>
 <p:sld xmlns:a="http://schemas.openxmlformats.org/drawingml/2006/main" xmlns:r="http://schemas.openxmlformats.org/officeDocument/2006/relationships" xmlns:p="http://schemas.openxmlformats.org/presentationml/2006/main">
   <p:cSld>
+    <p:bg>
+      <p:bgPr>
+        <a:solidFill>
+          <a:schemeClr val="accent1"/>
+        </a:solidFill>
+        <a:effectLst/>
+      </p:bgPr>
+    </p:bg>
     <p:spTree>
       <p:nvGrpSpPr>
         <p:cNvPr id="1" name=""/>
@@ -4179,6 +7930,114 @@
       </p:grpSpPr>
       <p:sp>
         <p:nvSpPr>
+          <p:cNvPr id="8" name="Rectangle 7">
+            <a:extLst>
+              <a:ext uri="{FF2B5EF4-FFF2-40B4-BE49-F238E27FC236}">
+                <a16:creationId xmlns:a16="http://schemas.microsoft.com/office/drawing/2014/main" id="{E89ACC69-ADF2-492B-84C5-EA2CC16071F3}"/>
+              </a:ext>
+            </a:extLst>
+          </p:cNvPr>
+          <p:cNvSpPr>
+            <a:spLocks noGrp="1" noRot="1" noChangeAspect="1" noMove="1" noResize="1" noEditPoints="1" noAdjustHandles="1" noChangeArrowheads="1" noChangeShapeType="1" noTextEdit="1"/>
+          </p:cNvSpPr>
+          <p:nvPr>
+            <p:extLst>
+              <p:ext uri="{386F3935-93C4-4BCD-93E2-E3B085C9AB24}">
+                <p16:designElem xmlns:p16="http://schemas.microsoft.com/office/powerpoint/2015/main" val="1"/>
+              </p:ext>
+            </p:extLst>
+          </p:nvPr>
+        </p:nvSpPr>
+        <p:spPr>
+          <a:xfrm>
+            <a:off x="0" y="0"/>
+            <a:ext cx="12192000" cy="6858000"/>
+          </a:xfrm>
+          <a:prstGeom prst="rect">
+            <a:avLst/>
+          </a:prstGeom>
+          <a:ln>
+            <a:noFill/>
+          </a:ln>
+        </p:spPr>
+        <p:style>
+          <a:lnRef idx="2">
+            <a:schemeClr val="accent1">
+              <a:shade val="50000"/>
+            </a:schemeClr>
+          </a:lnRef>
+          <a:fillRef idx="1">
+            <a:schemeClr val="accent1"/>
+          </a:fillRef>
+          <a:effectRef idx="0">
+            <a:schemeClr val="accent1"/>
+          </a:effectRef>
+          <a:fontRef idx="minor">
+            <a:schemeClr val="lt1"/>
+          </a:fontRef>
+        </p:style>
+        <p:txBody>
+          <a:bodyPr rtlCol="0" anchor="ctr"/>
+          <a:lstStyle/>
+          <a:p>
+            <a:pPr algn="ctr"/>
+            <a:endParaRPr lang="en-US"/>
+          </a:p>
+        </p:txBody>
+      </p:sp>
+      <p:cxnSp>
+        <p:nvCxnSpPr>
+          <p:cNvPr id="10" name="Straight Connector 9">
+            <a:extLst>
+              <a:ext uri="{FF2B5EF4-FFF2-40B4-BE49-F238E27FC236}">
+                <a16:creationId xmlns:a16="http://schemas.microsoft.com/office/drawing/2014/main" id="{F2AE495E-2AAF-4BC1-87A5-331009D82896}"/>
+              </a:ext>
+            </a:extLst>
+          </p:cNvPr>
+          <p:cNvCxnSpPr>
+            <a:cxnSpLocks noGrp="1" noRot="1" noChangeAspect="1" noMove="1" noResize="1" noEditPoints="1" noAdjustHandles="1" noChangeArrowheads="1" noChangeShapeType="1"/>
+          </p:cNvCxnSpPr>
+          <p:nvPr>
+            <p:extLst>
+              <p:ext uri="{386F3935-93C4-4BCD-93E2-E3B085C9AB24}">
+                <p16:designElem xmlns:p16="http://schemas.microsoft.com/office/powerpoint/2015/main" val="1"/>
+              </p:ext>
+            </p:extLst>
+          </p:nvPr>
+        </p:nvCxnSpPr>
+        <p:spPr>
+          <a:xfrm flipV="1">
+            <a:off x="762000" y="826324"/>
+            <a:ext cx="0" cy="914400"/>
+          </a:xfrm>
+          <a:prstGeom prst="line">
+            <a:avLst/>
+          </a:prstGeom>
+          <a:ln w="19050">
+            <a:solidFill>
+              <a:srgbClr val="FFFFFF">
+                <a:alpha val="80000"/>
+              </a:srgbClr>
+            </a:solidFill>
+          </a:ln>
+        </p:spPr>
+        <p:style>
+          <a:lnRef idx="1">
+            <a:schemeClr val="accent1"/>
+          </a:lnRef>
+          <a:fillRef idx="0">
+            <a:schemeClr val="accent1"/>
+          </a:fillRef>
+          <a:effectRef idx="0">
+            <a:schemeClr val="accent1"/>
+          </a:effectRef>
+          <a:fontRef idx="minor">
+            <a:schemeClr val="tx1"/>
+          </a:fontRef>
+        </p:style>
+      </p:cxnSp>
+      <p:sp>
+        <p:nvSpPr>
           <p:cNvPr id="2" name="Title 1">
             <a:extLst>
               <a:ext uri="{FF2B5EF4-FFF2-40B4-BE49-F238E27FC236}">
@@ -4193,16 +8052,31 @@
             <p:ph type="title"/>
           </p:nvPr>
         </p:nvSpPr>
-        <p:spPr/>
+        <p:spPr>
+          <a:xfrm>
+            <a:off x="943276" y="712268"/>
+            <a:ext cx="10410524" cy="1193533"/>
+          </a:xfrm>
+        </p:spPr>
         <p:txBody>
-          <a:bodyPr/>
+          <a:bodyPr>
+            <a:normAutofit/>
+          </a:bodyPr>
           <a:lstStyle/>
           <a:p>
             <a:r>
-              <a:rPr lang="en-US" dirty="0"/>
+              <a:rPr lang="en-US">
+                <a:solidFill>
+                  <a:srgbClr val="FFFFFF"/>
+                </a:solidFill>
+              </a:rPr>
               <a:t>Data From dbpedia</a:t>
             </a:r>
-            <a:endParaRPr lang="en-IN" dirty="0"/>
+            <a:endParaRPr lang="en-IN">
+              <a:solidFill>
+                <a:srgbClr val="FFFFFF"/>
+              </a:solidFill>
+            </a:endParaRPr>
           </a:p>
         </p:txBody>
       </p:sp>
@@ -4222,7 +8096,12 @@
             <p:ph idx="1"/>
           </p:nvPr>
         </p:nvSpPr>
-        <p:spPr/>
+        <p:spPr>
+          <a:xfrm>
+            <a:off x="943276" y="2050181"/>
+            <a:ext cx="10410524" cy="4126782"/>
+          </a:xfrm>
+        </p:spPr>
         <p:txBody>
           <a:bodyPr>
             <a:normAutofit/>
@@ -4233,23 +8112,43 @@
               <a:buNone/>
             </a:pPr>
             <a:r>
-              <a:rPr lang="en-IN" sz="2000" b="1" dirty="0"/>
+              <a:rPr lang="en-IN" sz="2000" b="1">
+                <a:solidFill>
+                  <a:srgbClr val="FFFFFF"/>
+                </a:solidFill>
+              </a:rPr>
               <a:t>PREFIX </a:t>
             </a:r>
             <a:r>
-              <a:rPr lang="en-IN" sz="2000" b="1" i="1" dirty="0"/>
+              <a:rPr lang="en-IN" sz="2000" b="1" i="1">
+                <a:solidFill>
+                  <a:srgbClr val="FFFFFF"/>
+                </a:solidFill>
+              </a:rPr>
               <a:t>dbo:</a:t>
             </a:r>
             <a:r>
-              <a:rPr lang="en-IN" sz="2000" b="1" dirty="0"/>
+              <a:rPr lang="en-IN" sz="2000" b="1">
+                <a:solidFill>
+                  <a:srgbClr val="FFFFFF"/>
+                </a:solidFill>
+              </a:rPr>
               <a:t> </a:t>
             </a:r>
             <a:r>
-              <a:rPr lang="en-IN" sz="2000" b="1" u="sng" dirty="0"/>
+              <a:rPr lang="en-IN" sz="2000" b="1" u="sng">
+                <a:solidFill>
+                  <a:srgbClr val="FFFFFF"/>
+                </a:solidFill>
+              </a:rPr>
               <a:t>&lt;http://dbpedia.org/ontology/&gt;</a:t>
             </a:r>
             <a:r>
-              <a:rPr lang="en-IN" sz="2000" b="1" dirty="0"/>
+              <a:rPr lang="en-IN" sz="2000" b="1">
+                <a:solidFill>
+                  <a:srgbClr val="FFFFFF"/>
+                </a:solidFill>
+              </a:rPr>
               <a:t> </a:t>
             </a:r>
           </a:p>
@@ -4258,23 +8157,43 @@
               <a:buNone/>
             </a:pPr>
             <a:r>
-              <a:rPr lang="en-IN" sz="2000" b="1" dirty="0"/>
+              <a:rPr lang="en-IN" sz="2000" b="1">
+                <a:solidFill>
+                  <a:srgbClr val="FFFFFF"/>
+                </a:solidFill>
+              </a:rPr>
               <a:t>PREFIX </a:t>
             </a:r>
             <a:r>
-              <a:rPr lang="en-IN" sz="2000" b="1" i="1" dirty="0"/>
+              <a:rPr lang="en-IN" sz="2000" b="1" i="1">
+                <a:solidFill>
+                  <a:srgbClr val="FFFFFF"/>
+                </a:solidFill>
+              </a:rPr>
               <a:t>dbp:</a:t>
             </a:r>
             <a:r>
-              <a:rPr lang="en-IN" sz="2000" b="1" dirty="0"/>
+              <a:rPr lang="en-IN" sz="2000" b="1">
+                <a:solidFill>
+                  <a:srgbClr val="FFFFFF"/>
+                </a:solidFill>
+              </a:rPr>
               <a:t> </a:t>
             </a:r>
             <a:r>
-              <a:rPr lang="en-IN" sz="2000" b="1" u="sng" dirty="0"/>
+              <a:rPr lang="en-IN" sz="2000" b="1" u="sng">
+                <a:solidFill>
+                  <a:srgbClr val="FFFFFF"/>
+                </a:solidFill>
+              </a:rPr>
               <a:t>&lt;http://dbpedia.org/property/&gt;</a:t>
             </a:r>
             <a:r>
-              <a:rPr lang="en-IN" sz="2000" b="1" dirty="0"/>
+              <a:rPr lang="en-IN" sz="2000" b="1">
+                <a:solidFill>
+                  <a:srgbClr val="FFFFFF"/>
+                </a:solidFill>
+              </a:rPr>
               <a:t> </a:t>
             </a:r>
           </a:p>
@@ -4283,23 +8202,43 @@
               <a:buNone/>
             </a:pPr>
             <a:r>
-              <a:rPr lang="en-IN" sz="2000" b="1" dirty="0"/>
+              <a:rPr lang="en-IN" sz="2000" b="1">
+                <a:solidFill>
+                  <a:srgbClr val="FFFFFF"/>
+                </a:solidFill>
+              </a:rPr>
               <a:t>PREFIX </a:t>
             </a:r>
             <a:r>
-              <a:rPr lang="en-IN" sz="2000" b="1" i="1" dirty="0"/>
+              <a:rPr lang="en-IN" sz="2000" b="1" i="1">
+                <a:solidFill>
+                  <a:srgbClr val="FFFFFF"/>
+                </a:solidFill>
+              </a:rPr>
               <a:t>dct:</a:t>
             </a:r>
             <a:r>
-              <a:rPr lang="en-IN" sz="2000" b="1" dirty="0"/>
+              <a:rPr lang="en-IN" sz="2000" b="1">
+                <a:solidFill>
+                  <a:srgbClr val="FFFFFF"/>
+                </a:solidFill>
+              </a:rPr>
               <a:t> </a:t>
             </a:r>
             <a:r>
-              <a:rPr lang="en-IN" sz="2000" b="1" u="sng" dirty="0"/>
+              <a:rPr lang="en-IN" sz="2000" b="1" u="sng">
+                <a:solidFill>
+                  <a:srgbClr val="FFFFFF"/>
+                </a:solidFill>
+              </a:rPr>
               <a:t>&lt;http://purl.org/dc/terms/&gt;</a:t>
             </a:r>
             <a:r>
-              <a:rPr lang="en-IN" sz="2000" b="1" dirty="0"/>
+              <a:rPr lang="en-IN" sz="2000" b="1">
+                <a:solidFill>
+                  <a:srgbClr val="FFFFFF"/>
+                </a:solidFill>
+              </a:rPr>
               <a:t> </a:t>
             </a:r>
           </a:p>
@@ -4308,15 +8247,27 @@
               <a:buNone/>
             </a:pPr>
             <a:r>
-              <a:rPr lang="en-IN" sz="2000" b="1" dirty="0"/>
+              <a:rPr lang="en-IN" sz="2000" b="1">
+                <a:solidFill>
+                  <a:srgbClr val="FFFFFF"/>
+                </a:solidFill>
+              </a:rPr>
               <a:t>select distinct </a:t>
             </a:r>
             <a:r>
-              <a:rPr lang="en-IN" sz="2000" b="1" i="1" dirty="0"/>
+              <a:rPr lang="en-IN" sz="2000" b="1" i="1">
+                <a:solidFill>
+                  <a:srgbClr val="FFFFFF"/>
+                </a:solidFill>
+              </a:rPr>
               <a:t>*</a:t>
             </a:r>
             <a:r>
-              <a:rPr lang="en-IN" sz="2000" b="1" dirty="0"/>
+              <a:rPr lang="en-IN" sz="2000" b="1">
+                <a:solidFill>
+                  <a:srgbClr val="FFFFFF"/>
+                </a:solidFill>
+              </a:rPr>
               <a:t> </a:t>
             </a:r>
           </a:p>
@@ -4325,7 +8276,11 @@
               <a:buNone/>
             </a:pPr>
             <a:r>
-              <a:rPr lang="en-IN" sz="2000" b="1" dirty="0"/>
+              <a:rPr lang="en-IN" sz="2000" b="1">
+                <a:solidFill>
+                  <a:srgbClr val="FFFFFF"/>
+                </a:solidFill>
+              </a:rPr>
               <a:t>where</a:t>
             </a:r>
           </a:p>
@@ -4334,7 +8289,11 @@
               <a:buNone/>
             </a:pPr>
             <a:r>
-              <a:rPr lang="en-IN" sz="2000" b="1" dirty="0"/>
+              <a:rPr lang="en-IN" sz="2000" b="1">
+                <a:solidFill>
+                  <a:srgbClr val="FFFFFF"/>
+                </a:solidFill>
+              </a:rPr>
               <a:t>{</a:t>
             </a:r>
           </a:p>
@@ -4343,15 +8302,27 @@
               <a:buNone/>
             </a:pPr>
             <a:r>
-              <a:rPr lang="en-IN" sz="2000" b="1" dirty="0"/>
+              <a:rPr lang="en-IN" sz="2000" b="1">
+                <a:solidFill>
+                  <a:srgbClr val="FFFFFF"/>
+                </a:solidFill>
+              </a:rPr>
               <a:t>    links[index]  </a:t>
             </a:r>
             <a:r>
-              <a:rPr lang="en-IN" sz="2000" b="1" i="1" dirty="0"/>
+              <a:rPr lang="en-IN" sz="2000" b="1" i="1">
+                <a:solidFill>
+                  <a:srgbClr val="FFFFFF"/>
+                </a:solidFill>
+              </a:rPr>
               <a:t>foaf: name</a:t>
             </a:r>
             <a:r>
-              <a:rPr lang="en-IN" sz="2000" b="1" dirty="0"/>
+              <a:rPr lang="en-IN" sz="2000" b="1">
+                <a:solidFill>
+                  <a:srgbClr val="FFFFFF"/>
+                </a:solidFill>
+              </a:rPr>
               <a:t> ?name.</a:t>
             </a:r>
           </a:p>
@@ -4360,15 +8331,27 @@
               <a:buNone/>
             </a:pPr>
             <a:r>
-              <a:rPr lang="en-IN" sz="2000" b="1" dirty="0"/>
+              <a:rPr lang="en-IN" sz="2000" b="1">
+                <a:solidFill>
+                  <a:srgbClr val="FFFFFF"/>
+                </a:solidFill>
+              </a:rPr>
               <a:t>    links[index]  </a:t>
             </a:r>
             <a:r>
-              <a:rPr lang="en-IN" sz="2000" b="1" i="1" dirty="0"/>
+              <a:rPr lang="en-IN" sz="2000" b="1" i="1">
+                <a:solidFill>
+                  <a:srgbClr val="FFFFFF"/>
+                </a:solidFill>
+              </a:rPr>
               <a:t>dbo: thumbnail</a:t>
             </a:r>
             <a:r>
-              <a:rPr lang="en-IN" sz="2000" b="1" dirty="0"/>
+              <a:rPr lang="en-IN" sz="2000" b="1">
+                <a:solidFill>
+                  <a:srgbClr val="FFFFFF"/>
+                </a:solidFill>
+              </a:rPr>
               <a:t> ?thumbnail.</a:t>
             </a:r>
           </a:p>
@@ -4377,15 +8360,27 @@
               <a:buNone/>
             </a:pPr>
             <a:r>
-              <a:rPr lang="en-IN" sz="2000" b="1" dirty="0"/>
+              <a:rPr lang="en-IN" sz="2000" b="1">
+                <a:solidFill>
+                  <a:srgbClr val="FFFFFF"/>
+                </a:solidFill>
+              </a:rPr>
               <a:t>    links[index]  </a:t>
             </a:r>
             <a:r>
-              <a:rPr lang="en-IN" sz="2000" b="1" i="1" dirty="0"/>
+              <a:rPr lang="en-IN" sz="2000" b="1" i="1">
+                <a:solidFill>
+                  <a:srgbClr val="FFFFFF"/>
+                </a:solidFill>
+              </a:rPr>
               <a:t>dct: description</a:t>
             </a:r>
             <a:r>
-              <a:rPr lang="en-IN" sz="2000" b="1" dirty="0"/>
+              <a:rPr lang="en-IN" sz="2000" b="1">
+                <a:solidFill>
+                  <a:srgbClr val="FFFFFF"/>
+                </a:solidFill>
+              </a:rPr>
               <a:t> ?description.</a:t>
             </a:r>
           </a:p>
@@ -4394,7 +8389,11 @@
               <a:buNone/>
             </a:pPr>
             <a:r>
-              <a:rPr lang="en-IN" sz="2000" b="1" dirty="0"/>
+              <a:rPr lang="en-IN" sz="2000" b="1">
+                <a:solidFill>
+                  <a:srgbClr val="FFFFFF"/>
+                </a:solidFill>
+              </a:rPr>
               <a:t>}</a:t>
             </a:r>
           </a:p>
@@ -4402,7 +8401,11 @@
             <a:pPr marL="0" indent="0">
               <a:buNone/>
             </a:pPr>
-            <a:endParaRPr lang="en-IN" sz="2000" dirty="0"/>
+            <a:endParaRPr lang="en-IN" sz="2000">
+              <a:solidFill>
+                <a:srgbClr val="FFFFFF"/>
+              </a:solidFill>
+            </a:endParaRPr>
           </a:p>
         </p:txBody>
       </p:sp>
@@ -4422,6 +8425,14 @@
 <file path=ppt/slides/slide5.xml><?xml version="1.0" encoding="utf-8"?>
 <p:sld xmlns:a="http://schemas.openxmlformats.org/drawingml/2006/main" xmlns:r="http://schemas.openxmlformats.org/officeDocument/2006/relationships" xmlns:p="http://schemas.openxmlformats.org/presentationml/2006/main">
   <p:cSld>
+    <p:bg>
+      <p:bgPr>
+        <a:solidFill>
+          <a:schemeClr val="accent1"/>
+        </a:solidFill>
+        <a:effectLst/>
+      </p:bgPr>
+    </p:bg>
     <p:spTree>
       <p:nvGrpSpPr>
         <p:cNvPr id="1" name=""/>
@@ -4438,6 +8449,114 @@
       </p:grpSpPr>
       <p:sp>
         <p:nvSpPr>
+          <p:cNvPr id="8" name="Rectangle 7">
+            <a:extLst>
+              <a:ext uri="{FF2B5EF4-FFF2-40B4-BE49-F238E27FC236}">
+                <a16:creationId xmlns:a16="http://schemas.microsoft.com/office/drawing/2014/main" id="{E89ACC69-ADF2-492B-84C5-EA2CC16071F3}"/>
+              </a:ext>
+            </a:extLst>
+          </p:cNvPr>
+          <p:cNvSpPr>
+            <a:spLocks noGrp="1" noRot="1" noChangeAspect="1" noMove="1" noResize="1" noEditPoints="1" noAdjustHandles="1" noChangeArrowheads="1" noChangeShapeType="1" noTextEdit="1"/>
+          </p:cNvSpPr>
+          <p:nvPr>
+            <p:extLst>
+              <p:ext uri="{386F3935-93C4-4BCD-93E2-E3B085C9AB24}">
+                <p16:designElem xmlns:p16="http://schemas.microsoft.com/office/powerpoint/2015/main" val="1"/>
+              </p:ext>
+            </p:extLst>
+          </p:nvPr>
+        </p:nvSpPr>
+        <p:spPr>
+          <a:xfrm>
+            <a:off x="0" y="0"/>
+            <a:ext cx="12192000" cy="6858000"/>
+          </a:xfrm>
+          <a:prstGeom prst="rect">
+            <a:avLst/>
+          </a:prstGeom>
+          <a:ln>
+            <a:noFill/>
+          </a:ln>
+        </p:spPr>
+        <p:style>
+          <a:lnRef idx="2">
+            <a:schemeClr val="accent1">
+              <a:shade val="50000"/>
+            </a:schemeClr>
+          </a:lnRef>
+          <a:fillRef idx="1">
+            <a:schemeClr val="accent1"/>
+          </a:fillRef>
+          <a:effectRef idx="0">
+            <a:schemeClr val="accent1"/>
+          </a:effectRef>
+          <a:fontRef idx="minor">
+            <a:schemeClr val="lt1"/>
+          </a:fontRef>
+        </p:style>
+        <p:txBody>
+          <a:bodyPr rtlCol="0" anchor="ctr"/>
+          <a:lstStyle/>
+          <a:p>
+            <a:pPr algn="ctr"/>
+            <a:endParaRPr lang="en-US"/>
+          </a:p>
+        </p:txBody>
+      </p:sp>
+      <p:cxnSp>
+        <p:nvCxnSpPr>
+          <p:cNvPr id="10" name="Straight Connector 9">
+            <a:extLst>
+              <a:ext uri="{FF2B5EF4-FFF2-40B4-BE49-F238E27FC236}">
+                <a16:creationId xmlns:a16="http://schemas.microsoft.com/office/drawing/2014/main" id="{F2AE495E-2AAF-4BC1-87A5-331009D82896}"/>
+              </a:ext>
+            </a:extLst>
+          </p:cNvPr>
+          <p:cNvCxnSpPr>
+            <a:cxnSpLocks noGrp="1" noRot="1" noChangeAspect="1" noMove="1" noResize="1" noEditPoints="1" noAdjustHandles="1" noChangeArrowheads="1" noChangeShapeType="1"/>
+          </p:cNvCxnSpPr>
+          <p:nvPr>
+            <p:extLst>
+              <p:ext uri="{386F3935-93C4-4BCD-93E2-E3B085C9AB24}">
+                <p16:designElem xmlns:p16="http://schemas.microsoft.com/office/powerpoint/2015/main" val="1"/>
+              </p:ext>
+            </p:extLst>
+          </p:nvPr>
+        </p:nvCxnSpPr>
+        <p:spPr>
+          <a:xfrm flipV="1">
+            <a:off x="762000" y="826324"/>
+            <a:ext cx="0" cy="914400"/>
+          </a:xfrm>
+          <a:prstGeom prst="line">
+            <a:avLst/>
+          </a:prstGeom>
+          <a:ln w="19050">
+            <a:solidFill>
+              <a:srgbClr val="FFFFFF">
+                <a:alpha val="80000"/>
+              </a:srgbClr>
+            </a:solidFill>
+          </a:ln>
+        </p:spPr>
+        <p:style>
+          <a:lnRef idx="1">
+            <a:schemeClr val="accent1"/>
+          </a:lnRef>
+          <a:fillRef idx="0">
+            <a:schemeClr val="accent1"/>
+          </a:fillRef>
+          <a:effectRef idx="0">
+            <a:schemeClr val="accent1"/>
+          </a:effectRef>
+          <a:fontRef idx="minor">
+            <a:schemeClr val="tx1"/>
+          </a:fontRef>
+        </p:style>
+      </p:cxnSp>
+      <p:sp>
+        <p:nvSpPr>
           <p:cNvPr id="2" name="Title 1">
             <a:extLst>
               <a:ext uri="{FF2B5EF4-FFF2-40B4-BE49-F238E27FC236}">
@@ -4452,16 +8571,31 @@
             <p:ph type="title"/>
           </p:nvPr>
         </p:nvSpPr>
-        <p:spPr/>
+        <p:spPr>
+          <a:xfrm>
+            <a:off x="943276" y="712268"/>
+            <a:ext cx="10410524" cy="1193533"/>
+          </a:xfrm>
+        </p:spPr>
         <p:txBody>
-          <a:bodyPr/>
+          <a:bodyPr>
+            <a:normAutofit/>
+          </a:bodyPr>
           <a:lstStyle/>
           <a:p>
             <a:r>
-              <a:rPr lang="en-US" dirty="0"/>
+              <a:rPr lang="en-US">
+                <a:solidFill>
+                  <a:srgbClr val="FFFFFF"/>
+                </a:solidFill>
+              </a:rPr>
               <a:t>Functions</a:t>
             </a:r>
-            <a:endParaRPr lang="en-IN" dirty="0"/>
+            <a:endParaRPr lang="en-IN">
+              <a:solidFill>
+                <a:srgbClr val="FFFFFF"/>
+              </a:solidFill>
+            </a:endParaRPr>
           </a:p>
         </p:txBody>
       </p:sp>
@@ -4481,33 +8615,64 @@
             <p:ph idx="1"/>
           </p:nvPr>
         </p:nvSpPr>
-        <p:spPr/>
+        <p:spPr>
+          <a:xfrm>
+            <a:off x="943276" y="2050181"/>
+            <a:ext cx="10410524" cy="4126782"/>
+          </a:xfrm>
+        </p:spPr>
         <p:txBody>
-          <a:bodyPr/>
+          <a:bodyPr>
+            <a:normAutofit/>
+          </a:bodyPr>
           <a:lstStyle/>
           <a:p>
             <a:r>
-              <a:rPr lang="en-IN" b="1" i="1" dirty="0"/>
+              <a:rPr lang="en-IN" sz="2400" b="1" i="1">
+                <a:solidFill>
+                  <a:srgbClr val="FFFFFF"/>
+                </a:solidFill>
+              </a:rPr>
               <a:t>function</a:t>
             </a:r>
             <a:r>
-              <a:rPr lang="en-IN" b="1" dirty="0"/>
+              <a:rPr lang="en-IN" sz="2400" b="1">
+                <a:solidFill>
+                  <a:srgbClr val="FFFFFF"/>
+                </a:solidFill>
+              </a:rPr>
               <a:t> sparqlQueryJson(</a:t>
             </a:r>
             <a:r>
-              <a:rPr lang="en-IN" b="1" i="1" dirty="0"/>
+              <a:rPr lang="en-IN" sz="2400" b="1" i="1">
+                <a:solidFill>
+                  <a:srgbClr val="FFFFFF"/>
+                </a:solidFill>
+              </a:rPr>
               <a:t>queryStr</a:t>
             </a:r>
             <a:r>
-              <a:rPr lang="en-IN" b="1" dirty="0"/>
+              <a:rPr lang="en-IN" sz="2400" b="1">
+                <a:solidFill>
+                  <a:srgbClr val="FFFFFF"/>
+                </a:solidFill>
+              </a:rPr>
               <a:t>, </a:t>
             </a:r>
             <a:r>
-              <a:rPr lang="en-IN" b="1" i="1" dirty="0"/>
+              <a:rPr lang="en-IN" sz="2400" b="1" i="1">
+                <a:solidFill>
+                  <a:srgbClr val="FFFFFF"/>
+                </a:solidFill>
+              </a:rPr>
               <a:t>endpoint</a:t>
             </a:r>
             <a:r>
-              <a:rPr lang="en-IN" b="1" dirty="0"/>
+              <a:rPr lang="en-IN" sz="2400" b="1">
+                <a:solidFill>
+                  <a:srgbClr val="FFFFFF"/>
+                </a:solidFill>
+              </a:rPr>
               <a:t>)</a:t>
             </a:r>
           </a:p>
@@ -4516,7 +8681,11 @@
               <a:buNone/>
             </a:pPr>
             <a:r>
-              <a:rPr lang="en-US" b="1" dirty="0"/>
+              <a:rPr lang="en-US" sz="2400" b="1">
+                <a:solidFill>
+                  <a:srgbClr val="FFFFFF"/>
+                </a:solidFill>
+              </a:rPr>
               <a:t>{</a:t>
             </a:r>
           </a:p>
@@ -4525,11 +8694,19 @@
               <a:buNone/>
             </a:pPr>
             <a:r>
-              <a:rPr lang="en-US" dirty="0"/>
+              <a:rPr lang="en-US">
+                <a:solidFill>
+                  <a:srgbClr val="FFFFFF"/>
+                </a:solidFill>
+              </a:rPr>
               <a:t>//T</a:t>
             </a:r>
             <a:r>
-              <a:rPr lang="en-IN" dirty="0"/>
+              <a:rPr lang="en-IN">
+                <a:solidFill>
+                  <a:srgbClr val="FFFFFF"/>
+                </a:solidFill>
+              </a:rPr>
               <a:t>akes query and endpoint as arguments and returns json object as the result.</a:t>
             </a:r>
           </a:p>
@@ -4538,15 +8715,27 @@
               <a:buNone/>
             </a:pPr>
             <a:r>
-              <a:rPr lang="en-IN" b="1" dirty="0"/>
+              <a:rPr lang="en-IN" b="1">
+                <a:solidFill>
+                  <a:srgbClr val="FFFFFF"/>
+                </a:solidFill>
+              </a:rPr>
               <a:t>xmlhttp = new </a:t>
             </a:r>
             <a:r>
-              <a:rPr lang="en-IN" b="1" u="sng" dirty="0"/>
+              <a:rPr lang="en-IN" b="1" u="sng">
+                <a:solidFill>
+                  <a:srgbClr val="FFFFFF"/>
+                </a:solidFill>
+              </a:rPr>
               <a:t>XMLHttpRequest</a:t>
             </a:r>
             <a:r>
-              <a:rPr lang="en-IN" b="1" dirty="0"/>
+              <a:rPr lang="en-IN" b="1">
+                <a:solidFill>
+                  <a:srgbClr val="FFFFFF"/>
+                </a:solidFill>
+              </a:rPr>
               <a:t>();</a:t>
             </a:r>
           </a:p>
@@ -4555,7 +8744,11 @@
               <a:buNone/>
             </a:pPr>
             <a:r>
-              <a:rPr lang="da-DK" b="1" dirty="0"/>
+              <a:rPr lang="da-DK" b="1">
+                <a:solidFill>
+                  <a:srgbClr val="FFFFFF"/>
+                </a:solidFill>
+              </a:rPr>
               <a:t>xmlhttp.open('POST', endpoint, false);</a:t>
             </a:r>
           </a:p>
@@ -4564,17 +8757,29 @@
               <a:buNone/>
             </a:pPr>
             <a:r>
-              <a:rPr lang="en-IN" b="1" dirty="0"/>
+              <a:rPr lang="en-IN" b="1">
+                <a:solidFill>
+                  <a:srgbClr val="FFFFFF"/>
+                </a:solidFill>
+              </a:rPr>
               <a:t>xmlhttp.setRequestHeader("Accept", "application/sparql-results+json");</a:t>
             </a:r>
-            <a:endParaRPr lang="da-DK" b="1" dirty="0"/>
+            <a:endParaRPr lang="da-DK" b="1">
+              <a:solidFill>
+                <a:srgbClr val="FFFFFF"/>
+              </a:solidFill>
+            </a:endParaRPr>
           </a:p>
           <a:p>
             <a:pPr marL="457200" lvl="1" indent="0">
               <a:buNone/>
             </a:pPr>
             <a:r>
-              <a:rPr lang="en-IN" b="1" dirty="0"/>
+              <a:rPr lang="en-IN" b="1">
+                <a:solidFill>
+                  <a:srgbClr val="FFFFFF"/>
+                </a:solidFill>
+              </a:rPr>
               <a:t>xmlhttp.send(querypart);</a:t>
             </a:r>
           </a:p>
@@ -4583,41 +8788,73 @@
               <a:buNone/>
             </a:pPr>
             <a:r>
-              <a:rPr lang="en-IN" b="1" dirty="0"/>
+              <a:rPr lang="en-IN" b="1">
+                <a:solidFill>
+                  <a:srgbClr val="FFFFFF"/>
+                </a:solidFill>
+              </a:rPr>
               <a:t>return xmlhttp.responseText;</a:t>
             </a:r>
-            <a:endParaRPr lang="en-US" b="1" dirty="0"/>
+            <a:endParaRPr lang="en-US" b="1">
+              <a:solidFill>
+                <a:srgbClr val="FFFFFF"/>
+              </a:solidFill>
+            </a:endParaRPr>
           </a:p>
           <a:p>
             <a:pPr marL="0" indent="0">
               <a:buNone/>
             </a:pPr>
             <a:r>
-              <a:rPr lang="en-US" b="1" dirty="0"/>
+              <a:rPr lang="en-US" sz="2400" b="1">
+                <a:solidFill>
+                  <a:srgbClr val="FFFFFF"/>
+                </a:solidFill>
+              </a:rPr>
               <a:t>}</a:t>
             </a:r>
-            <a:endParaRPr lang="en-IN" b="1" dirty="0"/>
+            <a:endParaRPr lang="en-IN" sz="2400" b="1">
+              <a:solidFill>
+                <a:srgbClr val="FFFFFF"/>
+              </a:solidFill>
+            </a:endParaRPr>
           </a:p>
           <a:p>
             <a:pPr marL="457200" lvl="1" indent="0">
               <a:buNone/>
             </a:pPr>
-            <a:endParaRPr lang="en-IN" b="1" dirty="0"/>
+            <a:endParaRPr lang="en-IN" b="1">
+              <a:solidFill>
+                <a:srgbClr val="FFFFFF"/>
+              </a:solidFill>
+            </a:endParaRPr>
           </a:p>
           <a:p>
             <a:pPr marL="457200" lvl="1" indent="0">
               <a:buNone/>
             </a:pPr>
-            <a:endParaRPr lang="da-DK" b="1" dirty="0"/>
+            <a:endParaRPr lang="da-DK" b="1">
+              <a:solidFill>
+                <a:srgbClr val="FFFFFF"/>
+              </a:solidFill>
+            </a:endParaRPr>
           </a:p>
           <a:p>
             <a:pPr marL="457200" lvl="1" indent="0">
               <a:buNone/>
             </a:pPr>
-            <a:endParaRPr lang="en-IN" dirty="0"/>
-          </a:p>
-          <a:p>
-            <a:endParaRPr lang="en-IN" dirty="0"/>
+            <a:endParaRPr lang="en-IN">
+              <a:solidFill>
+                <a:srgbClr val="FFFFFF"/>
+              </a:solidFill>
+            </a:endParaRPr>
+          </a:p>
+          <a:p>
+            <a:endParaRPr lang="en-IN" sz="2400">
+              <a:solidFill>
+                <a:srgbClr val="FFFFFF"/>
+              </a:solidFill>
+            </a:endParaRPr>
           </a:p>
         </p:txBody>
       </p:sp>
@@ -4674,7 +8911,7 @@
           <a:p>
             <a:r>
               <a:rPr lang="en-US" dirty="0"/>
-              <a:t>Html Render</a:t>
+              <a:t>Result of HTML Rendering</a:t>
             </a:r>
             <a:endParaRPr lang="en-IN" dirty="0"/>
           </a:p>

--- a/Presentation.pptx
+++ b/Presentation.pptx
@@ -8,9 +8,10 @@
     <p:sldId id="256" r:id="rId2"/>
     <p:sldId id="257" r:id="rId3"/>
     <p:sldId id="258" r:id="rId4"/>
-    <p:sldId id="259" r:id="rId5"/>
-    <p:sldId id="261" r:id="rId6"/>
-    <p:sldId id="260" r:id="rId7"/>
+    <p:sldId id="262" r:id="rId5"/>
+    <p:sldId id="259" r:id="rId6"/>
+    <p:sldId id="261" r:id="rId7"/>
+    <p:sldId id="260" r:id="rId8"/>
   </p:sldIdLst>
   <p:sldSz cx="12192000" cy="6858000"/>
   <p:notesSz cx="6858000" cy="9144000"/>
@@ -122,7 +123,7 @@
   <pc:docChgLst>
     <pc:chgData name="akhil nichenametla" userId="a81230d310ee9045" providerId="LiveId" clId="{C5F62352-6657-4D58-97E4-FBB9E447FD00}"/>
     <pc:docChg chg="undo custSel addSld modSld">
-      <pc:chgData name="akhil nichenametla" userId="a81230d310ee9045" providerId="LiveId" clId="{C5F62352-6657-4D58-97E4-FBB9E447FD00}" dt="2018-04-23T05:01:30.695" v="977" actId="20577"/>
+      <pc:chgData name="akhil nichenametla" userId="a81230d310ee9045" providerId="LiveId" clId="{C5F62352-6657-4D58-97E4-FBB9E447FD00}" dt="2018-04-24T02:05:12.591" v="1067" actId="20577"/>
       <pc:docMkLst>
         <pc:docMk/>
       </pc:docMkLst>
@@ -166,7 +167,7 @@
         </pc:grpChg>
       </pc:sldChg>
       <pc:sldChg chg="addSp delSp modSp add mod setBg setClrOvrMap">
-        <pc:chgData name="akhil nichenametla" userId="a81230d310ee9045" providerId="LiveId" clId="{C5F62352-6657-4D58-97E4-FBB9E447FD00}" dt="2018-04-23T04:57:55.294" v="842" actId="26606"/>
+        <pc:chgData name="akhil nichenametla" userId="a81230d310ee9045" providerId="LiveId" clId="{C5F62352-6657-4D58-97E4-FBB9E447FD00}" dt="2018-04-24T02:05:12.591" v="1067" actId="20577"/>
         <pc:sldMkLst>
           <pc:docMk/>
           <pc:sldMk cId="2740556526" sldId="257"/>
@@ -467,8 +468,8 @@
             <ac:graphicFrameMk id="51" creationId="{D1BA025D-EAE8-4962-913B-964D24A3E692}"/>
           </ac:graphicFrameMkLst>
         </pc:graphicFrameChg>
-        <pc:graphicFrameChg chg="add">
-          <ac:chgData name="akhil nichenametla" userId="a81230d310ee9045" providerId="LiveId" clId="{C5F62352-6657-4D58-97E4-FBB9E447FD00}" dt="2018-04-23T04:57:55.294" v="842" actId="26606"/>
+        <pc:graphicFrameChg chg="add mod">
+          <ac:chgData name="akhil nichenametla" userId="a81230d310ee9045" providerId="LiveId" clId="{C5F62352-6657-4D58-97E4-FBB9E447FD00}" dt="2018-04-24T02:05:12.591" v="1067" actId="20577"/>
           <ac:graphicFrameMkLst>
             <pc:docMk/>
             <pc:sldMk cId="2740556526" sldId="257"/>
@@ -549,7 +550,7 @@
         </pc:cxnChg>
       </pc:sldChg>
       <pc:sldChg chg="addSp delSp modSp add mod setBg setClrOvrMap">
-        <pc:chgData name="akhil nichenametla" userId="a81230d310ee9045" providerId="LiveId" clId="{C5F62352-6657-4D58-97E4-FBB9E447FD00}" dt="2018-04-23T04:59:47.995" v="915" actId="26606"/>
+        <pc:chgData name="akhil nichenametla" userId="a81230d310ee9045" providerId="LiveId" clId="{C5F62352-6657-4D58-97E4-FBB9E447FD00}" dt="2018-04-23T16:48:45.455" v="981" actId="207"/>
         <pc:sldMkLst>
           <pc:docMk/>
           <pc:sldMk cId="3882225838" sldId="258"/>
@@ -562,8 +563,8 @@
             <ac:spMk id="2" creationId="{32E1B2F8-E3B8-47C0-B00F-26D252A02410}"/>
           </ac:spMkLst>
         </pc:spChg>
-        <pc:spChg chg="mod">
-          <ac:chgData name="akhil nichenametla" userId="a81230d310ee9045" providerId="LiveId" clId="{C5F62352-6657-4D58-97E4-FBB9E447FD00}" dt="2018-04-23T04:59:47.995" v="915" actId="26606"/>
+        <pc:spChg chg="add del mod">
+          <ac:chgData name="akhil nichenametla" userId="a81230d310ee9045" providerId="LiveId" clId="{C5F62352-6657-4D58-97E4-FBB9E447FD00}" dt="2018-04-23T16:48:45.455" v="981" actId="207"/>
           <ac:spMkLst>
             <pc:docMk/>
             <pc:sldMk cId="3882225838" sldId="258"/>
@@ -610,6 +611,14 @@
             <ac:spMk id="14" creationId="{E89ACC69-ADF2-492B-84C5-EA2CC16071F3}"/>
           </ac:spMkLst>
         </pc:spChg>
+        <pc:graphicFrameChg chg="add del">
+          <ac:chgData name="akhil nichenametla" userId="a81230d310ee9045" providerId="LiveId" clId="{C5F62352-6657-4D58-97E4-FBB9E447FD00}" dt="2018-04-23T16:46:26.845" v="979" actId="26606"/>
+          <ac:graphicFrameMkLst>
+            <pc:docMk/>
+            <pc:sldMk cId="3882225838" sldId="258"/>
+            <ac:graphicFrameMk id="7" creationId="{22D8370A-F594-442C-A581-000266CF53EA}"/>
+          </ac:graphicFrameMkLst>
+        </pc:graphicFrameChg>
         <pc:cxnChg chg="add del">
           <ac:chgData name="akhil nichenametla" userId="a81230d310ee9045" providerId="LiveId" clId="{C5F62352-6657-4D58-97E4-FBB9E447FD00}" dt="2018-04-23T04:58:30.909" v="886" actId="26606"/>
           <ac:cxnSpMkLst>
@@ -746,7 +755,7 @@
         </pc:picChg>
       </pc:sldChg>
       <pc:sldChg chg="addSp modSp add mod setBg">
-        <pc:chgData name="akhil nichenametla" userId="a81230d310ee9045" providerId="LiveId" clId="{C5F62352-6657-4D58-97E4-FBB9E447FD00}" dt="2018-04-23T04:59:23.459" v="910" actId="26606"/>
+        <pc:chgData name="akhil nichenametla" userId="a81230d310ee9045" providerId="LiveId" clId="{C5F62352-6657-4D58-97E4-FBB9E447FD00}" dt="2018-04-23T16:49:07.245" v="982" actId="5793"/>
         <pc:sldMkLst>
           <pc:docMk/>
           <pc:sldMk cId="4100635518" sldId="261"/>
@@ -760,7 +769,7 @@
           </ac:spMkLst>
         </pc:spChg>
         <pc:spChg chg="mod">
-          <ac:chgData name="akhil nichenametla" userId="a81230d310ee9045" providerId="LiveId" clId="{C5F62352-6657-4D58-97E4-FBB9E447FD00}" dt="2018-04-23T04:59:23.459" v="910" actId="26606"/>
+          <ac:chgData name="akhil nichenametla" userId="a81230d310ee9045" providerId="LiveId" clId="{C5F62352-6657-4D58-97E4-FBB9E447FD00}" dt="2018-04-23T16:49:07.245" v="982" actId="5793"/>
           <ac:spMkLst>
             <pc:docMk/>
             <pc:sldMk cId="4100635518" sldId="261"/>
@@ -783,6 +792,37 @@
             <ac:cxnSpMk id="10" creationId="{F2AE495E-2AAF-4BC1-87A5-331009D82896}"/>
           </ac:cxnSpMkLst>
         </pc:cxnChg>
+      </pc:sldChg>
+      <pc:sldChg chg="modSp add">
+        <pc:chgData name="akhil nichenametla" userId="a81230d310ee9045" providerId="LiveId" clId="{C5F62352-6657-4D58-97E4-FBB9E447FD00}" dt="2018-04-24T01:57:19.206" v="1025"/>
+        <pc:sldMkLst>
+          <pc:docMk/>
+          <pc:sldMk cId="1828420354" sldId="262"/>
+        </pc:sldMkLst>
+        <pc:spChg chg="mod">
+          <ac:chgData name="akhil nichenametla" userId="a81230d310ee9045" providerId="LiveId" clId="{C5F62352-6657-4D58-97E4-FBB9E447FD00}" dt="2018-04-24T01:54:33.955" v="995" actId="20577"/>
+          <ac:spMkLst>
+            <pc:docMk/>
+            <pc:sldMk cId="1828420354" sldId="262"/>
+            <ac:spMk id="2" creationId="{CC97AA7A-D92E-440C-86D6-243C405ED0F5}"/>
+          </ac:spMkLst>
+        </pc:spChg>
+        <pc:spChg chg="mod">
+          <ac:chgData name="akhil nichenametla" userId="a81230d310ee9045" providerId="LiveId" clId="{C5F62352-6657-4D58-97E4-FBB9E447FD00}" dt="2018-04-24T01:54:36.193" v="996" actId="5793"/>
+          <ac:spMkLst>
+            <pc:docMk/>
+            <pc:sldMk cId="1828420354" sldId="262"/>
+            <ac:spMk id="3" creationId="{6B9DB22D-8195-4156-B88D-2EC9C1311401}"/>
+          </ac:spMkLst>
+        </pc:spChg>
+        <pc:graphicFrameChg chg="mod modGraphic">
+          <ac:chgData name="akhil nichenametla" userId="a81230d310ee9045" providerId="LiveId" clId="{C5F62352-6657-4D58-97E4-FBB9E447FD00}" dt="2018-04-24T01:57:19.206" v="1025"/>
+          <ac:graphicFrameMkLst>
+            <pc:docMk/>
+            <pc:sldMk cId="1828420354" sldId="262"/>
+            <ac:graphicFrameMk id="4" creationId="{2BC0EABF-7C32-44E6-9F8B-B2B0AF9B32A8}"/>
+          </ac:graphicFrameMkLst>
+        </pc:graphicFrameChg>
       </pc:sldChg>
     </pc:docChg>
   </pc:docChgLst>
@@ -1600,7 +1640,7 @@
 <dgm:dataModel xmlns:dgm="http://schemas.openxmlformats.org/drawingml/2006/diagram" xmlns:a="http://schemas.openxmlformats.org/drawingml/2006/main">
   <dgm:ptLst>
     <dgm:pt modelId="{F17054A7-E79E-4391-91FB-54A15DB7B72B}" type="doc">
-      <dgm:prSet loTypeId="urn:microsoft.com/office/officeart/2008/layout/LinedList" loCatId="list" qsTypeId="urn:microsoft.com/office/officeart/2005/8/quickstyle/simple3" qsCatId="simple" csTypeId="urn:microsoft.com/office/officeart/2005/8/colors/accent6_1" csCatId="accent6"/>
+      <dgm:prSet loTypeId="urn:microsoft.com/office/officeart/2008/layout/LinedList" loCatId="list" qsTypeId="urn:microsoft.com/office/officeart/2005/8/quickstyle/simple3" qsCatId="simple" csTypeId="urn:microsoft.com/office/officeart/2005/8/colors/accent6_1" csCatId="accent6" phldr="1"/>
       <dgm:spPr/>
       <dgm:t>
         <a:bodyPr/>
@@ -1618,20 +1658,20 @@
         <a:lstStyle/>
         <a:p>
           <a:r>
-            <a:rPr lang="en-IN" b="1">
+            <a:rPr lang="en-IN" b="1" dirty="0">
               <a:hlinkClick xmlns:r="http://schemas.openxmlformats.org/officeDocument/2006/relationships" r:id="rId1"/>
             </a:rPr>
             <a:t>http://data.nobelprize.org/</a:t>
           </a:r>
           <a:r>
-            <a:rPr lang="en-IN" b="1"/>
+            <a:rPr lang="en-IN" b="1" dirty="0"/>
             <a:t> </a:t>
           </a:r>
           <a:r>
-            <a:rPr lang="en-IN"/>
+            <a:rPr lang="en-IN" dirty="0"/>
             <a:t>contains the details of Nobel price awardees and their title.</a:t>
           </a:r>
-          <a:endParaRPr lang="en-US"/>
+          <a:endParaRPr lang="en-US" dirty="0"/>
         </a:p>
       </dgm:t>
     </dgm:pt>
@@ -1665,20 +1705,20 @@
         <a:lstStyle/>
         <a:p>
           <a:r>
-            <a:rPr lang="en-IN"/>
-            <a:t>We get the details of Awardees from dbpedia </a:t>
+            <a:rPr lang="en-IN" dirty="0"/>
+            <a:t>We get additional details (thumbnail and description) of Awardees from dbpedia </a:t>
           </a:r>
           <a:r>
-            <a:rPr lang="en-IN" b="1">
+            <a:rPr lang="en-IN" b="1" dirty="0">
               <a:hlinkClick xmlns:r="http://schemas.openxmlformats.org/officeDocument/2006/relationships" r:id="rId2"/>
             </a:rPr>
             <a:t>https://dbpedia.org/</a:t>
           </a:r>
           <a:r>
-            <a:rPr lang="en-IN" b="1"/>
+            <a:rPr lang="en-IN" b="1" dirty="0"/>
             <a:t> .</a:t>
           </a:r>
-          <a:endParaRPr lang="en-US"/>
+          <a:endParaRPr lang="en-US" dirty="0"/>
         </a:p>
       </dgm:t>
     </dgm:pt>
@@ -1712,7 +1752,7 @@
         <a:lstStyle/>
         <a:p>
           <a:r>
-            <a:rPr lang="en-US"/>
+            <a:rPr lang="en-US" dirty="0"/>
             <a:t>Next slide contains SPARQL queries for extracting the required data.</a:t>
           </a:r>
         </a:p>
@@ -1951,12 +1991,12 @@
         <a:fontRef idx="minor"/>
       </dsp:style>
       <dsp:txBody>
-        <a:bodyPr spcFirstLastPara="0" vert="horz" wrap="square" lIns="140970" tIns="140970" rIns="140970" bIns="140970" numCol="1" spcCol="1270" anchor="t" anchorCtr="0">
+        <a:bodyPr spcFirstLastPara="0" vert="horz" wrap="square" lIns="121920" tIns="121920" rIns="121920" bIns="121920" numCol="1" spcCol="1270" anchor="t" anchorCtr="0">
           <a:noAutofit/>
         </a:bodyPr>
         <a:lstStyle/>
         <a:p>
-          <a:pPr marL="0" lvl="0" indent="0" algn="l" defTabSz="1644650">
+          <a:pPr marL="0" lvl="0" indent="0" algn="l" defTabSz="1422400">
             <a:lnSpc>
               <a:spcPct val="90000"/>
             </a:lnSpc>
@@ -1969,20 +2009,20 @@
             <a:buNone/>
           </a:pPr>
           <a:r>
-            <a:rPr lang="en-IN" sz="3700" b="1" kern="1200">
+            <a:rPr lang="en-IN" sz="3200" b="1" kern="1200" dirty="0">
               <a:hlinkClick xmlns:r="http://schemas.openxmlformats.org/officeDocument/2006/relationships" r:id="rId1"/>
             </a:rPr>
             <a:t>http://data.nobelprize.org/</a:t>
           </a:r>
           <a:r>
-            <a:rPr lang="en-IN" sz="3700" b="1" kern="1200"/>
+            <a:rPr lang="en-IN" sz="3200" b="1" kern="1200" dirty="0"/>
             <a:t> </a:t>
           </a:r>
           <a:r>
-            <a:rPr lang="en-IN" sz="3700" kern="1200"/>
+            <a:rPr lang="en-IN" sz="3200" kern="1200" dirty="0"/>
             <a:t>contains the details of Nobel price awardees and their title.</a:t>
           </a:r>
-          <a:endParaRPr lang="en-US" sz="3700" kern="1200"/>
+          <a:endParaRPr lang="en-US" sz="3200" kern="1200" dirty="0"/>
         </a:p>
       </dsp:txBody>
       <dsp:txXfrm>
@@ -2103,12 +2143,12 @@
         <a:fontRef idx="minor"/>
       </dsp:style>
       <dsp:txBody>
-        <a:bodyPr spcFirstLastPara="0" vert="horz" wrap="square" lIns="140970" tIns="140970" rIns="140970" bIns="140970" numCol="1" spcCol="1270" anchor="t" anchorCtr="0">
+        <a:bodyPr spcFirstLastPara="0" vert="horz" wrap="square" lIns="121920" tIns="121920" rIns="121920" bIns="121920" numCol="1" spcCol="1270" anchor="t" anchorCtr="0">
           <a:noAutofit/>
         </a:bodyPr>
         <a:lstStyle/>
         <a:p>
-          <a:pPr marL="0" lvl="0" indent="0" algn="l" defTabSz="1644650">
+          <a:pPr marL="0" lvl="0" indent="0" algn="l" defTabSz="1422400">
             <a:lnSpc>
               <a:spcPct val="90000"/>
             </a:lnSpc>
@@ -2121,20 +2161,20 @@
             <a:buNone/>
           </a:pPr>
           <a:r>
-            <a:rPr lang="en-IN" sz="3700" kern="1200"/>
-            <a:t>We get the details of Awardees from dbpedia </a:t>
+            <a:rPr lang="en-IN" sz="3200" kern="1200" dirty="0"/>
+            <a:t>We get additional details (thumbnail and description) of Awardees from dbpedia </a:t>
           </a:r>
           <a:r>
-            <a:rPr lang="en-IN" sz="3700" b="1" kern="1200">
+            <a:rPr lang="en-IN" sz="3200" b="1" kern="1200" dirty="0">
               <a:hlinkClick xmlns:r="http://schemas.openxmlformats.org/officeDocument/2006/relationships" r:id="rId2"/>
             </a:rPr>
             <a:t>https://dbpedia.org/</a:t>
           </a:r>
           <a:r>
-            <a:rPr lang="en-IN" sz="3700" b="1" kern="1200"/>
+            <a:rPr lang="en-IN" sz="3200" b="1" kern="1200" dirty="0"/>
             <a:t> .</a:t>
           </a:r>
-          <a:endParaRPr lang="en-US" sz="3700" kern="1200"/>
+          <a:endParaRPr lang="en-US" sz="3200" kern="1200" dirty="0"/>
         </a:p>
       </dsp:txBody>
       <dsp:txXfrm>
@@ -2255,12 +2295,12 @@
         <a:fontRef idx="minor"/>
       </dsp:style>
       <dsp:txBody>
-        <a:bodyPr spcFirstLastPara="0" vert="horz" wrap="square" lIns="140970" tIns="140970" rIns="140970" bIns="140970" numCol="1" spcCol="1270" anchor="t" anchorCtr="0">
+        <a:bodyPr spcFirstLastPara="0" vert="horz" wrap="square" lIns="121920" tIns="121920" rIns="121920" bIns="121920" numCol="1" spcCol="1270" anchor="t" anchorCtr="0">
           <a:noAutofit/>
         </a:bodyPr>
         <a:lstStyle/>
         <a:p>
-          <a:pPr marL="0" lvl="0" indent="0" algn="l" defTabSz="1644650">
+          <a:pPr marL="0" lvl="0" indent="0" algn="l" defTabSz="1422400">
             <a:lnSpc>
               <a:spcPct val="90000"/>
             </a:lnSpc>
@@ -2273,7 +2313,7 @@
             <a:buNone/>
           </a:pPr>
           <a:r>
-            <a:rPr lang="en-US" sz="3700" kern="1200"/>
+            <a:rPr lang="en-US" sz="3200" kern="1200" dirty="0"/>
             <a:t>Next slide contains SPARQL queries for extracting the required data.</a:t>
           </a:r>
         </a:p>
@@ -3962,7 +4002,7 @@
           <a:p>
             <a:fld id="{D2A3E27C-0206-46E0-92C8-1400F72E54BC}" type="datetimeFigureOut">
               <a:rPr lang="en-IN" smtClean="0"/>
-              <a:t>23-04-2018</a:t>
+              <a:t>24-04-2018</a:t>
             </a:fld>
             <a:endParaRPr lang="en-IN"/>
           </a:p>
@@ -4162,7 +4202,7 @@
           <a:p>
             <a:fld id="{D2A3E27C-0206-46E0-92C8-1400F72E54BC}" type="datetimeFigureOut">
               <a:rPr lang="en-IN" smtClean="0"/>
-              <a:t>23-04-2018</a:t>
+              <a:t>24-04-2018</a:t>
             </a:fld>
             <a:endParaRPr lang="en-IN"/>
           </a:p>
@@ -4372,7 +4412,7 @@
           <a:p>
             <a:fld id="{D2A3E27C-0206-46E0-92C8-1400F72E54BC}" type="datetimeFigureOut">
               <a:rPr lang="en-IN" smtClean="0"/>
-              <a:t>23-04-2018</a:t>
+              <a:t>24-04-2018</a:t>
             </a:fld>
             <a:endParaRPr lang="en-IN"/>
           </a:p>
@@ -4572,7 +4612,7 @@
           <a:p>
             <a:fld id="{D2A3E27C-0206-46E0-92C8-1400F72E54BC}" type="datetimeFigureOut">
               <a:rPr lang="en-IN" smtClean="0"/>
-              <a:t>23-04-2018</a:t>
+              <a:t>24-04-2018</a:t>
             </a:fld>
             <a:endParaRPr lang="en-IN"/>
           </a:p>
@@ -4848,7 +4888,7 @@
           <a:p>
             <a:fld id="{D2A3E27C-0206-46E0-92C8-1400F72E54BC}" type="datetimeFigureOut">
               <a:rPr lang="en-IN" smtClean="0"/>
-              <a:t>23-04-2018</a:t>
+              <a:t>24-04-2018</a:t>
             </a:fld>
             <a:endParaRPr lang="en-IN"/>
           </a:p>
@@ -5116,7 +5156,7 @@
           <a:p>
             <a:fld id="{D2A3E27C-0206-46E0-92C8-1400F72E54BC}" type="datetimeFigureOut">
               <a:rPr lang="en-IN" smtClean="0"/>
-              <a:t>23-04-2018</a:t>
+              <a:t>24-04-2018</a:t>
             </a:fld>
             <a:endParaRPr lang="en-IN"/>
           </a:p>
@@ -5531,7 +5571,7 @@
           <a:p>
             <a:fld id="{D2A3E27C-0206-46E0-92C8-1400F72E54BC}" type="datetimeFigureOut">
               <a:rPr lang="en-IN" smtClean="0"/>
-              <a:t>23-04-2018</a:t>
+              <a:t>24-04-2018</a:t>
             </a:fld>
             <a:endParaRPr lang="en-IN"/>
           </a:p>
@@ -5673,7 +5713,7 @@
           <a:p>
             <a:fld id="{D2A3E27C-0206-46E0-92C8-1400F72E54BC}" type="datetimeFigureOut">
               <a:rPr lang="en-IN" smtClean="0"/>
-              <a:t>23-04-2018</a:t>
+              <a:t>24-04-2018</a:t>
             </a:fld>
             <a:endParaRPr lang="en-IN"/>
           </a:p>
@@ -5786,7 +5826,7 @@
           <a:p>
             <a:fld id="{D2A3E27C-0206-46E0-92C8-1400F72E54BC}" type="datetimeFigureOut">
               <a:rPr lang="en-IN" smtClean="0"/>
-              <a:t>23-04-2018</a:t>
+              <a:t>24-04-2018</a:t>
             </a:fld>
             <a:endParaRPr lang="en-IN"/>
           </a:p>
@@ -6099,7 +6139,7 @@
           <a:p>
             <a:fld id="{D2A3E27C-0206-46E0-92C8-1400F72E54BC}" type="datetimeFigureOut">
               <a:rPr lang="en-IN" smtClean="0"/>
-              <a:t>23-04-2018</a:t>
+              <a:t>24-04-2018</a:t>
             </a:fld>
             <a:endParaRPr lang="en-IN"/>
           </a:p>
@@ -6388,7 +6428,7 @@
           <a:p>
             <a:fld id="{D2A3E27C-0206-46E0-92C8-1400F72E54BC}" type="datetimeFigureOut">
               <a:rPr lang="en-IN" smtClean="0"/>
-              <a:t>23-04-2018</a:t>
+              <a:t>24-04-2018</a:t>
             </a:fld>
             <a:endParaRPr lang="en-IN"/>
           </a:p>
@@ -6631,7 +6671,7 @@
           <a:p>
             <a:fld id="{D2A3E27C-0206-46E0-92C8-1400F72E54BC}" type="datetimeFigureOut">
               <a:rPr lang="en-IN" smtClean="0"/>
-              <a:t>23-04-2018</a:t>
+              <a:t>24-04-2018</a:t>
             </a:fld>
             <a:endParaRPr lang="en-IN"/>
           </a:p>
@@ -7544,7 +7584,7 @@
             <p:ph idx="1"/>
             <p:extLst>
               <p:ext uri="{D42A27DB-BD31-4B8C-83A1-F6EECF244321}">
-                <p14:modId xmlns:p14="http://schemas.microsoft.com/office/powerpoint/2010/main" val="3908187068"/>
+                <p14:modId xmlns:p14="http://schemas.microsoft.com/office/powerpoint/2010/main" val="3735358586"/>
               </p:ext>
             </p:extLst>
           </p:nvPr>
@@ -7575,6 +7615,14 @@
 <file path=ppt/slides/slide3.xml><?xml version="1.0" encoding="utf-8"?>
 <p:sld xmlns:a="http://schemas.openxmlformats.org/drawingml/2006/main" xmlns:r="http://schemas.openxmlformats.org/officeDocument/2006/relationships" xmlns:p="http://schemas.openxmlformats.org/presentationml/2006/main">
   <p:cSld>
+    <p:bg>
+      <p:bgPr>
+        <a:solidFill>
+          <a:schemeClr val="accent1"/>
+        </a:solidFill>
+        <a:effectLst/>
+      </p:bgPr>
+    </p:bg>
     <p:spTree>
       <p:nvGrpSpPr>
         <p:cNvPr id="1" name=""/>
@@ -7621,23 +7669,53 @@
               <a:buNone/>
             </a:pPr>
             <a:r>
-              <a:rPr lang="en-IN" b="1"/>
+              <a:rPr lang="en-IN" b="1" dirty="0">
+                <a:solidFill>
+                  <a:schemeClr val="bg1">
+                    <a:lumMod val="95000"/>
+                  </a:schemeClr>
+                </a:solidFill>
+              </a:rPr>
               <a:t>PREFIX </a:t>
             </a:r>
             <a:r>
-              <a:rPr lang="en-IN" b="1" i="1"/>
+              <a:rPr lang="en-IN" b="1" i="1" dirty="0">
+                <a:solidFill>
+                  <a:schemeClr val="bg1">
+                    <a:lumMod val="95000"/>
+                  </a:schemeClr>
+                </a:solidFill>
+              </a:rPr>
               <a:t>foaf:</a:t>
             </a:r>
             <a:r>
-              <a:rPr lang="en-IN" b="1"/>
+              <a:rPr lang="en-IN" b="1" dirty="0">
+                <a:solidFill>
+                  <a:schemeClr val="bg1">
+                    <a:lumMod val="95000"/>
+                  </a:schemeClr>
+                </a:solidFill>
+              </a:rPr>
               <a:t> </a:t>
             </a:r>
             <a:r>
-              <a:rPr lang="en-IN" b="1" u="sng"/>
+              <a:rPr lang="en-IN" b="1" u="sng" dirty="0">
+                <a:solidFill>
+                  <a:schemeClr val="bg1">
+                    <a:lumMod val="95000"/>
+                  </a:schemeClr>
+                </a:solidFill>
+              </a:rPr>
               <a:t>&lt;http://xmlns.com/foaf/0.1/&gt;</a:t>
             </a:r>
             <a:r>
-              <a:rPr lang="en-IN" b="1"/>
+              <a:rPr lang="en-IN" b="1" dirty="0">
+                <a:solidFill>
+                  <a:schemeClr val="bg1">
+                    <a:lumMod val="95000"/>
+                  </a:schemeClr>
+                </a:solidFill>
+              </a:rPr>
               <a:t> </a:t>
             </a:r>
           </a:p>
@@ -7646,19 +7724,43 @@
               <a:buNone/>
             </a:pPr>
             <a:r>
-              <a:rPr lang="en-IN" b="1"/>
+              <a:rPr lang="en-IN" b="1" dirty="0">
+                <a:solidFill>
+                  <a:schemeClr val="bg1">
+                    <a:lumMod val="95000"/>
+                  </a:schemeClr>
+                </a:solidFill>
+              </a:rPr>
               <a:t>PREFIX </a:t>
             </a:r>
             <a:r>
-              <a:rPr lang="en-IN" b="1" i="1"/>
+              <a:rPr lang="en-IN" b="1" i="1" dirty="0">
+                <a:solidFill>
+                  <a:schemeClr val="bg1">
+                    <a:lumMod val="95000"/>
+                  </a:schemeClr>
+                </a:solidFill>
+              </a:rPr>
               <a:t>owl:</a:t>
             </a:r>
             <a:r>
-              <a:rPr lang="en-IN" b="1" u="sng"/>
+              <a:rPr lang="en-IN" b="1" u="sng" dirty="0">
+                <a:solidFill>
+                  <a:schemeClr val="bg1">
+                    <a:lumMod val="95000"/>
+                  </a:schemeClr>
+                </a:solidFill>
+              </a:rPr>
               <a:t>&lt;http://www.w3.org/2002/07/owl#&gt;</a:t>
             </a:r>
             <a:r>
-              <a:rPr lang="en-IN" b="1"/>
+              <a:rPr lang="en-IN" b="1" dirty="0">
+                <a:solidFill>
+                  <a:schemeClr val="bg1">
+                    <a:lumMod val="95000"/>
+                  </a:schemeClr>
+                </a:solidFill>
+              </a:rPr>
               <a:t> </a:t>
             </a:r>
           </a:p>
@@ -7667,23 +7769,53 @@
               <a:buNone/>
             </a:pPr>
             <a:r>
-              <a:rPr lang="en-IN" b="1"/>
+              <a:rPr lang="en-IN" b="1" dirty="0">
+                <a:solidFill>
+                  <a:schemeClr val="bg1">
+                    <a:lumMod val="95000"/>
+                  </a:schemeClr>
+                </a:solidFill>
+              </a:rPr>
               <a:t>PREFIX </a:t>
             </a:r>
             <a:r>
-              <a:rPr lang="en-IN" b="1" i="1"/>
+              <a:rPr lang="en-IN" b="1" i="1" dirty="0">
+                <a:solidFill>
+                  <a:schemeClr val="bg1">
+                    <a:lumMod val="95000"/>
+                  </a:schemeClr>
+                </a:solidFill>
+              </a:rPr>
               <a:t>nobel:</a:t>
             </a:r>
             <a:r>
-              <a:rPr lang="en-IN" b="1"/>
+              <a:rPr lang="en-IN" b="1" dirty="0">
+                <a:solidFill>
+                  <a:schemeClr val="bg1">
+                    <a:lumMod val="95000"/>
+                  </a:schemeClr>
+                </a:solidFill>
+              </a:rPr>
               <a:t> </a:t>
             </a:r>
             <a:r>
-              <a:rPr lang="en-IN" b="1" u="sng"/>
+              <a:rPr lang="en-IN" b="1" u="sng" dirty="0">
+                <a:solidFill>
+                  <a:schemeClr val="bg1">
+                    <a:lumMod val="95000"/>
+                  </a:schemeClr>
+                </a:solidFill>
+              </a:rPr>
               <a:t>&lt;http://data.nobelprize.org/terms/&gt;</a:t>
             </a:r>
             <a:r>
-              <a:rPr lang="en-IN" b="1"/>
+              <a:rPr lang="en-IN" b="1" dirty="0">
+                <a:solidFill>
+                  <a:schemeClr val="bg1">
+                    <a:lumMod val="95000"/>
+                  </a:schemeClr>
+                </a:solidFill>
+              </a:rPr>
               <a:t> </a:t>
             </a:r>
           </a:p>
@@ -7692,29 +7824,65 @@
               <a:buNone/>
             </a:pPr>
             <a:r>
-              <a:rPr lang="en-IN" b="1"/>
+              <a:rPr lang="en-IN" b="1" dirty="0">
+                <a:solidFill>
+                  <a:schemeClr val="bg1">
+                    <a:lumMod val="95000"/>
+                  </a:schemeClr>
+                </a:solidFill>
+              </a:rPr>
               <a:t>PREFIX </a:t>
             </a:r>
             <a:r>
-              <a:rPr lang="en-IN" b="1" i="1"/>
+              <a:rPr lang="en-IN" b="1" i="1" dirty="0">
+                <a:solidFill>
+                  <a:schemeClr val="bg1">
+                    <a:lumMod val="95000"/>
+                  </a:schemeClr>
+                </a:solidFill>
+              </a:rPr>
               <a:t>rdfs:</a:t>
             </a:r>
             <a:r>
-              <a:rPr lang="en-IN" b="1"/>
+              <a:rPr lang="en-IN" b="1" dirty="0">
+                <a:solidFill>
+                  <a:schemeClr val="bg1">
+                    <a:lumMod val="95000"/>
+                  </a:schemeClr>
+                </a:solidFill>
+              </a:rPr>
               <a:t> </a:t>
             </a:r>
             <a:r>
-              <a:rPr lang="en-IN" b="1" u="sng"/>
+              <a:rPr lang="en-IN" b="1" u="sng" dirty="0">
+                <a:solidFill>
+                  <a:schemeClr val="bg1">
+                    <a:lumMod val="95000"/>
+                  </a:schemeClr>
+                </a:solidFill>
+              </a:rPr>
               <a:t>&lt;http://www.w3.org/2000/01/rdf-schema#&gt;</a:t>
             </a:r>
-            <a:endParaRPr lang="en-IN" b="1"/>
+            <a:endParaRPr lang="en-IN" b="1" dirty="0">
+              <a:solidFill>
+                <a:schemeClr val="bg1">
+                  <a:lumMod val="95000"/>
+                </a:schemeClr>
+              </a:solidFill>
+            </a:endParaRPr>
           </a:p>
           <a:p>
             <a:pPr marL="0" indent="0">
               <a:buNone/>
             </a:pPr>
             <a:r>
-              <a:rPr lang="en-IN" b="1"/>
+              <a:rPr lang="en-IN" b="1" dirty="0">
+                <a:solidFill>
+                  <a:schemeClr val="bg1">
+                    <a:lumMod val="95000"/>
+                  </a:schemeClr>
+                </a:solidFill>
+              </a:rPr>
               <a:t>select Distinct ?link ?name ?label ?dob </a:t>
             </a:r>
           </a:p>
@@ -7723,7 +7891,13 @@
               <a:buNone/>
             </a:pPr>
             <a:r>
-              <a:rPr lang="en-IN" b="1"/>
+              <a:rPr lang="en-IN" b="1" dirty="0">
+                <a:solidFill>
+                  <a:schemeClr val="bg1">
+                    <a:lumMod val="95000"/>
+                  </a:schemeClr>
+                </a:solidFill>
+              </a:rPr>
               <a:t>where</a:t>
             </a:r>
           </a:p>
@@ -7732,7 +7906,13 @@
               <a:buNone/>
             </a:pPr>
             <a:r>
-              <a:rPr lang="en-IN" b="1"/>
+              <a:rPr lang="en-IN" b="1" dirty="0">
+                <a:solidFill>
+                  <a:schemeClr val="bg1">
+                    <a:lumMod val="95000"/>
+                  </a:schemeClr>
+                </a:solidFill>
+              </a:rPr>
               <a:t>{</a:t>
             </a:r>
           </a:p>
@@ -7741,15 +7921,33 @@
               <a:buNone/>
             </a:pPr>
             <a:r>
-              <a:rPr lang="en-IN" b="1"/>
+              <a:rPr lang="en-IN" b="1" dirty="0">
+                <a:solidFill>
+                  <a:schemeClr val="bg1">
+                    <a:lumMod val="95000"/>
+                  </a:schemeClr>
+                </a:solidFill>
+              </a:rPr>
               <a:t>    ?s a </a:t>
             </a:r>
             <a:r>
-              <a:rPr lang="en-IN" b="1" i="1"/>
+              <a:rPr lang="en-IN" b="1" i="1" dirty="0">
+                <a:solidFill>
+                  <a:schemeClr val="bg1">
+                    <a:lumMod val="95000"/>
+                  </a:schemeClr>
+                </a:solidFill>
+              </a:rPr>
               <a:t>nobel: </a:t>
             </a:r>
             <a:r>
-              <a:rPr lang="en-IN" b="1"/>
+              <a:rPr lang="en-IN" b="1" dirty="0">
+                <a:solidFill>
+                  <a:schemeClr val="bg1">
+                    <a:lumMod val="95000"/>
+                  </a:schemeClr>
+                </a:solidFill>
+              </a:rPr>
               <a:t>Laureate.</a:t>
             </a:r>
           </a:p>
@@ -7758,15 +7956,33 @@
               <a:buNone/>
             </a:pPr>
             <a:r>
-              <a:rPr lang="en-IN" b="1"/>
+              <a:rPr lang="en-IN" b="1" dirty="0">
+                <a:solidFill>
+                  <a:schemeClr val="bg1">
+                    <a:lumMod val="95000"/>
+                  </a:schemeClr>
+                </a:solidFill>
+              </a:rPr>
               <a:t>    ?s </a:t>
             </a:r>
             <a:r>
-              <a:rPr lang="en-IN" b="1" i="1"/>
+              <a:rPr lang="en-IN" b="1" i="1" dirty="0">
+                <a:solidFill>
+                  <a:schemeClr val="bg1">
+                    <a:lumMod val="95000"/>
+                  </a:schemeClr>
+                </a:solidFill>
+              </a:rPr>
               <a:t>foaf: name</a:t>
             </a:r>
             <a:r>
-              <a:rPr lang="en-IN" b="1"/>
+              <a:rPr lang="en-IN" b="1" dirty="0">
+                <a:solidFill>
+                  <a:schemeClr val="bg1">
+                    <a:lumMod val="95000"/>
+                  </a:schemeClr>
+                </a:solidFill>
+              </a:rPr>
               <a:t> ?name.</a:t>
             </a:r>
           </a:p>
@@ -7775,15 +7991,33 @@
               <a:buNone/>
             </a:pPr>
             <a:r>
-              <a:rPr lang="en-IN" b="1"/>
+              <a:rPr lang="en-IN" b="1" dirty="0">
+                <a:solidFill>
+                  <a:schemeClr val="bg1">
+                    <a:lumMod val="95000"/>
+                  </a:schemeClr>
+                </a:solidFill>
+              </a:rPr>
               <a:t>    ?s </a:t>
             </a:r>
             <a:r>
-              <a:rPr lang="en-IN" b="1" i="1"/>
+              <a:rPr lang="en-IN" b="1" i="1" dirty="0">
+                <a:solidFill>
+                  <a:schemeClr val="bg1">
+                    <a:lumMod val="95000"/>
+                  </a:schemeClr>
+                </a:solidFill>
+              </a:rPr>
               <a:t>foaf: birthday</a:t>
             </a:r>
             <a:r>
-              <a:rPr lang="en-IN" b="1"/>
+              <a:rPr lang="en-IN" b="1" dirty="0">
+                <a:solidFill>
+                  <a:schemeClr val="bg1">
+                    <a:lumMod val="95000"/>
+                  </a:schemeClr>
+                </a:solidFill>
+              </a:rPr>
               <a:t> ?dob.</a:t>
             </a:r>
           </a:p>
@@ -7792,15 +8026,33 @@
               <a:buNone/>
             </a:pPr>
             <a:r>
-              <a:rPr lang="en-IN" b="1"/>
+              <a:rPr lang="en-IN" b="1" dirty="0">
+                <a:solidFill>
+                  <a:schemeClr val="bg1">
+                    <a:lumMod val="95000"/>
+                  </a:schemeClr>
+                </a:solidFill>
+              </a:rPr>
               <a:t>    ?s </a:t>
             </a:r>
             <a:r>
-              <a:rPr lang="en-IN" b="1" i="1"/>
+              <a:rPr lang="en-IN" b="1" i="1" dirty="0">
+                <a:solidFill>
+                  <a:schemeClr val="bg1">
+                    <a:lumMod val="95000"/>
+                  </a:schemeClr>
+                </a:solidFill>
+              </a:rPr>
               <a:t>nobel: </a:t>
             </a:r>
             <a:r>
-              <a:rPr lang="en-IN" b="1"/>
+              <a:rPr lang="en-IN" b="1" dirty="0">
+                <a:solidFill>
+                  <a:schemeClr val="bg1">
+                    <a:lumMod val="95000"/>
+                  </a:schemeClr>
+                </a:solidFill>
+              </a:rPr>
               <a:t>laureateAward ?award.</a:t>
             </a:r>
           </a:p>
@@ -7809,15 +8061,33 @@
               <a:buNone/>
             </a:pPr>
             <a:r>
-              <a:rPr lang="en-IN" b="1"/>
+              <a:rPr lang="en-IN" b="1" dirty="0">
+                <a:solidFill>
+                  <a:schemeClr val="bg1">
+                    <a:lumMod val="95000"/>
+                  </a:schemeClr>
+                </a:solidFill>
+              </a:rPr>
               <a:t>    ?award </a:t>
             </a:r>
             <a:r>
-              <a:rPr lang="en-IN" b="1" i="1"/>
+              <a:rPr lang="en-IN" b="1" i="1" dirty="0">
+                <a:solidFill>
+                  <a:schemeClr val="bg1">
+                    <a:lumMod val="95000"/>
+                  </a:schemeClr>
+                </a:solidFill>
+              </a:rPr>
               <a:t>rdfs: label</a:t>
             </a:r>
             <a:r>
-              <a:rPr lang="en-IN" b="1"/>
+              <a:rPr lang="en-IN" b="1" dirty="0">
+                <a:solidFill>
+                  <a:schemeClr val="bg1">
+                    <a:lumMod val="95000"/>
+                  </a:schemeClr>
+                </a:solidFill>
+              </a:rPr>
               <a:t> ?label.</a:t>
             </a:r>
           </a:p>
@@ -7826,15 +8096,33 @@
               <a:buNone/>
             </a:pPr>
             <a:r>
-              <a:rPr lang="en-IN" b="1"/>
+              <a:rPr lang="en-IN" b="1" dirty="0">
+                <a:solidFill>
+                  <a:schemeClr val="bg1">
+                    <a:lumMod val="95000"/>
+                  </a:schemeClr>
+                </a:solidFill>
+              </a:rPr>
               <a:t>    ?award </a:t>
             </a:r>
             <a:r>
-              <a:rPr lang="en-IN" b="1" i="1"/>
+              <a:rPr lang="en-IN" b="1" i="1" dirty="0">
+                <a:solidFill>
+                  <a:schemeClr val="bg1">
+                    <a:lumMod val="95000"/>
+                  </a:schemeClr>
+                </a:solidFill>
+              </a:rPr>
               <a:t>nobel: year</a:t>
             </a:r>
             <a:r>
-              <a:rPr lang="en-IN" b="1"/>
+              <a:rPr lang="en-IN" b="1" dirty="0">
+                <a:solidFill>
+                  <a:schemeClr val="bg1">
+                    <a:lumMod val="95000"/>
+                  </a:schemeClr>
+                </a:solidFill>
+              </a:rPr>
               <a:t> ?year.</a:t>
             </a:r>
           </a:p>
@@ -7843,15 +8131,33 @@
               <a:buNone/>
             </a:pPr>
             <a:r>
-              <a:rPr lang="en-IN" b="1"/>
+              <a:rPr lang="en-IN" b="1" dirty="0">
+                <a:solidFill>
+                  <a:schemeClr val="bg1">
+                    <a:lumMod val="95000"/>
+                  </a:schemeClr>
+                </a:solidFill>
+              </a:rPr>
               <a:t>    ?s </a:t>
             </a:r>
             <a:r>
-              <a:rPr lang="en-IN" b="1" i="1"/>
+              <a:rPr lang="en-IN" b="1" i="1" dirty="0">
+                <a:solidFill>
+                  <a:schemeClr val="bg1">
+                    <a:lumMod val="95000"/>
+                  </a:schemeClr>
+                </a:solidFill>
+              </a:rPr>
               <a:t>owl: </a:t>
             </a:r>
             <a:r>
-              <a:rPr lang="en-IN" b="1"/>
+              <a:rPr lang="en-IN" b="1" dirty="0">
+                <a:solidFill>
+                  <a:schemeClr val="bg1">
+                    <a:lumMod val="95000"/>
+                  </a:schemeClr>
+                </a:solidFill>
+              </a:rPr>
               <a:t>sameAs ?link.</a:t>
             </a:r>
           </a:p>
@@ -7860,7 +8166,13 @@
               <a:buNone/>
             </a:pPr>
             <a:r>
-              <a:rPr lang="en-IN" b="1"/>
+              <a:rPr lang="en-IN" b="1" dirty="0">
+                <a:solidFill>
+                  <a:schemeClr val="bg1">
+                    <a:lumMod val="95000"/>
+                  </a:schemeClr>
+                </a:solidFill>
+              </a:rPr>
               <a:t>}</a:t>
             </a:r>
           </a:p>
@@ -7869,7 +8181,13 @@
               <a:buNone/>
             </a:pPr>
             <a:r>
-              <a:rPr lang="en-IN" b="1"/>
+              <a:rPr lang="en-IN" b="1" dirty="0">
+                <a:solidFill>
+                  <a:schemeClr val="bg1">
+                    <a:lumMod val="95000"/>
+                  </a:schemeClr>
+                </a:solidFill>
+              </a:rPr>
               <a:t>order by ?year</a:t>
             </a:r>
           </a:p>
@@ -7878,7 +8196,13 @@
               <a:buNone/>
             </a:pPr>
             <a:r>
-              <a:rPr lang="en-IN" b="1"/>
+              <a:rPr lang="en-IN" b="1" dirty="0">
+                <a:solidFill>
+                  <a:schemeClr val="bg1">
+                    <a:lumMod val="95000"/>
+                  </a:schemeClr>
+                </a:solidFill>
+              </a:rPr>
               <a:t>Limit 500</a:t>
             </a:r>
           </a:p>
@@ -7906,14 +8230,6 @@
 <file path=ppt/slides/slide4.xml><?xml version="1.0" encoding="utf-8"?>
 <p:sld xmlns:a="http://schemas.openxmlformats.org/drawingml/2006/main" xmlns:r="http://schemas.openxmlformats.org/officeDocument/2006/relationships" xmlns:p="http://schemas.openxmlformats.org/presentationml/2006/main">
   <p:cSld>
-    <p:bg>
-      <p:bgPr>
-        <a:solidFill>
-          <a:schemeClr val="accent1"/>
-        </a:solidFill>
-        <a:effectLst/>
-      </p:bgPr>
-    </p:bg>
     <p:spTree>
       <p:nvGrpSpPr>
         <p:cNvPr id="1" name=""/>
@@ -7930,118 +8246,10 @@
       </p:grpSpPr>
       <p:sp>
         <p:nvSpPr>
-          <p:cNvPr id="8" name="Rectangle 7">
-            <a:extLst>
-              <a:ext uri="{FF2B5EF4-FFF2-40B4-BE49-F238E27FC236}">
-                <a16:creationId xmlns:a16="http://schemas.microsoft.com/office/drawing/2014/main" id="{E89ACC69-ADF2-492B-84C5-EA2CC16071F3}"/>
-              </a:ext>
-            </a:extLst>
-          </p:cNvPr>
-          <p:cNvSpPr>
-            <a:spLocks noGrp="1" noRot="1" noChangeAspect="1" noMove="1" noResize="1" noEditPoints="1" noAdjustHandles="1" noChangeArrowheads="1" noChangeShapeType="1" noTextEdit="1"/>
-          </p:cNvSpPr>
-          <p:nvPr>
-            <p:extLst>
-              <p:ext uri="{386F3935-93C4-4BCD-93E2-E3B085C9AB24}">
-                <p16:designElem xmlns:p16="http://schemas.microsoft.com/office/powerpoint/2015/main" val="1"/>
-              </p:ext>
-            </p:extLst>
-          </p:nvPr>
-        </p:nvSpPr>
-        <p:spPr>
-          <a:xfrm>
-            <a:off x="0" y="0"/>
-            <a:ext cx="12192000" cy="6858000"/>
-          </a:xfrm>
-          <a:prstGeom prst="rect">
-            <a:avLst/>
-          </a:prstGeom>
-          <a:ln>
-            <a:noFill/>
-          </a:ln>
-        </p:spPr>
-        <p:style>
-          <a:lnRef idx="2">
-            <a:schemeClr val="accent1">
-              <a:shade val="50000"/>
-            </a:schemeClr>
-          </a:lnRef>
-          <a:fillRef idx="1">
-            <a:schemeClr val="accent1"/>
-          </a:fillRef>
-          <a:effectRef idx="0">
-            <a:schemeClr val="accent1"/>
-          </a:effectRef>
-          <a:fontRef idx="minor">
-            <a:schemeClr val="lt1"/>
-          </a:fontRef>
-        </p:style>
-        <p:txBody>
-          <a:bodyPr rtlCol="0" anchor="ctr"/>
-          <a:lstStyle/>
-          <a:p>
-            <a:pPr algn="ctr"/>
-            <a:endParaRPr lang="en-US"/>
-          </a:p>
-        </p:txBody>
-      </p:sp>
-      <p:cxnSp>
-        <p:nvCxnSpPr>
-          <p:cNvPr id="10" name="Straight Connector 9">
-            <a:extLst>
-              <a:ext uri="{FF2B5EF4-FFF2-40B4-BE49-F238E27FC236}">
-                <a16:creationId xmlns:a16="http://schemas.microsoft.com/office/drawing/2014/main" id="{F2AE495E-2AAF-4BC1-87A5-331009D82896}"/>
-              </a:ext>
-            </a:extLst>
-          </p:cNvPr>
-          <p:cNvCxnSpPr>
-            <a:cxnSpLocks noGrp="1" noRot="1" noChangeAspect="1" noMove="1" noResize="1" noEditPoints="1" noAdjustHandles="1" noChangeArrowheads="1" noChangeShapeType="1"/>
-          </p:cNvCxnSpPr>
-          <p:nvPr>
-            <p:extLst>
-              <p:ext uri="{386F3935-93C4-4BCD-93E2-E3B085C9AB24}">
-                <p16:designElem xmlns:p16="http://schemas.microsoft.com/office/powerpoint/2015/main" val="1"/>
-              </p:ext>
-            </p:extLst>
-          </p:nvPr>
-        </p:nvCxnSpPr>
-        <p:spPr>
-          <a:xfrm flipV="1">
-            <a:off x="762000" y="826324"/>
-            <a:ext cx="0" cy="914400"/>
-          </a:xfrm>
-          <a:prstGeom prst="line">
-            <a:avLst/>
-          </a:prstGeom>
-          <a:ln w="19050">
-            <a:solidFill>
-              <a:srgbClr val="FFFFFF">
-                <a:alpha val="80000"/>
-              </a:srgbClr>
-            </a:solidFill>
-          </a:ln>
-        </p:spPr>
-        <p:style>
-          <a:lnRef idx="1">
-            <a:schemeClr val="accent1"/>
-          </a:lnRef>
-          <a:fillRef idx="0">
-            <a:schemeClr val="accent1"/>
-          </a:fillRef>
-          <a:effectRef idx="0">
-            <a:schemeClr val="accent1"/>
-          </a:effectRef>
-          <a:fontRef idx="minor">
-            <a:schemeClr val="tx1"/>
-          </a:fontRef>
-        </p:style>
-      </p:cxnSp>
-      <p:sp>
-        <p:nvSpPr>
           <p:cNvPr id="2" name="Title 1">
             <a:extLst>
               <a:ext uri="{FF2B5EF4-FFF2-40B4-BE49-F238E27FC236}">
-                <a16:creationId xmlns:a16="http://schemas.microsoft.com/office/drawing/2014/main" id="{1D8501A5-873E-4EF4-9492-1784A574E7A7}"/>
+                <a16:creationId xmlns:a16="http://schemas.microsoft.com/office/drawing/2014/main" id="{CC97AA7A-D92E-440C-86D6-243C405ED0F5}"/>
               </a:ext>
             </a:extLst>
           </p:cNvPr>
@@ -8052,367 +8260,673 @@
             <p:ph type="title"/>
           </p:nvPr>
         </p:nvSpPr>
-        <p:spPr>
-          <a:xfrm>
-            <a:off x="943276" y="712268"/>
-            <a:ext cx="10410524" cy="1193533"/>
-          </a:xfrm>
-        </p:spPr>
+        <p:spPr/>
         <p:txBody>
-          <a:bodyPr>
-            <a:normAutofit/>
-          </a:bodyPr>
+          <a:bodyPr/>
           <a:lstStyle/>
           <a:p>
             <a:r>
-              <a:rPr lang="en-US">
-                <a:solidFill>
-                  <a:srgbClr val="FFFFFF"/>
-                </a:solidFill>
-              </a:rPr>
-              <a:t>Data From dbpedia</a:t>
-            </a:r>
-            <a:endParaRPr lang="en-IN">
-              <a:solidFill>
-                <a:srgbClr val="FFFFFF"/>
-              </a:solidFill>
-            </a:endParaRPr>
+              <a:rPr lang="en-US" dirty="0"/>
+              <a:t>Result</a:t>
+            </a:r>
+            <a:endParaRPr lang="en-IN" dirty="0"/>
           </a:p>
         </p:txBody>
       </p:sp>
-      <p:sp>
-        <p:nvSpPr>
-          <p:cNvPr id="3" name="Content Placeholder 2">
+      <p:graphicFrame>
+        <p:nvGraphicFramePr>
+          <p:cNvPr id="4" name="Content Placeholder 3">
             <a:extLst>
               <a:ext uri="{FF2B5EF4-FFF2-40B4-BE49-F238E27FC236}">
-                <a16:creationId xmlns:a16="http://schemas.microsoft.com/office/drawing/2014/main" id="{DE7FBEDC-DA43-4828-8585-2110229206CD}"/>
+                <a16:creationId xmlns:a16="http://schemas.microsoft.com/office/drawing/2014/main" id="{2BC0EABF-7C32-44E6-9F8B-B2B0AF9B32A8}"/>
               </a:ext>
             </a:extLst>
           </p:cNvPr>
-          <p:cNvSpPr>
-            <a:spLocks noGrp="1"/>
-          </p:cNvSpPr>
+          <p:cNvGraphicFramePr>
+            <a:graphicFrameLocks noGrp="1"/>
+          </p:cNvGraphicFramePr>
           <p:nvPr>
             <p:ph idx="1"/>
+            <p:extLst>
+              <p:ext uri="{D42A27DB-BD31-4B8C-83A1-F6EECF244321}">
+                <p14:modId xmlns:p14="http://schemas.microsoft.com/office/powerpoint/2010/main" val="2741659211"/>
+              </p:ext>
+            </p:extLst>
           </p:nvPr>
-        </p:nvSpPr>
-        <p:spPr>
-          <a:xfrm>
-            <a:off x="943276" y="2050181"/>
-            <a:ext cx="10410524" cy="4126782"/>
-          </a:xfrm>
-        </p:spPr>
-        <p:txBody>
-          <a:bodyPr>
-            <a:normAutofit/>
-          </a:bodyPr>
-          <a:lstStyle/>
-          <a:p>
-            <a:pPr marL="0" indent="0">
-              <a:buNone/>
-            </a:pPr>
-            <a:r>
-              <a:rPr lang="en-IN" sz="2000" b="1">
-                <a:solidFill>
-                  <a:srgbClr val="FFFFFF"/>
-                </a:solidFill>
-              </a:rPr>
-              <a:t>PREFIX </a:t>
-            </a:r>
-            <a:r>
-              <a:rPr lang="en-IN" sz="2000" b="1" i="1">
-                <a:solidFill>
-                  <a:srgbClr val="FFFFFF"/>
-                </a:solidFill>
-              </a:rPr>
-              <a:t>dbo:</a:t>
-            </a:r>
-            <a:r>
-              <a:rPr lang="en-IN" sz="2000" b="1">
-                <a:solidFill>
-                  <a:srgbClr val="FFFFFF"/>
-                </a:solidFill>
-              </a:rPr>
-              <a:t> </a:t>
-            </a:r>
-            <a:r>
-              <a:rPr lang="en-IN" sz="2000" b="1" u="sng">
-                <a:solidFill>
-                  <a:srgbClr val="FFFFFF"/>
-                </a:solidFill>
-              </a:rPr>
-              <a:t>&lt;http://dbpedia.org/ontology/&gt;</a:t>
-            </a:r>
-            <a:r>
-              <a:rPr lang="en-IN" sz="2000" b="1">
-                <a:solidFill>
-                  <a:srgbClr val="FFFFFF"/>
-                </a:solidFill>
-              </a:rPr>
-              <a:t> </a:t>
-            </a:r>
-          </a:p>
-          <a:p>
-            <a:pPr marL="0" indent="0">
-              <a:buNone/>
-            </a:pPr>
-            <a:r>
-              <a:rPr lang="en-IN" sz="2000" b="1">
-                <a:solidFill>
-                  <a:srgbClr val="FFFFFF"/>
-                </a:solidFill>
-              </a:rPr>
-              <a:t>PREFIX </a:t>
-            </a:r>
-            <a:r>
-              <a:rPr lang="en-IN" sz="2000" b="1" i="1">
-                <a:solidFill>
-                  <a:srgbClr val="FFFFFF"/>
-                </a:solidFill>
-              </a:rPr>
-              <a:t>dbp:</a:t>
-            </a:r>
-            <a:r>
-              <a:rPr lang="en-IN" sz="2000" b="1">
-                <a:solidFill>
-                  <a:srgbClr val="FFFFFF"/>
-                </a:solidFill>
-              </a:rPr>
-              <a:t> </a:t>
-            </a:r>
-            <a:r>
-              <a:rPr lang="en-IN" sz="2000" b="1" u="sng">
-                <a:solidFill>
-                  <a:srgbClr val="FFFFFF"/>
-                </a:solidFill>
-              </a:rPr>
-              <a:t>&lt;http://dbpedia.org/property/&gt;</a:t>
-            </a:r>
-            <a:r>
-              <a:rPr lang="en-IN" sz="2000" b="1">
-                <a:solidFill>
-                  <a:srgbClr val="FFFFFF"/>
-                </a:solidFill>
-              </a:rPr>
-              <a:t> </a:t>
-            </a:r>
-          </a:p>
-          <a:p>
-            <a:pPr marL="0" indent="0">
-              <a:buNone/>
-            </a:pPr>
-            <a:r>
-              <a:rPr lang="en-IN" sz="2000" b="1">
-                <a:solidFill>
-                  <a:srgbClr val="FFFFFF"/>
-                </a:solidFill>
-              </a:rPr>
-              <a:t>PREFIX </a:t>
-            </a:r>
-            <a:r>
-              <a:rPr lang="en-IN" sz="2000" b="1" i="1">
-                <a:solidFill>
-                  <a:srgbClr val="FFFFFF"/>
-                </a:solidFill>
-              </a:rPr>
-              <a:t>dct:</a:t>
-            </a:r>
-            <a:r>
-              <a:rPr lang="en-IN" sz="2000" b="1">
-                <a:solidFill>
-                  <a:srgbClr val="FFFFFF"/>
-                </a:solidFill>
-              </a:rPr>
-              <a:t> </a:t>
-            </a:r>
-            <a:r>
-              <a:rPr lang="en-IN" sz="2000" b="1" u="sng">
-                <a:solidFill>
-                  <a:srgbClr val="FFFFFF"/>
-                </a:solidFill>
-              </a:rPr>
-              <a:t>&lt;http://purl.org/dc/terms/&gt;</a:t>
-            </a:r>
-            <a:r>
-              <a:rPr lang="en-IN" sz="2000" b="1">
-                <a:solidFill>
-                  <a:srgbClr val="FFFFFF"/>
-                </a:solidFill>
-              </a:rPr>
-              <a:t> </a:t>
-            </a:r>
-          </a:p>
-          <a:p>
-            <a:pPr marL="0" indent="0">
-              <a:buNone/>
-            </a:pPr>
-            <a:r>
-              <a:rPr lang="en-IN" sz="2000" b="1">
-                <a:solidFill>
-                  <a:srgbClr val="FFFFFF"/>
-                </a:solidFill>
-              </a:rPr>
-              <a:t>select distinct </a:t>
-            </a:r>
-            <a:r>
-              <a:rPr lang="en-IN" sz="2000" b="1" i="1">
-                <a:solidFill>
-                  <a:srgbClr val="FFFFFF"/>
-                </a:solidFill>
-              </a:rPr>
-              <a:t>*</a:t>
-            </a:r>
-            <a:r>
-              <a:rPr lang="en-IN" sz="2000" b="1">
-                <a:solidFill>
-                  <a:srgbClr val="FFFFFF"/>
-                </a:solidFill>
-              </a:rPr>
-              <a:t> </a:t>
-            </a:r>
-          </a:p>
-          <a:p>
-            <a:pPr marL="0" indent="0">
-              <a:buNone/>
-            </a:pPr>
-            <a:r>
-              <a:rPr lang="en-IN" sz="2000" b="1">
-                <a:solidFill>
-                  <a:srgbClr val="FFFFFF"/>
-                </a:solidFill>
-              </a:rPr>
-              <a:t>where</a:t>
-            </a:r>
-          </a:p>
-          <a:p>
-            <a:pPr marL="0" indent="0">
-              <a:buNone/>
-            </a:pPr>
-            <a:r>
-              <a:rPr lang="en-IN" sz="2000" b="1">
-                <a:solidFill>
-                  <a:srgbClr val="FFFFFF"/>
-                </a:solidFill>
-              </a:rPr>
-              <a:t>{</a:t>
-            </a:r>
-          </a:p>
-          <a:p>
-            <a:pPr marL="0" indent="0">
-              <a:buNone/>
-            </a:pPr>
-            <a:r>
-              <a:rPr lang="en-IN" sz="2000" b="1">
-                <a:solidFill>
-                  <a:srgbClr val="FFFFFF"/>
-                </a:solidFill>
-              </a:rPr>
-              <a:t>    links[index]  </a:t>
-            </a:r>
-            <a:r>
-              <a:rPr lang="en-IN" sz="2000" b="1" i="1">
-                <a:solidFill>
-                  <a:srgbClr val="FFFFFF"/>
-                </a:solidFill>
-              </a:rPr>
-              <a:t>foaf: name</a:t>
-            </a:r>
-            <a:r>
-              <a:rPr lang="en-IN" sz="2000" b="1">
-                <a:solidFill>
-                  <a:srgbClr val="FFFFFF"/>
-                </a:solidFill>
-              </a:rPr>
-              <a:t> ?name.</a:t>
-            </a:r>
-          </a:p>
-          <a:p>
-            <a:pPr marL="0" indent="0">
-              <a:buNone/>
-            </a:pPr>
-            <a:r>
-              <a:rPr lang="en-IN" sz="2000" b="1">
-                <a:solidFill>
-                  <a:srgbClr val="FFFFFF"/>
-                </a:solidFill>
-              </a:rPr>
-              <a:t>    links[index]  </a:t>
-            </a:r>
-            <a:r>
-              <a:rPr lang="en-IN" sz="2000" b="1" i="1">
-                <a:solidFill>
-                  <a:srgbClr val="FFFFFF"/>
-                </a:solidFill>
-              </a:rPr>
-              <a:t>dbo: thumbnail</a:t>
-            </a:r>
-            <a:r>
-              <a:rPr lang="en-IN" sz="2000" b="1">
-                <a:solidFill>
-                  <a:srgbClr val="FFFFFF"/>
-                </a:solidFill>
-              </a:rPr>
-              <a:t> ?thumbnail.</a:t>
-            </a:r>
-          </a:p>
-          <a:p>
-            <a:pPr marL="0" indent="0">
-              <a:buNone/>
-            </a:pPr>
-            <a:r>
-              <a:rPr lang="en-IN" sz="2000" b="1">
-                <a:solidFill>
-                  <a:srgbClr val="FFFFFF"/>
-                </a:solidFill>
-              </a:rPr>
-              <a:t>    links[index]  </a:t>
-            </a:r>
-            <a:r>
-              <a:rPr lang="en-IN" sz="2000" b="1" i="1">
-                <a:solidFill>
-                  <a:srgbClr val="FFFFFF"/>
-                </a:solidFill>
-              </a:rPr>
-              <a:t>dct: description</a:t>
-            </a:r>
-            <a:r>
-              <a:rPr lang="en-IN" sz="2000" b="1">
-                <a:solidFill>
-                  <a:srgbClr val="FFFFFF"/>
-                </a:solidFill>
-              </a:rPr>
-              <a:t> ?description.</a:t>
-            </a:r>
-          </a:p>
-          <a:p>
-            <a:pPr marL="0" indent="0">
-              <a:buNone/>
-            </a:pPr>
-            <a:r>
-              <a:rPr lang="en-IN" sz="2000" b="1">
-                <a:solidFill>
-                  <a:srgbClr val="FFFFFF"/>
-                </a:solidFill>
-              </a:rPr>
-              <a:t>}</a:t>
-            </a:r>
-          </a:p>
-          <a:p>
-            <a:pPr marL="0" indent="0">
-              <a:buNone/>
-            </a:pPr>
-            <a:endParaRPr lang="en-IN" sz="2000">
-              <a:solidFill>
-                <a:srgbClr val="FFFFFF"/>
-              </a:solidFill>
-            </a:endParaRPr>
-          </a:p>
-        </p:txBody>
-      </p:sp>
+        </p:nvGraphicFramePr>
+        <p:xfrm>
+          <a:off x="838200" y="1825625"/>
+          <a:ext cx="10515600" cy="4503928"/>
+        </p:xfrm>
+        <a:graphic>
+          <a:graphicData uri="http://schemas.openxmlformats.org/drawingml/2006/table">
+            <a:tbl>
+              <a:tblPr firstRow="1" bandRow="1">
+                <a:tableStyleId>{5C22544A-7EE6-4342-B048-85BDC9FD1C3A}</a:tableStyleId>
+              </a:tblPr>
+              <a:tblGrid>
+                <a:gridCol w="2628900">
+                  <a:extLst>
+                    <a:ext uri="{9D8B030D-6E8A-4147-A177-3AD203B41FA5}">
+                      <a16:colId xmlns:a16="http://schemas.microsoft.com/office/drawing/2014/main" val="1480711688"/>
+                    </a:ext>
+                  </a:extLst>
+                </a:gridCol>
+                <a:gridCol w="2628900">
+                  <a:extLst>
+                    <a:ext uri="{9D8B030D-6E8A-4147-A177-3AD203B41FA5}">
+                      <a16:colId xmlns:a16="http://schemas.microsoft.com/office/drawing/2014/main" val="3336379294"/>
+                    </a:ext>
+                  </a:extLst>
+                </a:gridCol>
+                <a:gridCol w="2628900">
+                  <a:extLst>
+                    <a:ext uri="{9D8B030D-6E8A-4147-A177-3AD203B41FA5}">
+                      <a16:colId xmlns:a16="http://schemas.microsoft.com/office/drawing/2014/main" val="137373737"/>
+                    </a:ext>
+                  </a:extLst>
+                </a:gridCol>
+                <a:gridCol w="2628900">
+                  <a:extLst>
+                    <a:ext uri="{9D8B030D-6E8A-4147-A177-3AD203B41FA5}">
+                      <a16:colId xmlns:a16="http://schemas.microsoft.com/office/drawing/2014/main" val="117420363"/>
+                    </a:ext>
+                  </a:extLst>
+                </a:gridCol>
+              </a:tblGrid>
+              <a:tr h="370840">
+                <a:tc>
+                  <a:txBody>
+                    <a:bodyPr/>
+                    <a:lstStyle/>
+                    <a:p>
+                      <a:r>
+                        <a:rPr lang="en-US" dirty="0"/>
+                        <a:t>Link</a:t>
+                      </a:r>
+                      <a:endParaRPr lang="en-IN" dirty="0"/>
+                    </a:p>
+                  </a:txBody>
+                  <a:tcPr/>
+                </a:tc>
+                <a:tc>
+                  <a:txBody>
+                    <a:bodyPr/>
+                    <a:lstStyle/>
+                    <a:p>
+                      <a:r>
+                        <a:rPr lang="en-US" dirty="0"/>
+                        <a:t>Name</a:t>
+                      </a:r>
+                      <a:endParaRPr lang="en-IN" dirty="0"/>
+                    </a:p>
+                  </a:txBody>
+                  <a:tcPr/>
+                </a:tc>
+                <a:tc>
+                  <a:txBody>
+                    <a:bodyPr/>
+                    <a:lstStyle/>
+                    <a:p>
+                      <a:r>
+                        <a:rPr lang="en-US" dirty="0"/>
+                        <a:t>Label</a:t>
+                      </a:r>
+                      <a:endParaRPr lang="en-IN" dirty="0"/>
+                    </a:p>
+                  </a:txBody>
+                  <a:tcPr/>
+                </a:tc>
+                <a:tc>
+                  <a:txBody>
+                    <a:bodyPr/>
+                    <a:lstStyle/>
+                    <a:p>
+                      <a:r>
+                        <a:rPr lang="en-US" dirty="0"/>
+                        <a:t>DOB</a:t>
+                      </a:r>
+                      <a:endParaRPr lang="en-IN" dirty="0"/>
+                    </a:p>
+                  </a:txBody>
+                  <a:tcPr/>
+                </a:tc>
+                <a:extLst>
+                  <a:ext uri="{0D108BD9-81ED-4DB2-BD59-A6C34878D82A}">
+                    <a16:rowId xmlns:a16="http://schemas.microsoft.com/office/drawing/2014/main" val="160680013"/>
+                  </a:ext>
+                </a:extLst>
+              </a:tr>
+              <a:tr h="370840">
+                <a:tc>
+                  <a:txBody>
+                    <a:bodyPr/>
+                    <a:lstStyle/>
+                    <a:p>
+                      <a:pPr fontAlgn="t"/>
+                      <a:r>
+                        <a:rPr lang="en-IN" u="none" strike="noStrike" dirty="0" err="1">
+                          <a:effectLst/>
+                          <a:hlinkClick r:id="rId2" tooltip="&lt;http://dbpedia.org/resource/Wilhelm_Röntgen&gt;"/>
+                        </a:rPr>
+                        <a:t>dbpedia:Wilhelm_Röntgen</a:t>
+                      </a:r>
+                      <a:r>
+                        <a:rPr lang="en-IN" dirty="0">
+                          <a:effectLst/>
+                        </a:rPr>
+                        <a:t> </a:t>
+                      </a:r>
+                    </a:p>
+                  </a:txBody>
+                  <a:tcPr marL="48768" marR="48768" marT="24384" marB="24384"/>
+                </a:tc>
+                <a:tc>
+                  <a:txBody>
+                    <a:bodyPr/>
+                    <a:lstStyle/>
+                    <a:p>
+                      <a:pPr fontAlgn="t"/>
+                      <a:r>
+                        <a:rPr lang="en-IN">
+                          <a:effectLst/>
+                        </a:rPr>
+                        <a:t>"Wilhelm Conrad Röntgen"</a:t>
+                      </a:r>
+                    </a:p>
+                  </a:txBody>
+                  <a:tcPr marL="48768" marR="48768" marT="24384" marB="24384"/>
+                </a:tc>
+                <a:tc>
+                  <a:txBody>
+                    <a:bodyPr/>
+                    <a:lstStyle/>
+                    <a:p>
+                      <a:pPr fontAlgn="t"/>
+                      <a:r>
+                        <a:rPr lang="en-IN">
+                          <a:effectLst/>
+                        </a:rPr>
+                        <a:t>"Physics 1901, Wilhelm Conrad Röntgen"</a:t>
+                      </a:r>
+                    </a:p>
+                  </a:txBody>
+                  <a:tcPr marL="48768" marR="48768" marT="24384" marB="24384"/>
+                </a:tc>
+                <a:tc>
+                  <a:txBody>
+                    <a:bodyPr/>
+                    <a:lstStyle/>
+                    <a:p>
+                      <a:pPr fontAlgn="t"/>
+                      <a:r>
+                        <a:rPr lang="en-IN" dirty="0">
+                          <a:effectLst/>
+                        </a:rPr>
+                        <a:t>"1845-03-27"^^</a:t>
+                      </a:r>
+                      <a:r>
+                        <a:rPr lang="en-IN" dirty="0" err="1">
+                          <a:effectLst/>
+                        </a:rPr>
+                        <a:t>xsd:date</a:t>
+                      </a:r>
+                      <a:endParaRPr lang="en-IN" dirty="0">
+                        <a:effectLst/>
+                      </a:endParaRPr>
+                    </a:p>
+                  </a:txBody>
+                  <a:tcPr marL="48768" marR="48768" marT="24384" marB="24384"/>
+                </a:tc>
+                <a:extLst>
+                  <a:ext uri="{0D108BD9-81ED-4DB2-BD59-A6C34878D82A}">
+                    <a16:rowId xmlns:a16="http://schemas.microsoft.com/office/drawing/2014/main" val="2353193285"/>
+                  </a:ext>
+                </a:extLst>
+              </a:tr>
+              <a:tr h="370840">
+                <a:tc>
+                  <a:txBody>
+                    <a:bodyPr/>
+                    <a:lstStyle/>
+                    <a:p>
+                      <a:pPr fontAlgn="t"/>
+                      <a:r>
+                        <a:rPr lang="nl-NL" u="none" strike="noStrike" dirty="0">
+                          <a:effectLst/>
+                          <a:hlinkClick r:id="rId3" tooltip="&lt;http://dbpedia.org/resource/Jacobus_Henricus_van_'t_Hoff&gt;"/>
+                        </a:rPr>
+                        <a:t>dbpedia:Jacobus_Henricus_van_'t_Hoff</a:t>
+                      </a:r>
+                      <a:r>
+                        <a:rPr lang="nl-NL" dirty="0">
+                          <a:effectLst/>
+                        </a:rPr>
+                        <a:t> </a:t>
+                      </a:r>
+                    </a:p>
+                  </a:txBody>
+                  <a:tcPr marL="48768" marR="48768" marT="24384" marB="24384"/>
+                </a:tc>
+                <a:tc>
+                  <a:txBody>
+                    <a:bodyPr/>
+                    <a:lstStyle/>
+                    <a:p>
+                      <a:pPr fontAlgn="t"/>
+                      <a:r>
+                        <a:rPr lang="nl-NL">
+                          <a:effectLst/>
+                        </a:rPr>
+                        <a:t>"Jacobus Henricus van 't Hoff"</a:t>
+                      </a:r>
+                    </a:p>
+                  </a:txBody>
+                  <a:tcPr marL="48768" marR="48768" marT="24384" marB="24384"/>
+                </a:tc>
+                <a:tc>
+                  <a:txBody>
+                    <a:bodyPr/>
+                    <a:lstStyle/>
+                    <a:p>
+                      <a:pPr fontAlgn="t"/>
+                      <a:r>
+                        <a:rPr lang="nl-NL">
+                          <a:effectLst/>
+                        </a:rPr>
+                        <a:t>"Chemistry 1901, Jacobus Henricus van 't Hoff"</a:t>
+                      </a:r>
+                    </a:p>
+                  </a:txBody>
+                  <a:tcPr marL="48768" marR="48768" marT="24384" marB="24384"/>
+                </a:tc>
+                <a:tc>
+                  <a:txBody>
+                    <a:bodyPr/>
+                    <a:lstStyle/>
+                    <a:p>
+                      <a:pPr fontAlgn="t"/>
+                      <a:r>
+                        <a:rPr lang="en-IN" dirty="0">
+                          <a:effectLst/>
+                        </a:rPr>
+                        <a:t>"1852-08-30"^^</a:t>
+                      </a:r>
+                      <a:r>
+                        <a:rPr lang="en-IN" dirty="0" err="1">
+                          <a:effectLst/>
+                        </a:rPr>
+                        <a:t>xsd:date</a:t>
+                      </a:r>
+                      <a:endParaRPr lang="en-IN" dirty="0">
+                        <a:effectLst/>
+                      </a:endParaRPr>
+                    </a:p>
+                  </a:txBody>
+                  <a:tcPr marL="48768" marR="48768" marT="24384" marB="24384"/>
+                </a:tc>
+                <a:extLst>
+                  <a:ext uri="{0D108BD9-81ED-4DB2-BD59-A6C34878D82A}">
+                    <a16:rowId xmlns:a16="http://schemas.microsoft.com/office/drawing/2014/main" val="399234047"/>
+                  </a:ext>
+                </a:extLst>
+              </a:tr>
+              <a:tr h="370840">
+                <a:tc>
+                  <a:txBody>
+                    <a:bodyPr/>
+                    <a:lstStyle/>
+                    <a:p>
+                      <a:pPr fontAlgn="t"/>
+                      <a:r>
+                        <a:rPr lang="en-IN" u="none" strike="noStrike" dirty="0">
+                          <a:effectLst/>
+                          <a:hlinkClick r:id="rId4" tooltip="&lt;http://rdf.freebase.com/ns/m.0bsmm&gt;"/>
+                        </a:rPr>
+                        <a:t>freebase:m.0bsmm</a:t>
+                      </a:r>
+                      <a:r>
+                        <a:rPr lang="en-IN" dirty="0">
+                          <a:effectLst/>
+                        </a:rPr>
+                        <a:t> </a:t>
+                      </a:r>
+                    </a:p>
+                  </a:txBody>
+                  <a:tcPr marL="48768" marR="48768" marT="24384" marB="24384"/>
+                </a:tc>
+                <a:tc>
+                  <a:txBody>
+                    <a:bodyPr/>
+                    <a:lstStyle/>
+                    <a:p>
+                      <a:pPr fontAlgn="t"/>
+                      <a:r>
+                        <a:rPr lang="nl-NL">
+                          <a:effectLst/>
+                        </a:rPr>
+                        <a:t>"Jacobus Henricus van 't Hoff"</a:t>
+                      </a:r>
+                    </a:p>
+                  </a:txBody>
+                  <a:tcPr marL="48768" marR="48768" marT="24384" marB="24384"/>
+                </a:tc>
+                <a:tc>
+                  <a:txBody>
+                    <a:bodyPr/>
+                    <a:lstStyle/>
+                    <a:p>
+                      <a:pPr fontAlgn="t"/>
+                      <a:r>
+                        <a:rPr lang="nl-NL">
+                          <a:effectLst/>
+                        </a:rPr>
+                        <a:t>"Chemistry 1901, Jacobus Henricus van 't Hoff"</a:t>
+                      </a:r>
+                    </a:p>
+                  </a:txBody>
+                  <a:tcPr marL="48768" marR="48768" marT="24384" marB="24384"/>
+                </a:tc>
+                <a:tc>
+                  <a:txBody>
+                    <a:bodyPr/>
+                    <a:lstStyle/>
+                    <a:p>
+                      <a:pPr fontAlgn="t"/>
+                      <a:r>
+                        <a:rPr lang="en-IN" dirty="0">
+                          <a:effectLst/>
+                        </a:rPr>
+                        <a:t>"1852-08-30"^^</a:t>
+                      </a:r>
+                      <a:r>
+                        <a:rPr lang="en-IN" dirty="0" err="1">
+                          <a:effectLst/>
+                        </a:rPr>
+                        <a:t>xsd:date</a:t>
+                      </a:r>
+                      <a:endParaRPr lang="en-IN" dirty="0">
+                        <a:effectLst/>
+                      </a:endParaRPr>
+                    </a:p>
+                  </a:txBody>
+                  <a:tcPr marL="48768" marR="48768" marT="24384" marB="24384"/>
+                </a:tc>
+                <a:extLst>
+                  <a:ext uri="{0D108BD9-81ED-4DB2-BD59-A6C34878D82A}">
+                    <a16:rowId xmlns:a16="http://schemas.microsoft.com/office/drawing/2014/main" val="4000422545"/>
+                  </a:ext>
+                </a:extLst>
+              </a:tr>
+              <a:tr h="370840">
+                <a:tc>
+                  <a:txBody>
+                    <a:bodyPr/>
+                    <a:lstStyle/>
+                    <a:p>
+                      <a:pPr fontAlgn="t"/>
+                      <a:r>
+                        <a:rPr lang="nl-NL" u="none" strike="noStrike" dirty="0">
+                          <a:effectLst/>
+                          <a:hlinkClick r:id="rId5" tooltip="&lt;http://yago-knowledge.org/resource/Jacobus_Henricus_van_'t_Hoff&gt;"/>
+                        </a:rPr>
+                        <a:t>yago:Jacobus_Henricus_van_'t_Hoff</a:t>
+                      </a:r>
+                      <a:r>
+                        <a:rPr lang="nl-NL" dirty="0">
+                          <a:effectLst/>
+                        </a:rPr>
+                        <a:t> </a:t>
+                      </a:r>
+                    </a:p>
+                  </a:txBody>
+                  <a:tcPr marL="48768" marR="48768" marT="24384" marB="24384"/>
+                </a:tc>
+                <a:tc>
+                  <a:txBody>
+                    <a:bodyPr/>
+                    <a:lstStyle/>
+                    <a:p>
+                      <a:pPr fontAlgn="t"/>
+                      <a:r>
+                        <a:rPr lang="nl-NL">
+                          <a:effectLst/>
+                        </a:rPr>
+                        <a:t>"Jacobus Henricus van 't Hoff"</a:t>
+                      </a:r>
+                    </a:p>
+                  </a:txBody>
+                  <a:tcPr marL="48768" marR="48768" marT="24384" marB="24384"/>
+                </a:tc>
+                <a:tc>
+                  <a:txBody>
+                    <a:bodyPr/>
+                    <a:lstStyle/>
+                    <a:p>
+                      <a:pPr fontAlgn="t"/>
+                      <a:r>
+                        <a:rPr lang="nl-NL">
+                          <a:effectLst/>
+                        </a:rPr>
+                        <a:t>"Chemistry 1901, Jacobus Henricus van 't Hoff"</a:t>
+                      </a:r>
+                    </a:p>
+                  </a:txBody>
+                  <a:tcPr marL="48768" marR="48768" marT="24384" marB="24384"/>
+                </a:tc>
+                <a:tc>
+                  <a:txBody>
+                    <a:bodyPr/>
+                    <a:lstStyle/>
+                    <a:p>
+                      <a:pPr fontAlgn="t"/>
+                      <a:r>
+                        <a:rPr lang="en-IN" dirty="0">
+                          <a:effectLst/>
+                        </a:rPr>
+                        <a:t>"1852-08-30"^^</a:t>
+                      </a:r>
+                      <a:r>
+                        <a:rPr lang="en-IN" dirty="0" err="1">
+                          <a:effectLst/>
+                        </a:rPr>
+                        <a:t>xsd:date</a:t>
+                      </a:r>
+                      <a:endParaRPr lang="en-IN" dirty="0">
+                        <a:effectLst/>
+                      </a:endParaRPr>
+                    </a:p>
+                  </a:txBody>
+                  <a:tcPr marL="48768" marR="48768" marT="24384" marB="24384"/>
+                </a:tc>
+                <a:extLst>
+                  <a:ext uri="{0D108BD9-81ED-4DB2-BD59-A6C34878D82A}">
+                    <a16:rowId xmlns:a16="http://schemas.microsoft.com/office/drawing/2014/main" val="1843993403"/>
+                  </a:ext>
+                </a:extLst>
+              </a:tr>
+              <a:tr h="370840">
+                <a:tc>
+                  <a:txBody>
+                    <a:bodyPr/>
+                    <a:lstStyle/>
+                    <a:p>
+                      <a:pPr fontAlgn="t"/>
+                      <a:r>
+                        <a:rPr lang="en-IN" u="none" strike="noStrike" dirty="0" err="1">
+                          <a:effectLst/>
+                          <a:hlinkClick r:id="rId6" tooltip="&lt;http://dbpedia.org/resource/Emil_Adolf_von_Behring&gt;"/>
+                        </a:rPr>
+                        <a:t>dbpedia:Emil_Adolf_von_Behring</a:t>
+                      </a:r>
+                      <a:r>
+                        <a:rPr lang="en-IN" dirty="0">
+                          <a:effectLst/>
+                        </a:rPr>
+                        <a:t> </a:t>
+                      </a:r>
+                    </a:p>
+                  </a:txBody>
+                  <a:tcPr marL="48768" marR="48768" marT="24384" marB="24384"/>
+                </a:tc>
+                <a:tc>
+                  <a:txBody>
+                    <a:bodyPr/>
+                    <a:lstStyle/>
+                    <a:p>
+                      <a:pPr fontAlgn="t"/>
+                      <a:r>
+                        <a:rPr lang="en-IN">
+                          <a:effectLst/>
+                        </a:rPr>
+                        <a:t>"Emil Adolf von Behring"</a:t>
+                      </a:r>
+                    </a:p>
+                  </a:txBody>
+                  <a:tcPr marL="48768" marR="48768" marT="24384" marB="24384"/>
+                </a:tc>
+                <a:tc>
+                  <a:txBody>
+                    <a:bodyPr/>
+                    <a:lstStyle/>
+                    <a:p>
+                      <a:pPr fontAlgn="t"/>
+                      <a:r>
+                        <a:rPr lang="en-US">
+                          <a:effectLst/>
+                        </a:rPr>
+                        <a:t>"Physiology or Medicine 1901, Emil Adolf von Behring"</a:t>
+                      </a:r>
+                    </a:p>
+                  </a:txBody>
+                  <a:tcPr marL="48768" marR="48768" marT="24384" marB="24384"/>
+                </a:tc>
+                <a:tc>
+                  <a:txBody>
+                    <a:bodyPr/>
+                    <a:lstStyle/>
+                    <a:p>
+                      <a:pPr fontAlgn="t"/>
+                      <a:r>
+                        <a:rPr lang="en-IN" dirty="0">
+                          <a:effectLst/>
+                        </a:rPr>
+                        <a:t>"1854-03-15"^^</a:t>
+                      </a:r>
+                      <a:r>
+                        <a:rPr lang="en-IN" dirty="0" err="1">
+                          <a:effectLst/>
+                        </a:rPr>
+                        <a:t>xsd:date</a:t>
+                      </a:r>
+                      <a:endParaRPr lang="en-IN" dirty="0">
+                        <a:effectLst/>
+                      </a:endParaRPr>
+                    </a:p>
+                  </a:txBody>
+                  <a:tcPr marL="48768" marR="48768" marT="24384" marB="24384"/>
+                </a:tc>
+                <a:extLst>
+                  <a:ext uri="{0D108BD9-81ED-4DB2-BD59-A6C34878D82A}">
+                    <a16:rowId xmlns:a16="http://schemas.microsoft.com/office/drawing/2014/main" val="425611796"/>
+                  </a:ext>
+                </a:extLst>
+              </a:tr>
+              <a:tr h="370840">
+                <a:tc>
+                  <a:txBody>
+                    <a:bodyPr/>
+                    <a:lstStyle/>
+                    <a:p>
+                      <a:pPr fontAlgn="t"/>
+                      <a:r>
+                        <a:rPr lang="en-IN" u="none" strike="noStrike" dirty="0">
+                          <a:effectLst/>
+                          <a:hlinkClick r:id="rId7" tooltip="&lt;http://rdf.freebase.com/ns/m.0d_nr&gt;"/>
+                        </a:rPr>
+                        <a:t>freebase:m.0d_nr</a:t>
+                      </a:r>
+                      <a:r>
+                        <a:rPr lang="en-IN" dirty="0">
+                          <a:effectLst/>
+                        </a:rPr>
+                        <a:t> </a:t>
+                      </a:r>
+                    </a:p>
+                  </a:txBody>
+                  <a:tcPr marL="48768" marR="48768" marT="24384" marB="24384"/>
+                </a:tc>
+                <a:tc>
+                  <a:txBody>
+                    <a:bodyPr/>
+                    <a:lstStyle/>
+                    <a:p>
+                      <a:pPr fontAlgn="t"/>
+                      <a:r>
+                        <a:rPr lang="en-IN">
+                          <a:effectLst/>
+                        </a:rPr>
+                        <a:t>"Emil Adolf von Behring"</a:t>
+                      </a:r>
+                    </a:p>
+                  </a:txBody>
+                  <a:tcPr marL="48768" marR="48768" marT="24384" marB="24384"/>
+                </a:tc>
+                <a:tc>
+                  <a:txBody>
+                    <a:bodyPr/>
+                    <a:lstStyle/>
+                    <a:p>
+                      <a:pPr fontAlgn="t"/>
+                      <a:r>
+                        <a:rPr lang="en-US">
+                          <a:effectLst/>
+                        </a:rPr>
+                        <a:t>"Physiology or Medicine 1901, Emil Adolf von Behring"</a:t>
+                      </a:r>
+                    </a:p>
+                  </a:txBody>
+                  <a:tcPr marL="48768" marR="48768" marT="24384" marB="24384"/>
+                </a:tc>
+                <a:tc>
+                  <a:txBody>
+                    <a:bodyPr/>
+                    <a:lstStyle/>
+                    <a:p>
+                      <a:pPr fontAlgn="t"/>
+                      <a:r>
+                        <a:rPr lang="en-IN" dirty="0">
+                          <a:effectLst/>
+                        </a:rPr>
+                        <a:t>"1854-03-15"^^</a:t>
+                      </a:r>
+                      <a:r>
+                        <a:rPr lang="en-IN" dirty="0" err="1">
+                          <a:effectLst/>
+                        </a:rPr>
+                        <a:t>xsd:date</a:t>
+                      </a:r>
+                      <a:endParaRPr lang="en-IN" dirty="0">
+                        <a:effectLst/>
+                      </a:endParaRPr>
+                    </a:p>
+                  </a:txBody>
+                  <a:tcPr marL="48768" marR="48768" marT="24384" marB="24384"/>
+                </a:tc>
+                <a:extLst>
+                  <a:ext uri="{0D108BD9-81ED-4DB2-BD59-A6C34878D82A}">
+                    <a16:rowId xmlns:a16="http://schemas.microsoft.com/office/drawing/2014/main" val="2658529086"/>
+                  </a:ext>
+                </a:extLst>
+              </a:tr>
+            </a:tbl>
+          </a:graphicData>
+        </a:graphic>
+      </p:graphicFrame>
     </p:spTree>
     <p:extLst>
       <p:ext uri="{BB962C8B-B14F-4D97-AF65-F5344CB8AC3E}">
-        <p14:creationId xmlns:p14="http://schemas.microsoft.com/office/powerpoint/2010/main" val="3049373090"/>
+        <p14:creationId xmlns:p14="http://schemas.microsoft.com/office/powerpoint/2010/main" val="1828420354"/>
       </p:ext>
     </p:extLst>
   </p:cSld>
@@ -8560,6 +9074,525 @@
           <p:cNvPr id="2" name="Title 1">
             <a:extLst>
               <a:ext uri="{FF2B5EF4-FFF2-40B4-BE49-F238E27FC236}">
+                <a16:creationId xmlns:a16="http://schemas.microsoft.com/office/drawing/2014/main" id="{1D8501A5-873E-4EF4-9492-1784A574E7A7}"/>
+              </a:ext>
+            </a:extLst>
+          </p:cNvPr>
+          <p:cNvSpPr>
+            <a:spLocks noGrp="1"/>
+          </p:cNvSpPr>
+          <p:nvPr>
+            <p:ph type="title"/>
+          </p:nvPr>
+        </p:nvSpPr>
+        <p:spPr>
+          <a:xfrm>
+            <a:off x="943276" y="712268"/>
+            <a:ext cx="10410524" cy="1193533"/>
+          </a:xfrm>
+        </p:spPr>
+        <p:txBody>
+          <a:bodyPr>
+            <a:normAutofit/>
+          </a:bodyPr>
+          <a:lstStyle/>
+          <a:p>
+            <a:r>
+              <a:rPr lang="en-US">
+                <a:solidFill>
+                  <a:srgbClr val="FFFFFF"/>
+                </a:solidFill>
+              </a:rPr>
+              <a:t>Data From dbpedia</a:t>
+            </a:r>
+            <a:endParaRPr lang="en-IN">
+              <a:solidFill>
+                <a:srgbClr val="FFFFFF"/>
+              </a:solidFill>
+            </a:endParaRPr>
+          </a:p>
+        </p:txBody>
+      </p:sp>
+      <p:sp>
+        <p:nvSpPr>
+          <p:cNvPr id="3" name="Content Placeholder 2">
+            <a:extLst>
+              <a:ext uri="{FF2B5EF4-FFF2-40B4-BE49-F238E27FC236}">
+                <a16:creationId xmlns:a16="http://schemas.microsoft.com/office/drawing/2014/main" id="{DE7FBEDC-DA43-4828-8585-2110229206CD}"/>
+              </a:ext>
+            </a:extLst>
+          </p:cNvPr>
+          <p:cNvSpPr>
+            <a:spLocks noGrp="1"/>
+          </p:cNvSpPr>
+          <p:nvPr>
+            <p:ph idx="1"/>
+          </p:nvPr>
+        </p:nvSpPr>
+        <p:spPr>
+          <a:xfrm>
+            <a:off x="943276" y="2050181"/>
+            <a:ext cx="10410524" cy="4126782"/>
+          </a:xfrm>
+        </p:spPr>
+        <p:txBody>
+          <a:bodyPr>
+            <a:normAutofit/>
+          </a:bodyPr>
+          <a:lstStyle/>
+          <a:p>
+            <a:pPr marL="0" indent="0">
+              <a:buNone/>
+            </a:pPr>
+            <a:r>
+              <a:rPr lang="en-IN" sz="2000" b="1">
+                <a:solidFill>
+                  <a:srgbClr val="FFFFFF"/>
+                </a:solidFill>
+              </a:rPr>
+              <a:t>PREFIX </a:t>
+            </a:r>
+            <a:r>
+              <a:rPr lang="en-IN" sz="2000" b="1" i="1">
+                <a:solidFill>
+                  <a:srgbClr val="FFFFFF"/>
+                </a:solidFill>
+              </a:rPr>
+              <a:t>dbo:</a:t>
+            </a:r>
+            <a:r>
+              <a:rPr lang="en-IN" sz="2000" b="1">
+                <a:solidFill>
+                  <a:srgbClr val="FFFFFF"/>
+                </a:solidFill>
+              </a:rPr>
+              <a:t> </a:t>
+            </a:r>
+            <a:r>
+              <a:rPr lang="en-IN" sz="2000" b="1" u="sng">
+                <a:solidFill>
+                  <a:srgbClr val="FFFFFF"/>
+                </a:solidFill>
+              </a:rPr>
+              <a:t>&lt;http://dbpedia.org/ontology/&gt;</a:t>
+            </a:r>
+            <a:r>
+              <a:rPr lang="en-IN" sz="2000" b="1">
+                <a:solidFill>
+                  <a:srgbClr val="FFFFFF"/>
+                </a:solidFill>
+              </a:rPr>
+              <a:t> </a:t>
+            </a:r>
+          </a:p>
+          <a:p>
+            <a:pPr marL="0" indent="0">
+              <a:buNone/>
+            </a:pPr>
+            <a:r>
+              <a:rPr lang="en-IN" sz="2000" b="1">
+                <a:solidFill>
+                  <a:srgbClr val="FFFFFF"/>
+                </a:solidFill>
+              </a:rPr>
+              <a:t>PREFIX </a:t>
+            </a:r>
+            <a:r>
+              <a:rPr lang="en-IN" sz="2000" b="1" i="1">
+                <a:solidFill>
+                  <a:srgbClr val="FFFFFF"/>
+                </a:solidFill>
+              </a:rPr>
+              <a:t>dbp:</a:t>
+            </a:r>
+            <a:r>
+              <a:rPr lang="en-IN" sz="2000" b="1">
+                <a:solidFill>
+                  <a:srgbClr val="FFFFFF"/>
+                </a:solidFill>
+              </a:rPr>
+              <a:t> </a:t>
+            </a:r>
+            <a:r>
+              <a:rPr lang="en-IN" sz="2000" b="1" u="sng">
+                <a:solidFill>
+                  <a:srgbClr val="FFFFFF"/>
+                </a:solidFill>
+              </a:rPr>
+              <a:t>&lt;http://dbpedia.org/property/&gt;</a:t>
+            </a:r>
+            <a:r>
+              <a:rPr lang="en-IN" sz="2000" b="1">
+                <a:solidFill>
+                  <a:srgbClr val="FFFFFF"/>
+                </a:solidFill>
+              </a:rPr>
+              <a:t> </a:t>
+            </a:r>
+          </a:p>
+          <a:p>
+            <a:pPr marL="0" indent="0">
+              <a:buNone/>
+            </a:pPr>
+            <a:r>
+              <a:rPr lang="en-IN" sz="2000" b="1">
+                <a:solidFill>
+                  <a:srgbClr val="FFFFFF"/>
+                </a:solidFill>
+              </a:rPr>
+              <a:t>PREFIX </a:t>
+            </a:r>
+            <a:r>
+              <a:rPr lang="en-IN" sz="2000" b="1" i="1">
+                <a:solidFill>
+                  <a:srgbClr val="FFFFFF"/>
+                </a:solidFill>
+              </a:rPr>
+              <a:t>dct:</a:t>
+            </a:r>
+            <a:r>
+              <a:rPr lang="en-IN" sz="2000" b="1">
+                <a:solidFill>
+                  <a:srgbClr val="FFFFFF"/>
+                </a:solidFill>
+              </a:rPr>
+              <a:t> </a:t>
+            </a:r>
+            <a:r>
+              <a:rPr lang="en-IN" sz="2000" b="1" u="sng">
+                <a:solidFill>
+                  <a:srgbClr val="FFFFFF"/>
+                </a:solidFill>
+              </a:rPr>
+              <a:t>&lt;http://purl.org/dc/terms/&gt;</a:t>
+            </a:r>
+            <a:r>
+              <a:rPr lang="en-IN" sz="2000" b="1">
+                <a:solidFill>
+                  <a:srgbClr val="FFFFFF"/>
+                </a:solidFill>
+              </a:rPr>
+              <a:t> </a:t>
+            </a:r>
+          </a:p>
+          <a:p>
+            <a:pPr marL="0" indent="0">
+              <a:buNone/>
+            </a:pPr>
+            <a:r>
+              <a:rPr lang="en-IN" sz="2000" b="1">
+                <a:solidFill>
+                  <a:srgbClr val="FFFFFF"/>
+                </a:solidFill>
+              </a:rPr>
+              <a:t>select distinct </a:t>
+            </a:r>
+            <a:r>
+              <a:rPr lang="en-IN" sz="2000" b="1" i="1">
+                <a:solidFill>
+                  <a:srgbClr val="FFFFFF"/>
+                </a:solidFill>
+              </a:rPr>
+              <a:t>*</a:t>
+            </a:r>
+            <a:r>
+              <a:rPr lang="en-IN" sz="2000" b="1">
+                <a:solidFill>
+                  <a:srgbClr val="FFFFFF"/>
+                </a:solidFill>
+              </a:rPr>
+              <a:t> </a:t>
+            </a:r>
+          </a:p>
+          <a:p>
+            <a:pPr marL="0" indent="0">
+              <a:buNone/>
+            </a:pPr>
+            <a:r>
+              <a:rPr lang="en-IN" sz="2000" b="1">
+                <a:solidFill>
+                  <a:srgbClr val="FFFFFF"/>
+                </a:solidFill>
+              </a:rPr>
+              <a:t>where</a:t>
+            </a:r>
+          </a:p>
+          <a:p>
+            <a:pPr marL="0" indent="0">
+              <a:buNone/>
+            </a:pPr>
+            <a:r>
+              <a:rPr lang="en-IN" sz="2000" b="1">
+                <a:solidFill>
+                  <a:srgbClr val="FFFFFF"/>
+                </a:solidFill>
+              </a:rPr>
+              <a:t>{</a:t>
+            </a:r>
+          </a:p>
+          <a:p>
+            <a:pPr marL="0" indent="0">
+              <a:buNone/>
+            </a:pPr>
+            <a:r>
+              <a:rPr lang="en-IN" sz="2000" b="1">
+                <a:solidFill>
+                  <a:srgbClr val="FFFFFF"/>
+                </a:solidFill>
+              </a:rPr>
+              <a:t>    links[index]  </a:t>
+            </a:r>
+            <a:r>
+              <a:rPr lang="en-IN" sz="2000" b="1" i="1">
+                <a:solidFill>
+                  <a:srgbClr val="FFFFFF"/>
+                </a:solidFill>
+              </a:rPr>
+              <a:t>foaf: name</a:t>
+            </a:r>
+            <a:r>
+              <a:rPr lang="en-IN" sz="2000" b="1">
+                <a:solidFill>
+                  <a:srgbClr val="FFFFFF"/>
+                </a:solidFill>
+              </a:rPr>
+              <a:t> ?name.</a:t>
+            </a:r>
+          </a:p>
+          <a:p>
+            <a:pPr marL="0" indent="0">
+              <a:buNone/>
+            </a:pPr>
+            <a:r>
+              <a:rPr lang="en-IN" sz="2000" b="1">
+                <a:solidFill>
+                  <a:srgbClr val="FFFFFF"/>
+                </a:solidFill>
+              </a:rPr>
+              <a:t>    links[index]  </a:t>
+            </a:r>
+            <a:r>
+              <a:rPr lang="en-IN" sz="2000" b="1" i="1">
+                <a:solidFill>
+                  <a:srgbClr val="FFFFFF"/>
+                </a:solidFill>
+              </a:rPr>
+              <a:t>dbo: thumbnail</a:t>
+            </a:r>
+            <a:r>
+              <a:rPr lang="en-IN" sz="2000" b="1">
+                <a:solidFill>
+                  <a:srgbClr val="FFFFFF"/>
+                </a:solidFill>
+              </a:rPr>
+              <a:t> ?thumbnail.</a:t>
+            </a:r>
+          </a:p>
+          <a:p>
+            <a:pPr marL="0" indent="0">
+              <a:buNone/>
+            </a:pPr>
+            <a:r>
+              <a:rPr lang="en-IN" sz="2000" b="1">
+                <a:solidFill>
+                  <a:srgbClr val="FFFFFF"/>
+                </a:solidFill>
+              </a:rPr>
+              <a:t>    links[index]  </a:t>
+            </a:r>
+            <a:r>
+              <a:rPr lang="en-IN" sz="2000" b="1" i="1">
+                <a:solidFill>
+                  <a:srgbClr val="FFFFFF"/>
+                </a:solidFill>
+              </a:rPr>
+              <a:t>dct: description</a:t>
+            </a:r>
+            <a:r>
+              <a:rPr lang="en-IN" sz="2000" b="1">
+                <a:solidFill>
+                  <a:srgbClr val="FFFFFF"/>
+                </a:solidFill>
+              </a:rPr>
+              <a:t> ?description.</a:t>
+            </a:r>
+          </a:p>
+          <a:p>
+            <a:pPr marL="0" indent="0">
+              <a:buNone/>
+            </a:pPr>
+            <a:r>
+              <a:rPr lang="en-IN" sz="2000" b="1">
+                <a:solidFill>
+                  <a:srgbClr val="FFFFFF"/>
+                </a:solidFill>
+              </a:rPr>
+              <a:t>}</a:t>
+            </a:r>
+          </a:p>
+          <a:p>
+            <a:pPr marL="0" indent="0">
+              <a:buNone/>
+            </a:pPr>
+            <a:endParaRPr lang="en-IN" sz="2000">
+              <a:solidFill>
+                <a:srgbClr val="FFFFFF"/>
+              </a:solidFill>
+            </a:endParaRPr>
+          </a:p>
+        </p:txBody>
+      </p:sp>
+    </p:spTree>
+    <p:extLst>
+      <p:ext uri="{BB962C8B-B14F-4D97-AF65-F5344CB8AC3E}">
+        <p14:creationId xmlns:p14="http://schemas.microsoft.com/office/powerpoint/2010/main" val="3049373090"/>
+      </p:ext>
+    </p:extLst>
+  </p:cSld>
+  <p:clrMapOvr>
+    <a:masterClrMapping/>
+  </p:clrMapOvr>
+</p:sld>
+</file>
+
+<file path=ppt/slides/slide6.xml><?xml version="1.0" encoding="utf-8"?>
+<p:sld xmlns:a="http://schemas.openxmlformats.org/drawingml/2006/main" xmlns:r="http://schemas.openxmlformats.org/officeDocument/2006/relationships" xmlns:p="http://schemas.openxmlformats.org/presentationml/2006/main">
+  <p:cSld>
+    <p:bg>
+      <p:bgPr>
+        <a:solidFill>
+          <a:schemeClr val="accent1"/>
+        </a:solidFill>
+        <a:effectLst/>
+      </p:bgPr>
+    </p:bg>
+    <p:spTree>
+      <p:nvGrpSpPr>
+        <p:cNvPr id="1" name=""/>
+        <p:cNvGrpSpPr/>
+        <p:nvPr/>
+      </p:nvGrpSpPr>
+      <p:grpSpPr>
+        <a:xfrm>
+          <a:off x="0" y="0"/>
+          <a:ext cx="0" cy="0"/>
+          <a:chOff x="0" y="0"/>
+          <a:chExt cx="0" cy="0"/>
+        </a:xfrm>
+      </p:grpSpPr>
+      <p:sp>
+        <p:nvSpPr>
+          <p:cNvPr id="8" name="Rectangle 7">
+            <a:extLst>
+              <a:ext uri="{FF2B5EF4-FFF2-40B4-BE49-F238E27FC236}">
+                <a16:creationId xmlns:a16="http://schemas.microsoft.com/office/drawing/2014/main" id="{E89ACC69-ADF2-492B-84C5-EA2CC16071F3}"/>
+              </a:ext>
+            </a:extLst>
+          </p:cNvPr>
+          <p:cNvSpPr>
+            <a:spLocks noGrp="1" noRot="1" noChangeAspect="1" noMove="1" noResize="1" noEditPoints="1" noAdjustHandles="1" noChangeArrowheads="1" noChangeShapeType="1" noTextEdit="1"/>
+          </p:cNvSpPr>
+          <p:nvPr>
+            <p:extLst>
+              <p:ext uri="{386F3935-93C4-4BCD-93E2-E3B085C9AB24}">
+                <p16:designElem xmlns:p16="http://schemas.microsoft.com/office/powerpoint/2015/main" val="1"/>
+              </p:ext>
+            </p:extLst>
+          </p:nvPr>
+        </p:nvSpPr>
+        <p:spPr>
+          <a:xfrm>
+            <a:off x="0" y="0"/>
+            <a:ext cx="12192000" cy="6858000"/>
+          </a:xfrm>
+          <a:prstGeom prst="rect">
+            <a:avLst/>
+          </a:prstGeom>
+          <a:ln>
+            <a:noFill/>
+          </a:ln>
+        </p:spPr>
+        <p:style>
+          <a:lnRef idx="2">
+            <a:schemeClr val="accent1">
+              <a:shade val="50000"/>
+            </a:schemeClr>
+          </a:lnRef>
+          <a:fillRef idx="1">
+            <a:schemeClr val="accent1"/>
+          </a:fillRef>
+          <a:effectRef idx="0">
+            <a:schemeClr val="accent1"/>
+          </a:effectRef>
+          <a:fontRef idx="minor">
+            <a:schemeClr val="lt1"/>
+          </a:fontRef>
+        </p:style>
+        <p:txBody>
+          <a:bodyPr rtlCol="0" anchor="ctr"/>
+          <a:lstStyle/>
+          <a:p>
+            <a:pPr algn="ctr"/>
+            <a:endParaRPr lang="en-US"/>
+          </a:p>
+        </p:txBody>
+      </p:sp>
+      <p:cxnSp>
+        <p:nvCxnSpPr>
+          <p:cNvPr id="10" name="Straight Connector 9">
+            <a:extLst>
+              <a:ext uri="{FF2B5EF4-FFF2-40B4-BE49-F238E27FC236}">
+                <a16:creationId xmlns:a16="http://schemas.microsoft.com/office/drawing/2014/main" id="{F2AE495E-2AAF-4BC1-87A5-331009D82896}"/>
+              </a:ext>
+            </a:extLst>
+          </p:cNvPr>
+          <p:cNvCxnSpPr>
+            <a:cxnSpLocks noGrp="1" noRot="1" noChangeAspect="1" noMove="1" noResize="1" noEditPoints="1" noAdjustHandles="1" noChangeArrowheads="1" noChangeShapeType="1"/>
+          </p:cNvCxnSpPr>
+          <p:nvPr>
+            <p:extLst>
+              <p:ext uri="{386F3935-93C4-4BCD-93E2-E3B085C9AB24}">
+                <p16:designElem xmlns:p16="http://schemas.microsoft.com/office/powerpoint/2015/main" val="1"/>
+              </p:ext>
+            </p:extLst>
+          </p:nvPr>
+        </p:nvCxnSpPr>
+        <p:spPr>
+          <a:xfrm flipV="1">
+            <a:off x="762000" y="826324"/>
+            <a:ext cx="0" cy="914400"/>
+          </a:xfrm>
+          <a:prstGeom prst="line">
+            <a:avLst/>
+          </a:prstGeom>
+          <a:ln w="19050">
+            <a:solidFill>
+              <a:srgbClr val="FFFFFF">
+                <a:alpha val="80000"/>
+              </a:srgbClr>
+            </a:solidFill>
+          </a:ln>
+        </p:spPr>
+        <p:style>
+          <a:lnRef idx="1">
+            <a:schemeClr val="accent1"/>
+          </a:lnRef>
+          <a:fillRef idx="0">
+            <a:schemeClr val="accent1"/>
+          </a:fillRef>
+          <a:effectRef idx="0">
+            <a:schemeClr val="accent1"/>
+          </a:effectRef>
+          <a:fontRef idx="minor">
+            <a:schemeClr val="tx1"/>
+          </a:fontRef>
+        </p:style>
+      </p:cxnSp>
+      <p:sp>
+        <p:nvSpPr>
+          <p:cNvPr id="2" name="Title 1">
+            <a:extLst>
+              <a:ext uri="{FF2B5EF4-FFF2-40B4-BE49-F238E27FC236}">
                 <a16:creationId xmlns:a16="http://schemas.microsoft.com/office/drawing/2014/main" id="{AD213F5E-E4B4-4867-A243-6193EDA5F546}"/>
               </a:ext>
             </a:extLst>
@@ -8627,8 +9660,11 @@
           </a:bodyPr>
           <a:lstStyle/>
           <a:p>
-            <a:r>
-              <a:rPr lang="en-IN" sz="2400" b="1" i="1">
+            <a:pPr marL="0" indent="0">
+              <a:buNone/>
+            </a:pPr>
+            <a:r>
+              <a:rPr lang="en-IN" sz="2400" b="1" i="1" dirty="0">
                 <a:solidFill>
                   <a:srgbClr val="FFFFFF"/>
                 </a:solidFill>
@@ -8636,7 +9672,7 @@
               <a:t>function</a:t>
             </a:r>
             <a:r>
-              <a:rPr lang="en-IN" sz="2400" b="1">
+              <a:rPr lang="en-IN" sz="2400" b="1" dirty="0">
                 <a:solidFill>
                   <a:srgbClr val="FFFFFF"/>
                 </a:solidFill>
@@ -8644,7 +9680,7 @@
               <a:t> sparqlQueryJson(</a:t>
             </a:r>
             <a:r>
-              <a:rPr lang="en-IN" sz="2400" b="1" i="1">
+              <a:rPr lang="en-IN" sz="2400" b="1" i="1" dirty="0">
                 <a:solidFill>
                   <a:srgbClr val="FFFFFF"/>
                 </a:solidFill>
@@ -8652,7 +9688,7 @@
               <a:t>queryStr</a:t>
             </a:r>
             <a:r>
-              <a:rPr lang="en-IN" sz="2400" b="1">
+              <a:rPr lang="en-IN" sz="2400" b="1" dirty="0">
                 <a:solidFill>
                   <a:srgbClr val="FFFFFF"/>
                 </a:solidFill>
@@ -8660,7 +9696,7 @@
               <a:t>, </a:t>
             </a:r>
             <a:r>
-              <a:rPr lang="en-IN" sz="2400" b="1" i="1">
+              <a:rPr lang="en-IN" sz="2400" b="1" i="1" dirty="0">
                 <a:solidFill>
                   <a:srgbClr val="FFFFFF"/>
                 </a:solidFill>
@@ -8668,7 +9704,7 @@
               <a:t>endpoint</a:t>
             </a:r>
             <a:r>
-              <a:rPr lang="en-IN" sz="2400" b="1">
+              <a:rPr lang="en-IN" sz="2400" b="1" dirty="0">
                 <a:solidFill>
                   <a:srgbClr val="FFFFFF"/>
                 </a:solidFill>
@@ -8681,7 +9717,7 @@
               <a:buNone/>
             </a:pPr>
             <a:r>
-              <a:rPr lang="en-US" sz="2400" b="1">
+              <a:rPr lang="en-US" sz="2400" b="1" dirty="0">
                 <a:solidFill>
                   <a:srgbClr val="FFFFFF"/>
                 </a:solidFill>
@@ -8694,7 +9730,7 @@
               <a:buNone/>
             </a:pPr>
             <a:r>
-              <a:rPr lang="en-US">
+              <a:rPr lang="en-US" dirty="0">
                 <a:solidFill>
                   <a:srgbClr val="FFFFFF"/>
                 </a:solidFill>
@@ -8702,7 +9738,7 @@
               <a:t>//T</a:t>
             </a:r>
             <a:r>
-              <a:rPr lang="en-IN">
+              <a:rPr lang="en-IN" dirty="0">
                 <a:solidFill>
                   <a:srgbClr val="FFFFFF"/>
                 </a:solidFill>
@@ -8715,7 +9751,7 @@
               <a:buNone/>
             </a:pPr>
             <a:r>
-              <a:rPr lang="en-IN" b="1">
+              <a:rPr lang="en-IN" b="1" dirty="0">
                 <a:solidFill>
                   <a:srgbClr val="FFFFFF"/>
                 </a:solidFill>
@@ -8723,7 +9759,7 @@
               <a:t>xmlhttp = new </a:t>
             </a:r>
             <a:r>
-              <a:rPr lang="en-IN" b="1" u="sng">
+              <a:rPr lang="en-IN" b="1" u="sng" dirty="0">
                 <a:solidFill>
                   <a:srgbClr val="FFFFFF"/>
                 </a:solidFill>
@@ -8731,7 +9767,7 @@
               <a:t>XMLHttpRequest</a:t>
             </a:r>
             <a:r>
-              <a:rPr lang="en-IN" b="1">
+              <a:rPr lang="en-IN" b="1" dirty="0">
                 <a:solidFill>
                   <a:srgbClr val="FFFFFF"/>
                 </a:solidFill>
@@ -8744,7 +9780,7 @@
               <a:buNone/>
             </a:pPr>
             <a:r>
-              <a:rPr lang="da-DK" b="1">
+              <a:rPr lang="da-DK" b="1" dirty="0">
                 <a:solidFill>
                   <a:srgbClr val="FFFFFF"/>
                 </a:solidFill>
@@ -8757,14 +9793,14 @@
               <a:buNone/>
             </a:pPr>
             <a:r>
-              <a:rPr lang="en-IN" b="1">
+              <a:rPr lang="en-IN" b="1" dirty="0">
                 <a:solidFill>
                   <a:srgbClr val="FFFFFF"/>
                 </a:solidFill>
               </a:rPr>
               <a:t>xmlhttp.setRequestHeader("Accept", "application/sparql-results+json");</a:t>
             </a:r>
-            <a:endParaRPr lang="da-DK" b="1">
+            <a:endParaRPr lang="da-DK" b="1" dirty="0">
               <a:solidFill>
                 <a:srgbClr val="FFFFFF"/>
               </a:solidFill>
@@ -8775,7 +9811,7 @@
               <a:buNone/>
             </a:pPr>
             <a:r>
-              <a:rPr lang="en-IN" b="1">
+              <a:rPr lang="en-IN" b="1" dirty="0">
                 <a:solidFill>
                   <a:srgbClr val="FFFFFF"/>
                 </a:solidFill>
@@ -8788,14 +9824,14 @@
               <a:buNone/>
             </a:pPr>
             <a:r>
-              <a:rPr lang="en-IN" b="1">
+              <a:rPr lang="en-IN" b="1" dirty="0">
                 <a:solidFill>
                   <a:srgbClr val="FFFFFF"/>
                 </a:solidFill>
               </a:rPr>
               <a:t>return xmlhttp.responseText;</a:t>
             </a:r>
-            <a:endParaRPr lang="en-US" b="1">
+            <a:endParaRPr lang="en-US" b="1" dirty="0">
               <a:solidFill>
                 <a:srgbClr val="FFFFFF"/>
               </a:solidFill>
@@ -8806,14 +9842,14 @@
               <a:buNone/>
             </a:pPr>
             <a:r>
-              <a:rPr lang="en-US" sz="2400" b="1">
+              <a:rPr lang="en-US" sz="2400" b="1" dirty="0">
                 <a:solidFill>
                   <a:srgbClr val="FFFFFF"/>
                 </a:solidFill>
               </a:rPr>
               <a:t>}</a:t>
             </a:r>
-            <a:endParaRPr lang="en-IN" sz="2400" b="1">
+            <a:endParaRPr lang="en-IN" sz="2400" b="1" dirty="0">
               <a:solidFill>
                 <a:srgbClr val="FFFFFF"/>
               </a:solidFill>
@@ -8823,7 +9859,7 @@
             <a:pPr marL="457200" lvl="1" indent="0">
               <a:buNone/>
             </a:pPr>
-            <a:endParaRPr lang="en-IN" b="1">
+            <a:endParaRPr lang="en-IN" b="1" dirty="0">
               <a:solidFill>
                 <a:srgbClr val="FFFFFF"/>
               </a:solidFill>
@@ -8833,7 +9869,7 @@
             <a:pPr marL="457200" lvl="1" indent="0">
               <a:buNone/>
             </a:pPr>
-            <a:endParaRPr lang="da-DK" b="1">
+            <a:endParaRPr lang="da-DK" b="1" dirty="0">
               <a:solidFill>
                 <a:srgbClr val="FFFFFF"/>
               </a:solidFill>
@@ -8843,14 +9879,14 @@
             <a:pPr marL="457200" lvl="1" indent="0">
               <a:buNone/>
             </a:pPr>
-            <a:endParaRPr lang="en-IN">
+            <a:endParaRPr lang="en-IN" dirty="0">
               <a:solidFill>
                 <a:srgbClr val="FFFFFF"/>
               </a:solidFill>
             </a:endParaRPr>
           </a:p>
           <a:p>
-            <a:endParaRPr lang="en-IN" sz="2400">
+            <a:endParaRPr lang="en-IN" sz="2400" dirty="0">
               <a:solidFill>
                 <a:srgbClr val="FFFFFF"/>
               </a:solidFill>
@@ -8871,7 +9907,7 @@
 </p:sld>
 </file>
 
-<file path=ppt/slides/slide6.xml><?xml version="1.0" encoding="utf-8"?>
+<file path=ppt/slides/slide7.xml><?xml version="1.0" encoding="utf-8"?>
 <p:sld xmlns:a="http://schemas.openxmlformats.org/drawingml/2006/main" xmlns:r="http://schemas.openxmlformats.org/officeDocument/2006/relationships" xmlns:p="http://schemas.openxmlformats.org/presentationml/2006/main">
   <p:cSld>
     <p:spTree>
